--- a/diploma_work_materials/Diploma_slides.pptx
+++ b/diploma_work_materials/Diploma_slides.pptx
@@ -28,7 +28,7 @@
     <p:sldId id="283" r:id="rId19"/>
     <p:sldId id="277" r:id="rId20"/>
     <p:sldId id="269" r:id="rId21"/>
-    <p:sldId id="278" r:id="rId22"/>
+    <p:sldId id="285" r:id="rId22"/>
     <p:sldId id="270" r:id="rId23"/>
     <p:sldId id="279" r:id="rId24"/>
     <p:sldId id="271" r:id="rId25"/>
@@ -234,7 +234,7 @@
           <a:p>
             <a:fld id="{DC0B8FE5-3809-4277-AF2B-8784DBC000AA}" type="datetimeFigureOut">
               <a:rPr lang="en-US" smtClean="0"/>
-              <a:t>5/10/2018</a:t>
+              <a:t>5/24/2018</a:t>
             </a:fld>
             <a:endParaRPr lang="en-US"/>
           </a:p>
@@ -695,7 +695,7 @@
           <a:p>
             <a:fld id="{9616E58A-1502-49A9-81BD-C67CE2D6112C}" type="datetimeFigureOut">
               <a:rPr lang="en-US" smtClean="0"/>
-              <a:t>5/10/2018</a:t>
+              <a:t>5/24/2018</a:t>
             </a:fld>
             <a:endParaRPr lang="en-US"/>
           </a:p>
@@ -960,7 +960,7 @@
           <a:p>
             <a:fld id="{9616E58A-1502-49A9-81BD-C67CE2D6112C}" type="datetimeFigureOut">
               <a:rPr lang="en-US" smtClean="0"/>
-              <a:t>5/10/2018</a:t>
+              <a:t>5/24/2018</a:t>
             </a:fld>
             <a:endParaRPr lang="en-US"/>
           </a:p>
@@ -1135,7 +1135,7 @@
           <a:p>
             <a:fld id="{9616E58A-1502-49A9-81BD-C67CE2D6112C}" type="datetimeFigureOut">
               <a:rPr lang="en-US" smtClean="0"/>
-              <a:t>5/10/2018</a:t>
+              <a:t>5/24/2018</a:t>
             </a:fld>
             <a:endParaRPr lang="en-US"/>
           </a:p>
@@ -1300,7 +1300,7 @@
           <a:p>
             <a:fld id="{9616E58A-1502-49A9-81BD-C67CE2D6112C}" type="datetimeFigureOut">
               <a:rPr lang="en-US" smtClean="0"/>
-              <a:t>5/10/2018</a:t>
+              <a:t>5/24/2018</a:t>
             </a:fld>
             <a:endParaRPr lang="en-US"/>
           </a:p>
@@ -1549,7 +1549,7 @@
           <a:p>
             <a:fld id="{9616E58A-1502-49A9-81BD-C67CE2D6112C}" type="datetimeFigureOut">
               <a:rPr lang="en-US" smtClean="0"/>
-              <a:t>5/10/2018</a:t>
+              <a:t>5/24/2018</a:t>
             </a:fld>
             <a:endParaRPr lang="en-US"/>
           </a:p>
@@ -1832,7 +1832,7 @@
           <a:p>
             <a:fld id="{9616E58A-1502-49A9-81BD-C67CE2D6112C}" type="datetimeFigureOut">
               <a:rPr lang="en-US" smtClean="0"/>
-              <a:t>5/10/2018</a:t>
+              <a:t>5/24/2018</a:t>
             </a:fld>
             <a:endParaRPr lang="en-US"/>
           </a:p>
@@ -2271,7 +2271,7 @@
           <a:p>
             <a:fld id="{9616E58A-1502-49A9-81BD-C67CE2D6112C}" type="datetimeFigureOut">
               <a:rPr lang="en-US" smtClean="0"/>
-              <a:t>5/10/2018</a:t>
+              <a:t>5/24/2018</a:t>
             </a:fld>
             <a:endParaRPr lang="en-US"/>
           </a:p>
@@ -2384,7 +2384,7 @@
           <a:p>
             <a:fld id="{9616E58A-1502-49A9-81BD-C67CE2D6112C}" type="datetimeFigureOut">
               <a:rPr lang="en-US" smtClean="0"/>
-              <a:t>5/10/2018</a:t>
+              <a:t>5/24/2018</a:t>
             </a:fld>
             <a:endParaRPr lang="en-US"/>
           </a:p>
@@ -2474,7 +2474,7 @@
           <a:p>
             <a:fld id="{9616E58A-1502-49A9-81BD-C67CE2D6112C}" type="datetimeFigureOut">
               <a:rPr lang="en-US" smtClean="0"/>
-              <a:t>5/10/2018</a:t>
+              <a:t>5/24/2018</a:t>
             </a:fld>
             <a:endParaRPr lang="en-US"/>
           </a:p>
@@ -2716,7 +2716,7 @@
           <a:p>
             <a:fld id="{9616E58A-1502-49A9-81BD-C67CE2D6112C}" type="datetimeFigureOut">
               <a:rPr lang="en-US" smtClean="0"/>
-              <a:t>5/10/2018</a:t>
+              <a:t>5/24/2018</a:t>
             </a:fld>
             <a:endParaRPr lang="en-US"/>
           </a:p>
@@ -3010,7 +3010,7 @@
           <a:p>
             <a:fld id="{9616E58A-1502-49A9-81BD-C67CE2D6112C}" type="datetimeFigureOut">
               <a:rPr lang="en-US" smtClean="0"/>
-              <a:t>5/10/2018</a:t>
+              <a:t>5/24/2018</a:t>
             </a:fld>
             <a:endParaRPr lang="en-US"/>
           </a:p>
@@ -3304,7 +3304,7 @@
           <a:p>
             <a:fld id="{9616E58A-1502-49A9-81BD-C67CE2D6112C}" type="datetimeFigureOut">
               <a:rPr lang="en-US" smtClean="0"/>
-              <a:t>5/10/2018</a:t>
+              <a:t>5/24/2018</a:t>
             </a:fld>
             <a:endParaRPr lang="en-US"/>
           </a:p>
@@ -3948,100 +3948,124 @@
         </p:nvSpPr>
         <p:spPr/>
         <p:txBody>
-          <a:bodyPr/>
+          <a:bodyPr>
+            <a:normAutofit/>
+          </a:bodyPr>
           <a:lstStyle/>
           <a:p>
-            <a:r>
-              <a:rPr lang="ru-RU" dirty="0"/>
-              <a:t>Описывает примитивные типы и является базовым классом  для </a:t>
-            </a:r>
-            <a:r>
-              <a:rPr lang="en-US" dirty="0" err="1"/>
+            <a:pPr>
+              <a:buFont typeface="Arial" pitchFamily="34" charset="0"/>
+              <a:buChar char="•"/>
+            </a:pPr>
+            <a:r>
+              <a:rPr lang="ru-RU" sz="2400" dirty="0"/>
+              <a:t> Описывает примитивные типы</a:t>
+            </a:r>
+          </a:p>
+          <a:p>
+            <a:pPr>
+              <a:buFont typeface="Arial" pitchFamily="34" charset="0"/>
+              <a:buChar char="•"/>
+            </a:pPr>
+            <a:r>
+              <a:rPr lang="ru-RU" sz="2400" dirty="0"/>
+              <a:t> Является базовым классом для </a:t>
+            </a:r>
+            <a:r>
+              <a:rPr lang="en-US" sz="2400" dirty="0" err="1"/>
               <a:t>ConstPrimitiveTest</a:t>
             </a:r>
             <a:r>
-              <a:rPr lang="ru-RU" dirty="0"/>
+              <a:rPr lang="ru-RU" sz="2400" dirty="0"/>
               <a:t>&lt;</a:t>
             </a:r>
             <a:r>
-              <a:rPr lang="en-US" dirty="0"/>
+              <a:rPr lang="en-US" sz="2400" dirty="0"/>
               <a:t>T</a:t>
             </a:r>
             <a:r>
-              <a:rPr lang="ru-RU" dirty="0"/>
+              <a:rPr lang="ru-RU" sz="2400" dirty="0"/>
               <a:t>&gt; и </a:t>
             </a:r>
             <a:r>
-              <a:rPr lang="en-US" dirty="0" err="1"/>
+              <a:rPr lang="en-US" sz="2400" dirty="0" err="1"/>
               <a:t>RangePrimitiveTest</a:t>
             </a:r>
             <a:r>
-              <a:rPr lang="ru-RU" dirty="0"/>
+              <a:rPr lang="ru-RU" sz="2400" dirty="0"/>
               <a:t>&lt;</a:t>
             </a:r>
             <a:r>
-              <a:rPr lang="en-US" dirty="0"/>
+              <a:rPr lang="en-US" sz="2400" dirty="0"/>
               <a:t>T</a:t>
             </a:r>
             <a:r>
-              <a:rPr lang="ru-RU" dirty="0"/>
-              <a:t>&gt;. </a:t>
-            </a:r>
-          </a:p>
-          <a:p>
-            <a:endParaRPr lang="en-US" dirty="0"/>
-          </a:p>
-          <a:p>
-            <a:r>
-              <a:rPr lang="en-US" dirty="0" err="1"/>
+              <a:rPr lang="ru-RU" sz="2400" dirty="0"/>
+              <a:t>&gt;</a:t>
+            </a:r>
+            <a:r>
+              <a:rPr lang="en-US" sz="2400" dirty="0"/>
+              <a:t>:</a:t>
+            </a:r>
+            <a:r>
+              <a:rPr lang="ru-RU" sz="2400" dirty="0"/>
+              <a:t> </a:t>
+            </a:r>
+            <a:endParaRPr lang="en-US" sz="2400" dirty="0"/>
+          </a:p>
+          <a:p>
+            <a:pPr lvl="1"/>
+            <a:r>
+              <a:rPr lang="en-US" sz="2400" b="1" dirty="0" err="1"/>
               <a:t>ConstPrimitiveTest</a:t>
             </a:r>
             <a:r>
-              <a:rPr lang="en-US" dirty="0"/>
+              <a:rPr lang="en-US" sz="2400" b="1" dirty="0"/>
               <a:t> </a:t>
             </a:r>
             <a:r>
-              <a:rPr lang="hy-AM" dirty="0"/>
+              <a:rPr lang="hy-AM" sz="2400" b="1" dirty="0"/>
               <a:t>&lt;</a:t>
             </a:r>
             <a:r>
-              <a:rPr lang="en-US" dirty="0"/>
+              <a:rPr lang="en-US" sz="2400" b="1" dirty="0"/>
               <a:t>T</a:t>
             </a:r>
             <a:r>
-              <a:rPr lang="ru-RU" dirty="0"/>
+              <a:rPr lang="ru-RU" sz="2400" b="1" dirty="0"/>
               <a:t>&gt; принимает один объект типа </a:t>
             </a:r>
             <a:r>
-              <a:rPr lang="en-US" dirty="0"/>
+              <a:rPr lang="en-US" sz="2400" b="1" dirty="0"/>
               <a:t>T</a:t>
             </a:r>
             <a:r>
-              <a:rPr lang="ru-RU" dirty="0"/>
+              <a:rPr lang="ru-RU" sz="2400" b="1" dirty="0"/>
               <a:t>. Используется для того, чтобы определять константные числа. </a:t>
             </a:r>
           </a:p>
           <a:p>
-            <a:endParaRPr lang="ru-RU" dirty="0"/>
-          </a:p>
-          <a:p>
-            <a:r>
-              <a:rPr lang="en-US" dirty="0" err="1"/>
+            <a:pPr lvl="1"/>
+            <a:r>
+              <a:rPr lang="en-US" sz="2400" b="1" dirty="0" err="1"/>
               <a:t>RangePrimitiveTest</a:t>
             </a:r>
             <a:r>
-              <a:rPr lang="hy-AM" dirty="0"/>
+              <a:rPr lang="hy-AM" sz="2400" b="1" dirty="0"/>
               <a:t> &lt;</a:t>
             </a:r>
             <a:r>
-              <a:rPr lang="en-US" dirty="0"/>
+              <a:rPr lang="en-US" sz="2400" b="1" dirty="0"/>
               <a:t>T&gt; </a:t>
             </a:r>
             <a:r>
-              <a:rPr lang="ru-RU" dirty="0"/>
-              <a:t>принимает один диапазон. При этом можно получить довольно сложную структуру теста.</a:t>
-            </a:r>
-            <a:endParaRPr lang="en-US" dirty="0"/>
+              <a:rPr lang="ru-RU" sz="2400" b="1" dirty="0"/>
+              <a:t>принимает один диапазон значений. Используется для того, чтобы определять элементарные типы на диапазонах.</a:t>
+            </a:r>
+          </a:p>
+          <a:p>
+            <a:pPr lvl="1"/>
+            <a:endParaRPr lang="en-US" sz="2400" b="1" dirty="0"/>
           </a:p>
         </p:txBody>
       </p:sp>
@@ -4117,108 +4141,94 @@
         </p:nvSpPr>
         <p:spPr/>
         <p:txBody>
-          <a:bodyPr/>
+          <a:bodyPr>
+            <a:normAutofit/>
+          </a:bodyPr>
           <a:lstStyle/>
           <a:p>
             <a:r>
-              <a:rPr lang="ru-RU" dirty="0"/>
+              <a:rPr lang="ru-RU" sz="2400" dirty="0"/>
               <a:t>Назовем </a:t>
             </a:r>
             <a:r>
-              <a:rPr lang="ru-RU" i="1" dirty="0"/>
+              <a:rPr lang="ru-RU" sz="2400" i="1" dirty="0"/>
               <a:t>зависимыми</a:t>
             </a:r>
             <a:r>
-              <a:rPr lang="ru-RU" dirty="0"/>
-              <a:t> тесты, в которых мы используем связь переменных. </a:t>
-            </a:r>
-          </a:p>
-          <a:p>
-            <a:r>
-              <a:rPr lang="ru-RU" dirty="0"/>
+              <a:rPr lang="ru-RU" sz="2400" dirty="0"/>
+              <a:t> тесты, в которых используется связь между переменными. </a:t>
+            </a:r>
+          </a:p>
+          <a:p>
+            <a:r>
+              <a:rPr lang="ru-RU" sz="2400" dirty="0"/>
               <a:t>Пример зависимых тестов:</a:t>
             </a:r>
           </a:p>
           <a:p>
             <a:pPr marL="800100" lvl="1" indent="-342900"/>
             <a:r>
-              <a:rPr lang="en-US" b="0" dirty="0" err="1"/>
+              <a:rPr lang="en-US" sz="2300" dirty="0" err="1"/>
               <a:t>PrimitiveTest</a:t>
             </a:r>
             <a:r>
-              <a:rPr lang="en-US" b="0" dirty="0"/>
-              <a:t>&lt;</a:t>
-            </a:r>
-            <a:r>
-              <a:rPr lang="en-US" b="0" dirty="0" err="1"/>
-              <a:t>int</a:t>
-            </a:r>
-            <a:r>
-              <a:rPr lang="en-US" b="0" dirty="0"/>
-              <a:t>&gt;* n1</a:t>
-            </a:r>
-            <a:r>
-              <a:rPr lang="ru-RU" b="0" dirty="0"/>
+              <a:rPr lang="en-US" sz="2300" dirty="0"/>
+              <a:t>&lt;int&gt;* n1</a:t>
+            </a:r>
+            <a:r>
+              <a:rPr lang="ru-RU" sz="2300" dirty="0"/>
               <a:t> =</a:t>
             </a:r>
             <a:r>
-              <a:rPr lang="hy-AM" b="0" dirty="0"/>
+              <a:rPr lang="hy-AM" sz="2300" dirty="0"/>
               <a:t> </a:t>
             </a:r>
             <a:r>
-              <a:rPr lang="en-US" b="0" dirty="0" err="1"/>
+              <a:rPr lang="en-US" sz="2300" dirty="0" err="1"/>
               <a:t>CreateElement</a:t>
             </a:r>
             <a:r>
-              <a:rPr lang="en-US" b="0" dirty="0"/>
+              <a:rPr lang="en-US" sz="2300" dirty="0"/>
               <a:t>(1, 1000);</a:t>
             </a:r>
             <a:br>
-              <a:rPr lang="hy-AM" b="0" dirty="0"/>
+              <a:rPr lang="hy-AM" sz="2300" dirty="0"/>
             </a:br>
             <a:r>
-              <a:rPr lang="en-US" b="0" dirty="0" err="1"/>
+              <a:rPr lang="en-US" sz="2300" dirty="0" err="1"/>
               <a:t>PrimitiveTest</a:t>
             </a:r>
             <a:r>
-              <a:rPr lang="en-US" b="0" dirty="0"/>
-              <a:t>&lt;</a:t>
-            </a:r>
-            <a:r>
-              <a:rPr lang="en-US" b="0" dirty="0" err="1"/>
-              <a:t>int</a:t>
-            </a:r>
-            <a:r>
-              <a:rPr lang="en-US" b="0" dirty="0"/>
-              <a:t>&gt;* n2 = </a:t>
-            </a:r>
-            <a:r>
-              <a:rPr lang="en-US" b="0" dirty="0" err="1"/>
+              <a:rPr lang="en-US" sz="2300" dirty="0"/>
+              <a:t>&lt;int&gt;* n2 = </a:t>
+            </a:r>
+            <a:r>
+              <a:rPr lang="en-US" sz="2300" dirty="0" err="1"/>
               <a:t>CreateElement</a:t>
             </a:r>
             <a:r>
-              <a:rPr lang="en-US" b="0" dirty="0"/>
+              <a:rPr lang="en-US" sz="2300" dirty="0"/>
               <a:t>(n1, 1000);</a:t>
             </a:r>
             <a:br>
-              <a:rPr lang="hy-AM" b="0" dirty="0"/>
+              <a:rPr lang="hy-AM" sz="2300" dirty="0"/>
             </a:br>
-            <a:endParaRPr lang="ru-RU" b="0" dirty="0"/>
-          </a:p>
-          <a:p>
-            <a:r>
-              <a:rPr lang="ru-RU" dirty="0"/>
-              <a:t>Назовем </a:t>
-            </a:r>
-            <a:r>
-              <a:rPr lang="ru-RU" i="1" dirty="0"/>
+            <a:endParaRPr lang="ru-RU" sz="2300" dirty="0"/>
+          </a:p>
+          <a:p>
+            <a:r>
+              <a:rPr lang="ru-RU" sz="2400" dirty="0"/>
+              <a:t>Все остальные тесты назовем </a:t>
+            </a:r>
+            <a:r>
+              <a:rPr lang="ru-RU" sz="2400" i="1" dirty="0"/>
               <a:t>независимыми</a:t>
             </a:r>
             <a:r>
-              <a:rPr lang="ru-RU" dirty="0"/>
-              <a:t> все остальные тесты. </a:t>
-            </a:r>
-            <a:endParaRPr lang="en-US" dirty="0"/>
+              <a:rPr lang="ru-RU" sz="2400" dirty="0"/>
+              <a:t>.</a:t>
+            </a:r>
+            <a:endParaRPr lang="en-US" sz="2400" dirty="0"/>
           </a:p>
         </p:txBody>
       </p:sp>
@@ -4312,9 +4322,13 @@
           </a:bodyPr>
           <a:lstStyle/>
           <a:p>
+            <a:pPr>
+              <a:buFont typeface="Arial" pitchFamily="34" charset="0"/>
+              <a:buChar char="•"/>
+            </a:pPr>
             <a:r>
               <a:rPr lang="ru-RU" sz="2800" dirty="0"/>
-              <a:t>Для создание массивов тестов нужно использовать класс </a:t>
+              <a:t> Для создания массивов тестов нужно использовать класс </a:t>
             </a:r>
             <a:r>
               <a:rPr lang="en-US" sz="2800" dirty="0"/>
@@ -4323,16 +4337,24 @@
             <a:endParaRPr lang="ru-RU" sz="2800" dirty="0"/>
           </a:p>
           <a:p>
+            <a:pPr>
+              <a:buFont typeface="Arial" pitchFamily="34" charset="0"/>
+              <a:buChar char="•"/>
+            </a:pPr>
             <a:r>
               <a:rPr lang="ru-RU" sz="2800" dirty="0"/>
-              <a:t>Поддерживается создание зависимых и независимых тестов. </a:t>
+              <a:t> Поддерживается создание зависимых и независимых тестов. </a:t>
             </a:r>
             <a:endParaRPr lang="en-US" sz="2800" dirty="0"/>
           </a:p>
           <a:p>
+            <a:pPr>
+              <a:buFont typeface="Arial" pitchFamily="34" charset="0"/>
+              <a:buChar char="•"/>
+            </a:pPr>
             <a:r>
               <a:rPr lang="ru-RU" sz="2800" dirty="0"/>
-              <a:t>Так же присутствует класс матриц, который имеет тот же интерфейс, что и массив.</a:t>
+              <a:t> Так же присутствует класс матриц, который имеет тот же интерфейс, что и массив.</a:t>
             </a:r>
             <a:endParaRPr lang="en-US" sz="2800" dirty="0"/>
           </a:p>
@@ -4412,19 +4434,175 @@
         <p:spPr/>
         <p:txBody>
           <a:bodyPr>
-            <a:normAutofit/>
+            <a:normAutofit fontScale="92500" lnSpcReduction="20000"/>
           </a:bodyPr>
           <a:lstStyle/>
           <a:p>
+            <a:pPr marL="342900" indent="-342900">
+              <a:buFont typeface="Arial" panose="020B0604020202020204" pitchFamily="34" charset="0"/>
+              <a:buChar char="•"/>
+            </a:pPr>
             <a:r>
               <a:rPr lang="ru-RU" sz="2400" dirty="0"/>
-              <a:t>Класс, представляющий контекстно-свободную грамматику. Конструктор класса принимает 2 строки: первая это описание грамматики, вторая это набор правил. </a:t>
-            </a:r>
-          </a:p>
-          <a:p>
+              <a:t>Класс, представляющий контекстно-свободную грамматику. </a:t>
+            </a:r>
+            <a:endParaRPr lang="en-US" sz="2400" dirty="0"/>
+          </a:p>
+          <a:p>
+            <a:pPr marL="342900" indent="-342900">
+              <a:buFont typeface="Arial" panose="020B0604020202020204" pitchFamily="34" charset="0"/>
+              <a:buChar char="•"/>
+            </a:pPr>
             <a:r>
               <a:rPr lang="ru-RU" sz="2400" dirty="0"/>
-              <a:t>Можно описать любую контекстно-свободную грамматику и по этой грамматике сгенерировать тесты. Все сгенерированные тесты будут словами из языка, порождённым этой грамматикой.</a:t>
+              <a:t>Все сгенерированные в результате тесты будут словами из языка, порождённым этой грамматикой. </a:t>
+            </a:r>
+            <a:endParaRPr lang="en-US" sz="2400" dirty="0"/>
+          </a:p>
+          <a:p>
+            <a:pPr marL="342900" indent="-342900">
+              <a:buFont typeface="Arial" panose="020B0604020202020204" pitchFamily="34" charset="0"/>
+              <a:buChar char="•"/>
+            </a:pPr>
+            <a:r>
+              <a:rPr lang="ru-RU" sz="2400" dirty="0"/>
+              <a:t>Например</a:t>
+            </a:r>
+            <a:r>
+              <a:rPr lang="en-US" sz="2400" dirty="0"/>
+              <a:t>, </a:t>
+            </a:r>
+            <a:r>
+              <a:rPr lang="ru-RU" sz="2400" dirty="0"/>
+              <a:t>чтобы сгенерировать тесты вида </a:t>
+            </a:r>
+            <a:r>
+              <a:rPr lang="en-US" sz="2400" u="sng" dirty="0" err="1"/>
+              <a:t>a</a:t>
+            </a:r>
+            <a:r>
+              <a:rPr lang="en-US" sz="2400" u="sng" baseline="30000" dirty="0" err="1"/>
+              <a:t>n</a:t>
+            </a:r>
+            <a:r>
+              <a:rPr lang="en-US" sz="2400" u="sng" dirty="0" err="1"/>
+              <a:t>b</a:t>
+            </a:r>
+            <a:r>
+              <a:rPr lang="en-US" sz="2400" u="sng" baseline="30000" dirty="0" err="1"/>
+              <a:t>m</a:t>
+            </a:r>
+            <a:r>
+              <a:rPr lang="ru-RU" sz="2400" dirty="0"/>
+              <a:t>, достаточно построить следующую грамматику</a:t>
+            </a:r>
+            <a:r>
+              <a:rPr lang="en-US" sz="2400" dirty="0"/>
+              <a:t>:</a:t>
+            </a:r>
+            <a:endParaRPr lang="ru-RU" sz="2400" dirty="0"/>
+          </a:p>
+          <a:p>
+            <a:pPr algn="ctr"/>
+            <a:r>
+              <a:rPr lang="en-US" sz="2400" i="1" dirty="0">
+                <a:latin typeface="Cambria Math" pitchFamily="18" charset="0"/>
+                <a:ea typeface="Cambria Math" pitchFamily="18" charset="0"/>
+              </a:rPr>
+              <a:t>( {S,A,B}, {</a:t>
+            </a:r>
+            <a:r>
+              <a:rPr lang="en-US" sz="2400" i="1" dirty="0" err="1">
+                <a:latin typeface="Cambria Math" pitchFamily="18" charset="0"/>
+                <a:ea typeface="Cambria Math" pitchFamily="18" charset="0"/>
+              </a:rPr>
+              <a:t>a,b</a:t>
+            </a:r>
+            <a:r>
+              <a:rPr lang="en-US" sz="2400" i="1" dirty="0">
+                <a:latin typeface="Cambria Math" pitchFamily="18" charset="0"/>
+                <a:ea typeface="Cambria Math" pitchFamily="18" charset="0"/>
+              </a:rPr>
+              <a:t>}, P, S )</a:t>
+            </a:r>
+          </a:p>
+          <a:p>
+            <a:pPr algn="ctr"/>
+            <a:r>
+              <a:rPr lang="en-US" sz="2400" i="1" dirty="0">
+                <a:latin typeface="Cambria Math" pitchFamily="18" charset="0"/>
+                <a:ea typeface="Cambria Math" pitchFamily="18" charset="0"/>
+              </a:rPr>
+              <a:t>S</a:t>
+            </a:r>
+            <a:r>
+              <a:rPr lang="ru-RU" sz="2400" i="1" dirty="0">
+                <a:latin typeface="Cambria Math" pitchFamily="18" charset="0"/>
+                <a:ea typeface="Cambria Math" pitchFamily="18" charset="0"/>
+              </a:rPr>
+              <a:t>→</a:t>
+            </a:r>
+            <a:r>
+              <a:rPr lang="en-US" sz="2400" i="1" dirty="0">
+                <a:latin typeface="Cambria Math" pitchFamily="18" charset="0"/>
+                <a:ea typeface="Cambria Math" pitchFamily="18" charset="0"/>
+              </a:rPr>
+              <a:t>AB</a:t>
+            </a:r>
+          </a:p>
+          <a:p>
+            <a:pPr algn="ctr"/>
+            <a:r>
+              <a:rPr lang="en-US" sz="2400" i="1" dirty="0">
+                <a:latin typeface="Cambria Math" pitchFamily="18" charset="0"/>
+                <a:ea typeface="Cambria Math" pitchFamily="18" charset="0"/>
+              </a:rPr>
+              <a:t>A</a:t>
+            </a:r>
+            <a:r>
+              <a:rPr lang="ru-RU" sz="2400" i="1" dirty="0">
+                <a:latin typeface="Cambria Math" pitchFamily="18" charset="0"/>
+                <a:ea typeface="Cambria Math" pitchFamily="18" charset="0"/>
+              </a:rPr>
+              <a:t>→</a:t>
+            </a:r>
+            <a:r>
+              <a:rPr lang="en-US" sz="2400" i="1" dirty="0" err="1">
+                <a:latin typeface="Cambria Math" pitchFamily="18" charset="0"/>
+                <a:ea typeface="Cambria Math" pitchFamily="18" charset="0"/>
+              </a:rPr>
+              <a:t>aA</a:t>
+            </a:r>
+            <a:r>
+              <a:rPr lang="en-US" sz="2400" i="1" dirty="0">
+                <a:latin typeface="Cambria Math" pitchFamily="18" charset="0"/>
+                <a:ea typeface="Cambria Math" pitchFamily="18" charset="0"/>
+              </a:rPr>
+              <a:t> | e</a:t>
+            </a:r>
+          </a:p>
+          <a:p>
+            <a:pPr algn="ctr"/>
+            <a:r>
+              <a:rPr lang="en-US" sz="2400" i="1" dirty="0">
+                <a:latin typeface="Cambria Math" pitchFamily="18" charset="0"/>
+                <a:ea typeface="Cambria Math" pitchFamily="18" charset="0"/>
+              </a:rPr>
+              <a:t>B</a:t>
+            </a:r>
+            <a:r>
+              <a:rPr lang="ru-RU" sz="2400" i="1" dirty="0">
+                <a:latin typeface="Cambria Math" pitchFamily="18" charset="0"/>
+                <a:ea typeface="Cambria Math" pitchFamily="18" charset="0"/>
+              </a:rPr>
+              <a:t>→</a:t>
+            </a:r>
+            <a:r>
+              <a:rPr lang="en-US" sz="2400" i="1" dirty="0">
+                <a:latin typeface="Cambria Math" pitchFamily="18" charset="0"/>
+                <a:ea typeface="Cambria Math" pitchFamily="18" charset="0"/>
+              </a:rPr>
+              <a:t>Bb | e</a:t>
             </a:r>
             <a:br>
               <a:rPr lang="ru-RU" sz="2400" dirty="0"/>
@@ -4511,15 +4689,23 @@
           </a:bodyPr>
           <a:lstStyle/>
           <a:p>
+            <a:pPr marL="342900" indent="-342900">
+              <a:buFont typeface="Arial" panose="020B0604020202020204" pitchFamily="34" charset="0"/>
+              <a:buChar char="•"/>
+            </a:pPr>
             <a:r>
               <a:rPr lang="ru-RU" dirty="0"/>
               <a:t>Класс, представляющий регулярные выражения. </a:t>
             </a:r>
           </a:p>
           <a:p>
+            <a:pPr marL="342900" indent="-342900">
+              <a:buFont typeface="Arial" panose="020B0604020202020204" pitchFamily="34" charset="0"/>
+              <a:buChar char="•"/>
+            </a:pPr>
             <a:r>
               <a:rPr lang="ru-RU" dirty="0"/>
-              <a:t>Регулярные выражения, реализованные в данной работе, отличаются от классических регулярных выражений, реализованных в текстовых редакторах и языках программирования, потому что надо </a:t>
+              <a:t>Регулярные выражения, реализованные в данной работе, отличаются от классических регулярных выражений, т.к. требуется </a:t>
             </a:r>
             <a:r>
               <a:rPr lang="ru-RU" i="1" dirty="0"/>
@@ -4527,22 +4713,105 @@
             </a:r>
             <a:r>
               <a:rPr lang="ru-RU" dirty="0"/>
-              <a:t>строки, а не искать и заменять. </a:t>
+              <a:t>строки, а не </a:t>
+            </a:r>
+            <a:r>
+              <a:rPr lang="ru-RU" i="1" dirty="0"/>
+              <a:t>искать </a:t>
+            </a:r>
+            <a:r>
+              <a:rPr lang="ru-RU" dirty="0"/>
+              <a:t>и </a:t>
+            </a:r>
+            <a:r>
+              <a:rPr lang="ru-RU" i="1" dirty="0"/>
+              <a:t>заменять</a:t>
+            </a:r>
+            <a:r>
+              <a:rPr lang="ru-RU" dirty="0"/>
+              <a:t>.</a:t>
+            </a:r>
+          </a:p>
+          <a:p>
+            <a:pPr marL="342900" indent="-342900">
+              <a:buFont typeface="Arial" panose="020B0604020202020204" pitchFamily="34" charset="0"/>
+              <a:buChar char="•"/>
+            </a:pPr>
+            <a:r>
+              <a:rPr lang="ru-RU" dirty="0"/>
+              <a:t>В качестве примера</a:t>
             </a:r>
             <a:r>
               <a:rPr lang="en-US" dirty="0"/>
-              <a:t> </a:t>
-            </a:r>
-          </a:p>
-          <a:p>
+              <a:t> </a:t>
+            </a:r>
             <a:r>
               <a:rPr lang="ru-RU" dirty="0"/>
-              <a:t>Конструктор класса принимает одну строку и одно необязательное целое число – максимальную глубину для операций * и +, которая по умолчанию является 1000. Строка же является именно регулярным выражением, по которому и нужно генерировать строки. </a:t>
-            </a:r>
-            <a:endParaRPr lang="en-US" dirty="0"/>
-          </a:p>
-        </p:txBody>
-      </p:sp>
+              <a:t>рассмотрим регулярное выражение для генерации следующего теста</a:t>
+            </a:r>
+            <a:r>
+              <a:rPr lang="en-US" dirty="0"/>
+              <a:t> </a:t>
+            </a:r>
+            <a:r>
+              <a:rPr lang="en-US" u="sng" dirty="0" err="1"/>
+              <a:t>a</a:t>
+            </a:r>
+            <a:r>
+              <a:rPr lang="en-US" u="sng" baseline="30000" dirty="0" err="1"/>
+              <a:t>n</a:t>
+            </a:r>
+            <a:r>
+              <a:rPr lang="en-US" u="sng" dirty="0" err="1"/>
+              <a:t>b</a:t>
+            </a:r>
+            <a:r>
+              <a:rPr lang="en-US" u="sng" baseline="30000" dirty="0" err="1"/>
+              <a:t>m</a:t>
+            </a:r>
+            <a:r>
+              <a:rPr lang="en-US" dirty="0"/>
+              <a:t>:</a:t>
+            </a:r>
+          </a:p>
+        </p:txBody>
+      </p:sp>
+      <p:pic>
+        <p:nvPicPr>
+          <p:cNvPr id="5" name="Picture 4">
+            <a:extLst>
+              <a:ext uri="{FF2B5EF4-FFF2-40B4-BE49-F238E27FC236}">
+                <a16:creationId xmlns:a16="http://schemas.microsoft.com/office/drawing/2014/main" id="{51E3512F-D713-44B5-AD3F-16EABD604841}"/>
+              </a:ext>
+            </a:extLst>
+          </p:cNvPr>
+          <p:cNvPicPr>
+            <a:picLocks noChangeAspect="1"/>
+          </p:cNvPicPr>
+          <p:nvPr/>
+        </p:nvPicPr>
+        <p:blipFill>
+          <a:blip r:embed="rId2">
+            <a:extLst>
+              <a:ext uri="{28A0092B-C50C-407E-A947-70E740481C1C}">
+                <a14:useLocalDpi xmlns:a14="http://schemas.microsoft.com/office/drawing/2010/main" val="0"/>
+              </a:ext>
+            </a:extLst>
+          </a:blip>
+          <a:stretch>
+            <a:fillRect/>
+          </a:stretch>
+        </p:blipFill>
+        <p:spPr>
+          <a:xfrm>
+            <a:off x="920371" y="4419600"/>
+            <a:ext cx="7193405" cy="838200"/>
+          </a:xfrm>
+          <a:prstGeom prst="rect">
+            <a:avLst/>
+          </a:prstGeom>
+        </p:spPr>
+      </p:pic>
     </p:spTree>
     <p:extLst>
       <p:ext uri="{BB962C8B-B14F-4D97-AF65-F5344CB8AC3E}">
@@ -4620,49 +4889,62 @@
           <a:lstStyle/>
           <a:p>
             <a:r>
-              <a:rPr lang="ru-RU" dirty="0"/>
+              <a:rPr lang="ru-RU" sz="2400" dirty="0"/>
               <a:t>Класс описывающий графы. </a:t>
             </a:r>
           </a:p>
           <a:p>
             <a:r>
-              <a:rPr lang="ru-RU" dirty="0"/>
+              <a:rPr lang="ru-RU" sz="2400" dirty="0"/>
               <a:t>Поддерживаются:</a:t>
             </a:r>
           </a:p>
           <a:p>
             <a:pPr marL="800100" lvl="1" indent="-342900"/>
             <a:r>
-              <a:rPr lang="ru-RU" dirty="0"/>
+              <a:rPr lang="ru-RU" sz="2400" b="1" dirty="0"/>
               <a:t>Ориентированные и неориентированные</a:t>
             </a:r>
           </a:p>
           <a:p>
             <a:pPr marL="800100" lvl="1" indent="-342900"/>
             <a:r>
-              <a:rPr lang="ru-RU" dirty="0"/>
+              <a:rPr lang="ru-RU" sz="2400" b="1" dirty="0"/>
               <a:t>Взвешенные </a:t>
             </a:r>
           </a:p>
           <a:p>
             <a:pPr marL="800100" lvl="1" indent="-342900"/>
             <a:r>
-              <a:rPr lang="ru-RU" dirty="0"/>
-              <a:t>С петлями и без</a:t>
-            </a:r>
-          </a:p>
-          <a:p>
-            <a:pPr marL="800100" lvl="1" indent="-342900"/>
-            <a:r>
-              <a:rPr lang="ru-RU" dirty="0"/>
-              <a:t>С определённым методом вывода. </a:t>
-            </a:r>
-          </a:p>
-          <a:p>
-            <a:r>
-              <a:rPr lang="ru-RU" dirty="0"/>
-              <a:t>На данный момент методов вывода три: матрица смежности, список смежности и список ребер. Конструктор принимает количество вершин, количество ребер, веса.</a:t>
-            </a:r>
+              <a:rPr lang="ru-RU" sz="2400" b="1" dirty="0"/>
+              <a:t>С тремя методами вывода</a:t>
+            </a:r>
+            <a:r>
+              <a:rPr lang="en-US" sz="2400" b="1" dirty="0"/>
+              <a:t>:</a:t>
+            </a:r>
+          </a:p>
+          <a:p>
+            <a:pPr marL="1485900" lvl="2" indent="-342900"/>
+            <a:r>
+              <a:rPr lang="ru-RU" sz="2400" b="1" dirty="0"/>
+              <a:t>Матрица смежности</a:t>
+            </a:r>
+          </a:p>
+          <a:p>
+            <a:pPr marL="1485900" lvl="2" indent="-342900"/>
+            <a:r>
+              <a:rPr lang="ru-RU" sz="2400" b="1" dirty="0"/>
+              <a:t>Список смежности</a:t>
+            </a:r>
+          </a:p>
+          <a:p>
+            <a:pPr marL="1485900" lvl="2" indent="-342900"/>
+            <a:r>
+              <a:rPr lang="ru-RU" sz="2400" b="1" dirty="0"/>
+              <a:t>Список ребёр </a:t>
+            </a:r>
+            <a:endParaRPr lang="en-US" sz="2400" b="1" dirty="0"/>
           </a:p>
         </p:txBody>
       </p:sp>
@@ -4739,11 +5021,13 @@
         </p:nvSpPr>
         <p:spPr/>
         <p:txBody>
-          <a:bodyPr/>
+          <a:bodyPr>
+            <a:normAutofit fontScale="85000" lnSpcReduction="20000"/>
+          </a:bodyPr>
           <a:lstStyle/>
           <a:p>
             <a:r>
-              <a:rPr lang="ru-RU" dirty="0"/>
+              <a:rPr lang="ru-RU" sz="2400" dirty="0"/>
               <a:t>Процесс генерации графа:</a:t>
             </a:r>
           </a:p>
@@ -4753,7 +5037,7 @@
               <a:buAutoNum type="arabicPeriod"/>
             </a:pPr>
             <a:r>
-              <a:rPr lang="ru-RU" dirty="0"/>
+              <a:rPr lang="ru-RU" sz="2400" b="1" dirty="0"/>
               <a:t>Фиксируется дерево	</a:t>
             </a:r>
           </a:p>
@@ -4763,22 +5047,35 @@
               <a:buAutoNum type="arabicPeriod"/>
             </a:pPr>
             <a:r>
-              <a:rPr lang="ru-RU" dirty="0"/>
-              <a:t>Определяется граф большой или маленький</a:t>
-            </a:r>
+              <a:rPr lang="ru-RU" sz="2400" b="1" dirty="0"/>
+              <a:t>Определяется размер графа (большой или маленький)</a:t>
+            </a:r>
+            <a:r>
+              <a:rPr lang="en-US" sz="2400" b="1" dirty="0"/>
+              <a:t>:</a:t>
+            </a:r>
+            <a:endParaRPr lang="ru-RU" sz="2400" b="1" dirty="0"/>
           </a:p>
           <a:p>
             <a:pPr marL="1485900" lvl="2" indent="-342900"/>
             <a:r>
-              <a:rPr lang="ru-RU" dirty="0"/>
+              <a:rPr lang="ru-RU" sz="2400" b="1" dirty="0"/>
               <a:t>Большой, если количество ребер больше половины</a:t>
             </a:r>
+            <a:r>
+              <a:rPr lang="en-US" sz="2400" b="1" dirty="0"/>
+              <a:t> </a:t>
+            </a:r>
+            <a:r>
+              <a:rPr lang="ru-RU" sz="2400" b="1" dirty="0"/>
+              <a:t>ребёр полного графа</a:t>
+            </a:r>
           </a:p>
           <a:p>
             <a:pPr marL="1485900" lvl="2" indent="-342900"/>
             <a:r>
-              <a:rPr lang="ru-RU" dirty="0"/>
-              <a:t>Маленький если нет</a:t>
+              <a:rPr lang="ru-RU" sz="2400" b="1" dirty="0"/>
+              <a:t>Маленький в противном случае</a:t>
             </a:r>
           </a:p>
           <a:p>
@@ -4787,8 +5084,8 @@
               <a:buAutoNum type="arabicPeriod"/>
             </a:pPr>
             <a:r>
-              <a:rPr lang="ru-RU" dirty="0"/>
-              <a:t>Если маленький, то начинает строиться с фиксированного дерева</a:t>
+              <a:rPr lang="ru-RU" sz="2400" b="1" dirty="0"/>
+              <a:t>Если граф маленький, то начинает строиться с фиксированного дерева путём добавления ребёр</a:t>
             </a:r>
           </a:p>
           <a:p>
@@ -4797,14 +5094,41 @@
               <a:buAutoNum type="arabicPeriod"/>
             </a:pPr>
             <a:r>
+              <a:rPr lang="ru-RU" sz="2400" b="1" dirty="0"/>
+              <a:t>Если граф большой, то начинает строиться путём удаления ребёр из полного графа, не затрагивая фиксированное дерево.</a:t>
+            </a:r>
+          </a:p>
+          <a:p>
+            <a:endParaRPr lang="en-US" sz="2800" dirty="0">
+              <a:solidFill>
+                <a:srgbClr val="FF0000"/>
+              </a:solidFill>
+            </a:endParaRPr>
+          </a:p>
+          <a:p>
+            <a:r>
+              <a:rPr lang="ru-RU" sz="2800" dirty="0">
+                <a:solidFill>
+                  <a:srgbClr val="FF0000"/>
+                </a:solidFill>
+              </a:rPr>
+              <a:t>Заметка</a:t>
+            </a:r>
+            <a:r>
+              <a:rPr lang="en-US" sz="2800" dirty="0">
+                <a:solidFill>
+                  <a:srgbClr val="FF0000"/>
+                </a:solidFill>
+              </a:rPr>
+              <a:t>: </a:t>
+            </a:r>
+            <a:r>
+              <a:rPr lang="ru-RU" sz="2800" dirty="0"/>
+              <a:t>Граф всегда связный</a:t>
+            </a:r>
+            <a:r>
               <a:rPr lang="ru-RU" dirty="0"/>
-              <a:t>Если большой, то начинает удалять ребра, не трогая фиксированное дерево.</a:t>
-            </a:r>
-          </a:p>
-          <a:p>
-            <a:r>
-              <a:rPr lang="ru-RU" dirty="0"/>
-              <a:t>Граф всегда связный.</a:t>
+              <a:t>.</a:t>
             </a:r>
           </a:p>
         </p:txBody>
@@ -4888,13 +5212,8 @@
           <a:p>
             <a:r>
               <a:rPr lang="ru-RU" dirty="0"/>
-              <a:t>Класс для объединения графов. Принимает в конструкторе массив </a:t>
-            </a:r>
-            <a:r>
-              <a:rPr lang="en-US" dirty="0"/>
-              <a:t>Graph.</a:t>
-            </a:r>
-            <a:endParaRPr lang="ru-RU" dirty="0"/>
+              <a:t>Класс для объединения графов</a:t>
+            </a:r>
           </a:p>
           <a:p>
             <a:r>
@@ -4908,31 +5227,31 @@
               <a:buAutoNum type="arabicPeriod"/>
             </a:pPr>
             <a:r>
-              <a:rPr lang="ru-RU" dirty="0"/>
+              <a:rPr lang="ru-RU" b="1" dirty="0"/>
               <a:t>Узнаётся общее количество</a:t>
             </a:r>
             <a:r>
-              <a:rPr lang="en-US" dirty="0"/>
+              <a:rPr lang="en-US" b="1" dirty="0"/>
               <a:t> </a:t>
             </a:r>
             <a:r>
-              <a:rPr lang="ru-RU" dirty="0"/>
+              <a:rPr lang="ru-RU" b="1" dirty="0"/>
               <a:t>вершин</a:t>
             </a:r>
             <a:r>
-              <a:rPr lang="en-US" dirty="0"/>
+              <a:rPr lang="en-US" b="1" dirty="0"/>
               <a:t> (</a:t>
             </a:r>
             <a:r>
-              <a:rPr lang="ru-RU" dirty="0"/>
+              <a:rPr lang="ru-RU" b="1" dirty="0"/>
               <a:t>предположим, </a:t>
             </a:r>
             <a:r>
-              <a:rPr lang="en-US" dirty="0"/>
+              <a:rPr lang="en-US" b="1" dirty="0"/>
               <a:t>n)</a:t>
             </a:r>
             <a:r>
-              <a:rPr lang="ru-RU" dirty="0"/>
+              <a:rPr lang="ru-RU" b="1" dirty="0"/>
               <a:t>.</a:t>
             </a:r>
           </a:p>
@@ -4942,18 +5261,21 @@
               <a:buAutoNum type="arabicPeriod"/>
             </a:pPr>
             <a:r>
-              <a:rPr lang="ru-RU" dirty="0"/>
+              <a:rPr lang="ru-RU" b="1" dirty="0"/>
               <a:t>Создается массив </a:t>
             </a:r>
             <a:r>
-              <a:rPr lang="en-US" dirty="0"/>
+              <a:rPr lang="en-US" b="1" dirty="0">
+                <a:latin typeface="Cambria Math" pitchFamily="18" charset="0"/>
+                <a:ea typeface="Cambria Math" pitchFamily="18" charset="0"/>
+              </a:rPr>
               <a:t>{1, 2, 3, …, n}</a:t>
             </a:r>
             <a:r>
-              <a:rPr lang="ru-RU" dirty="0"/>
+              <a:rPr lang="ru-RU" b="1" dirty="0"/>
               <a:t>.</a:t>
             </a:r>
-            <a:endParaRPr lang="en-US" dirty="0"/>
+            <a:endParaRPr lang="en-US" b="1" dirty="0"/>
           </a:p>
           <a:p>
             <a:pPr marL="914400" lvl="1" indent="-457200">
@@ -4961,7 +5283,7 @@
               <a:buAutoNum type="arabicPeriod"/>
             </a:pPr>
             <a:r>
-              <a:rPr lang="ru-RU" dirty="0"/>
+              <a:rPr lang="ru-RU" b="1" dirty="0"/>
               <a:t>Случайным образом массив перемешивается.</a:t>
             </a:r>
           </a:p>
@@ -4971,14 +5293,14 @@
               <a:buAutoNum type="arabicPeriod"/>
             </a:pPr>
             <a:r>
-              <a:rPr lang="ru-RU" dirty="0"/>
+              <a:rPr lang="ru-RU" b="1" dirty="0"/>
               <a:t>Каждой вершине присваивается свой новый номер</a:t>
             </a:r>
             <a:r>
-              <a:rPr lang="en-US" dirty="0"/>
+              <a:rPr lang="en-US" b="1" dirty="0"/>
               <a:t>.</a:t>
             </a:r>
-            <a:endParaRPr lang="ru-RU" dirty="0"/>
+            <a:endParaRPr lang="ru-RU" b="1" dirty="0"/>
           </a:p>
           <a:p>
             <a:pPr marL="914400" lvl="1" indent="-457200">
@@ -4986,12 +5308,19 @@
               <a:buAutoNum type="arabicPeriod"/>
             </a:pPr>
             <a:r>
-              <a:rPr lang="ru-RU" dirty="0"/>
+              <a:rPr lang="ru-RU" b="1" dirty="0"/>
               <a:t>Создается лист смежности размера </a:t>
             </a:r>
             <a:r>
-              <a:rPr lang="en-US" dirty="0"/>
-              <a:t>n.</a:t>
+              <a:rPr lang="en-US" b="1" dirty="0">
+                <a:latin typeface="Cambria Math" pitchFamily="18" charset="0"/>
+                <a:ea typeface="Cambria Math" pitchFamily="18" charset="0"/>
+              </a:rPr>
+              <a:t>n</a:t>
+            </a:r>
+            <a:r>
+              <a:rPr lang="en-US" b="1" dirty="0"/>
+              <a:t>.</a:t>
             </a:r>
           </a:p>
           <a:p>
@@ -5000,7 +5329,7 @@
               <a:buAutoNum type="arabicPeriod"/>
             </a:pPr>
             <a:r>
-              <a:rPr lang="ru-RU" dirty="0"/>
+              <a:rPr lang="ru-RU" b="1" dirty="0"/>
               <a:t>И заполняется листами смежности каждого отдельного графа.</a:t>
             </a:r>
           </a:p>
@@ -5089,59 +5418,59 @@
             </a:r>
             <a:r>
               <a:rPr lang="ru-RU" dirty="0"/>
-              <a:t> – класс для генерации и записи тестов в файлы. Конструктор принимает:</a:t>
-            </a:r>
-          </a:p>
-          <a:p>
-            <a:pPr marL="457200" indent="-457200">
+              <a:t> – класс для генерации и записи тестов в файлы. Принимает:</a:t>
+            </a:r>
+          </a:p>
+          <a:p>
+            <a:pPr marL="914400" lvl="1" indent="-457200">
               <a:buFont typeface="+mj-lt"/>
               <a:buAutoNum type="arabicPeriod"/>
             </a:pPr>
             <a:r>
-              <a:rPr lang="ru-RU" dirty="0"/>
+              <a:rPr lang="ru-RU" b="1" dirty="0"/>
               <a:t>Тест, который нужно генерировать</a:t>
             </a:r>
           </a:p>
           <a:p>
-            <a:pPr marL="457200" indent="-457200">
+            <a:pPr marL="914400" lvl="1" indent="-457200">
               <a:buFont typeface="+mj-lt"/>
               <a:buAutoNum type="arabicPeriod"/>
             </a:pPr>
             <a:r>
-              <a:rPr lang="ru-RU" dirty="0"/>
+              <a:rPr lang="ru-RU" b="1" dirty="0"/>
               <a:t>Количество тестов для генерации</a:t>
             </a:r>
           </a:p>
           <a:p>
-            <a:pPr marL="457200" indent="-457200">
+            <a:pPr marL="914400" lvl="1" indent="-457200">
               <a:buFont typeface="+mj-lt"/>
               <a:buAutoNum type="arabicPeriod"/>
             </a:pPr>
             <a:r>
-              <a:rPr lang="ru-RU" dirty="0"/>
+              <a:rPr lang="ru-RU" b="1" dirty="0"/>
               <a:t>Путь директории на локальном диске, в которую эти тесты должны записываться </a:t>
             </a:r>
           </a:p>
           <a:p>
-            <a:pPr marL="457200" indent="-457200">
+            <a:pPr marL="914400" lvl="1" indent="-457200">
               <a:buFont typeface="+mj-lt"/>
               <a:buAutoNum type="arabicPeriod"/>
             </a:pPr>
             <a:r>
-              <a:rPr lang="ru-RU" dirty="0"/>
+              <a:rPr lang="ru-RU" b="1" dirty="0"/>
               <a:t>Какое количество потоков должно быть использовано</a:t>
             </a:r>
           </a:p>
           <a:p>
-            <a:pPr marL="457200" indent="-457200">
+            <a:pPr marL="914400" lvl="1" indent="-457200">
               <a:buFont typeface="+mj-lt"/>
               <a:buAutoNum type="arabicPeriod"/>
             </a:pPr>
             <a:r>
-              <a:rPr lang="ru-RU" dirty="0"/>
+              <a:rPr lang="ru-RU" b="1" dirty="0"/>
               <a:t>Формат названия  файлов: префикс файла, расширение, и с какого номера начинать.  </a:t>
             </a:r>
-            <a:endParaRPr lang="en-US" dirty="0"/>
+            <a:endParaRPr lang="en-US" b="1" dirty="0"/>
           </a:p>
           <a:p>
             <a:endParaRPr lang="ru-RU" dirty="0"/>
@@ -5201,8 +5530,8 @@
           </a:p>
         </p:txBody>
       </p:sp>
-      <mc:AlternateContent xmlns:mc="http://schemas.openxmlformats.org/markup-compatibility/2006" xmlns:a14="http://schemas.microsoft.com/office/drawing/2010/main">
-        <mc:Choice Requires="a14">
+      <mc:AlternateContent xmlns:mc="http://schemas.openxmlformats.org/markup-compatibility/2006">
+        <mc:Choice xmlns:a14="http://schemas.microsoft.com/office/drawing/2010/main" Requires="a14">
           <p:sp>
             <p:nvSpPr>
               <p:cNvPr id="3" name="Объект 2"/>
@@ -5215,76 +5544,78 @@
             </p:nvSpPr>
             <p:spPr/>
             <p:txBody>
-              <a:bodyPr/>
+              <a:bodyPr>
+                <a:normAutofit/>
+              </a:bodyPr>
               <a:lstStyle/>
               <a:p>
                 <a:pPr algn="ctr"/>
                 <a:r>
-                  <a:rPr lang="ru-RU" i="1" dirty="0"/>
+                  <a:rPr lang="ru-RU" sz="2400" i="1" dirty="0"/>
                   <a:t>&lt;Условие задачи&gt;</a:t>
                 </a:r>
                 <a:r>
-                  <a:rPr lang="en-US" dirty="0"/>
+                  <a:rPr lang="en-US" sz="2400" dirty="0"/>
                   <a:t> </a:t>
                 </a:r>
               </a:p>
               <a:p>
                 <a:pPr algn="ctr"/>
                 <a:r>
-                  <a:rPr lang="ru-RU" i="1" dirty="0"/>
+                  <a:rPr lang="ru-RU" sz="2400" i="1" dirty="0"/>
                   <a:t>Исходные данные</a:t>
                 </a:r>
                 <a:r>
-                  <a:rPr lang="en-US" dirty="0"/>
+                  <a:rPr lang="en-US" sz="2400" dirty="0"/>
                   <a:t> </a:t>
                 </a:r>
               </a:p>
               <a:p>
                 <a:pPr algn="ctr"/>
                 <a:r>
-                  <a:rPr lang="ru-RU" dirty="0"/>
+                  <a:rPr lang="ru-RU" sz="2400" dirty="0"/>
                   <a:t>Дано число </a:t>
                 </a:r>
                 <a14:m>
                   <m:oMath xmlns:m="http://schemas.openxmlformats.org/officeDocument/2006/math">
                     <m:r>
-                      <a:rPr lang="ru-RU" i="1">
+                      <a:rPr lang="ru-RU" sz="2400" i="1">
                         <a:latin typeface="Cambria Math"/>
                       </a:rPr>
                       <m:t>𝒏</m:t>
                     </m:r>
                     <m:r>
-                      <a:rPr lang="ru-RU" i="1">
+                      <a:rPr lang="ru-RU" sz="2400" i="1">
                         <a:latin typeface="Cambria Math"/>
                       </a:rPr>
                       <m:t> ( </m:t>
                     </m:r>
                     <m:r>
-                      <a:rPr lang="ru-RU" i="1">
+                      <a:rPr lang="ru-RU" sz="2400" i="1">
                         <a:latin typeface="Cambria Math"/>
                       </a:rPr>
                       <m:t>𝟏</m:t>
                     </m:r>
                     <m:r>
-                      <a:rPr lang="ru-RU" i="1">
+                      <a:rPr lang="ru-RU" sz="2400" i="1">
                         <a:latin typeface="Cambria Math"/>
                       </a:rPr>
                       <m:t> ≤</m:t>
                     </m:r>
                     <m:r>
-                      <a:rPr lang="en-US" i="1">
+                      <a:rPr lang="en-US" sz="2400" i="1">
                         <a:latin typeface="Cambria Math"/>
                       </a:rPr>
                       <m:t>𝒏</m:t>
                     </m:r>
                     <m:r>
-                      <a:rPr lang="ru-RU" i="1">
+                      <a:rPr lang="ru-RU" sz="2400" i="1">
                         <a:latin typeface="Cambria Math"/>
                       </a:rPr>
                       <m:t>≤</m:t>
                     </m:r>
                     <m:r>
-                      <a:rPr lang="en-US" i="1">
+                      <a:rPr lang="en-US" sz="2400" i="1">
                         <a:latin typeface="Cambria Math"/>
                       </a:rPr>
                       <m:t>𝟏</m:t>
@@ -5292,14 +5623,14 @@
                     <m:sSup>
                       <m:sSupPr>
                         <m:ctrlPr>
-                          <a:rPr lang="en-US" i="1">
+                          <a:rPr lang="en-US" sz="2400" i="1">
                             <a:latin typeface="Cambria Math" panose="02040503050406030204" pitchFamily="18" charset="0"/>
                           </a:rPr>
                         </m:ctrlPr>
                       </m:sSupPr>
                       <m:e>
                         <m:r>
-                          <a:rPr lang="en-US" i="1">
+                          <a:rPr lang="en-US" sz="2400" i="1">
                             <a:latin typeface="Cambria Math"/>
                           </a:rPr>
                           <m:t>𝟎</m:t>
@@ -5307,7 +5638,7 @@
                       </m:e>
                       <m:sup>
                         <m:r>
-                          <a:rPr lang="en-US" i="1">
+                          <a:rPr lang="en-US" sz="2400" i="1">
                             <a:latin typeface="Cambria Math"/>
                           </a:rPr>
                           <m:t>𝟓</m:t>
@@ -5315,7 +5646,7 @@
                       </m:sup>
                     </m:sSup>
                     <m:r>
-                      <a:rPr lang="ru-RU" i="1">
+                      <a:rPr lang="ru-RU" sz="2400" i="1">
                         <a:latin typeface="Cambria Math"/>
                       </a:rPr>
                       <m:t>)</m:t>
@@ -5323,49 +5654,49 @@
                   </m:oMath>
                 </a14:m>
                 <a:r>
-                  <a:rPr lang="ru-RU" dirty="0"/>
+                  <a:rPr lang="ru-RU" sz="2400" dirty="0"/>
                   <a:t> – количество чисел в массиве. Далее через пробел дано число </a:t>
                 </a:r>
                 <a14:m>
                   <m:oMath xmlns:m="http://schemas.openxmlformats.org/officeDocument/2006/math">
                     <m:r>
-                      <a:rPr lang="ru-RU" i="1">
+                      <a:rPr lang="ru-RU" sz="2400" i="1">
                         <a:latin typeface="Cambria Math"/>
                       </a:rPr>
                       <m:t>𝒎</m:t>
                     </m:r>
                     <m:r>
-                      <a:rPr lang="ru-RU" i="1">
+                      <a:rPr lang="ru-RU" sz="2400" i="1">
                         <a:latin typeface="Cambria Math"/>
                       </a:rPr>
                       <m:t> ( </m:t>
                     </m:r>
                     <m:r>
-                      <a:rPr lang="en-US" i="1">
+                      <a:rPr lang="en-US" sz="2400" i="1">
                         <a:latin typeface="Cambria Math"/>
                       </a:rPr>
                       <m:t>𝒏</m:t>
                     </m:r>
                     <m:r>
-                      <a:rPr lang="ru-RU" i="1">
+                      <a:rPr lang="ru-RU" sz="2400" i="1">
                         <a:latin typeface="Cambria Math"/>
                       </a:rPr>
                       <m:t> ≤</m:t>
                     </m:r>
                     <m:r>
-                      <a:rPr lang="en-US" i="1">
+                      <a:rPr lang="en-US" sz="2400" i="1">
                         <a:latin typeface="Cambria Math"/>
                       </a:rPr>
                       <m:t>𝒎</m:t>
                     </m:r>
                     <m:r>
-                      <a:rPr lang="ru-RU" i="1">
+                      <a:rPr lang="ru-RU" sz="2400" i="1">
                         <a:latin typeface="Cambria Math"/>
                       </a:rPr>
                       <m:t>≤</m:t>
                     </m:r>
                     <m:r>
-                      <a:rPr lang="en-US" i="1">
+                      <a:rPr lang="en-US" sz="2400" i="1">
                         <a:latin typeface="Cambria Math"/>
                       </a:rPr>
                       <m:t>𝟏</m:t>
@@ -5373,14 +5704,14 @@
                     <m:sSup>
                       <m:sSupPr>
                         <m:ctrlPr>
-                          <a:rPr lang="en-US" i="1">
+                          <a:rPr lang="en-US" sz="2400" i="1">
                             <a:latin typeface="Cambria Math" panose="02040503050406030204" pitchFamily="18" charset="0"/>
                           </a:rPr>
                         </m:ctrlPr>
                       </m:sSupPr>
                       <m:e>
                         <m:r>
-                          <a:rPr lang="en-US" i="1">
+                          <a:rPr lang="en-US" sz="2400" i="1">
                             <a:latin typeface="Cambria Math"/>
                           </a:rPr>
                           <m:t>𝟎</m:t>
@@ -5388,7 +5719,7 @@
                       </m:e>
                       <m:sup>
                         <m:r>
-                          <a:rPr lang="en-US" i="1">
+                          <a:rPr lang="en-US" sz="2400" i="1">
                             <a:latin typeface="Cambria Math"/>
                           </a:rPr>
                           <m:t>𝟓</m:t>
@@ -5396,7 +5727,7 @@
                       </m:sup>
                     </m:sSup>
                     <m:r>
-                      <a:rPr lang="ru-RU" i="1">
+                      <a:rPr lang="ru-RU" sz="2400" i="1">
                         <a:latin typeface="Cambria Math"/>
                       </a:rPr>
                       <m:t>)</m:t>
@@ -5404,13 +5735,13 @@
                   </m:oMath>
                 </a14:m>
                 <a:r>
-                  <a:rPr lang="ru-RU" dirty="0"/>
+                  <a:rPr lang="ru-RU" sz="2400" dirty="0"/>
                   <a:t> – количество итераций.  На следующих </a:t>
                 </a:r>
                 <a14:m>
                   <m:oMath xmlns:m="http://schemas.openxmlformats.org/officeDocument/2006/math">
                     <m:r>
-                      <a:rPr lang="ru-RU" i="1">
+                      <a:rPr lang="ru-RU" sz="2400" i="1">
                         <a:latin typeface="Cambria Math"/>
                       </a:rPr>
                       <m:t>𝒏</m:t>
@@ -5418,7 +5749,7 @@
                   </m:oMath>
                 </a14:m>
                 <a:r>
-                  <a:rPr lang="ru-RU" dirty="0"/>
+                  <a:rPr lang="ru-RU" sz="2400" dirty="0"/>
                   <a:t> строках записаны пары чисел </a:t>
                 </a:r>
                 <a14:m>
@@ -5426,14 +5757,14 @@
                     <m:sSub>
                       <m:sSubPr>
                         <m:ctrlPr>
-                          <a:rPr lang="en-US" i="1">
+                          <a:rPr lang="en-US" sz="2400" i="1">
                             <a:latin typeface="Cambria Math" panose="02040503050406030204" pitchFamily="18" charset="0"/>
                           </a:rPr>
                         </m:ctrlPr>
                       </m:sSubPr>
                       <m:e>
                         <m:r>
-                          <a:rPr lang="ru-RU" i="1">
+                          <a:rPr lang="ru-RU" sz="2400" i="1">
                             <a:latin typeface="Cambria Math"/>
                           </a:rPr>
                           <m:t>𝒂</m:t>
@@ -5441,7 +5772,7 @@
                       </m:e>
                       <m:sub>
                         <m:r>
-                          <a:rPr lang="ru-RU" i="1">
+                          <a:rPr lang="ru-RU" sz="2400" i="1">
                             <a:latin typeface="Cambria Math"/>
                           </a:rPr>
                           <m:t>𝒊</m:t>
@@ -5451,14 +5782,14 @@
                     <m:sSub>
                       <m:sSubPr>
                         <m:ctrlPr>
-                          <a:rPr lang="en-US" i="1">
+                          <a:rPr lang="en-US" sz="2400" i="1">
                             <a:latin typeface="Cambria Math" panose="02040503050406030204" pitchFamily="18" charset="0"/>
                           </a:rPr>
                         </m:ctrlPr>
                       </m:sSubPr>
                       <m:e>
                         <m:r>
-                          <a:rPr lang="ru-RU" i="1">
+                          <a:rPr lang="ru-RU" sz="2400" i="1">
                             <a:latin typeface="Cambria Math"/>
                           </a:rPr>
                           <m:t>𝒃</m:t>
@@ -5466,7 +5797,7 @@
                       </m:e>
                       <m:sub>
                         <m:r>
-                          <a:rPr lang="ru-RU" i="1">
+                          <a:rPr lang="ru-RU" sz="2400" i="1">
                             <a:latin typeface="Cambria Math"/>
                           </a:rPr>
                           <m:t>𝒋</m:t>
@@ -5476,30 +5807,30 @@
                   </m:oMath>
                 </a14:m>
                 <a:r>
-                  <a:rPr lang="ru-RU" dirty="0"/>
+                  <a:rPr lang="ru-RU" sz="2400" dirty="0"/>
                   <a:t>,  каждое из которых может быть по модулю не больше 1000.</a:t>
                 </a:r>
-                <a:endParaRPr lang="en-US" dirty="0"/>
+                <a:endParaRPr lang="en-US" sz="2400" dirty="0"/>
               </a:p>
               <a:p>
                 <a:pPr algn="ctr"/>
                 <a:r>
-                  <a:rPr lang="ru-RU" i="1" dirty="0"/>
+                  <a:rPr lang="ru-RU" sz="2400" i="1" dirty="0"/>
                   <a:t>&lt;Описание результата&gt;</a:t>
                 </a:r>
                 <a:r>
-                  <a:rPr lang="en-US" dirty="0"/>
+                  <a:rPr lang="en-US" sz="2400" dirty="0"/>
                   <a:t> </a:t>
                 </a:r>
               </a:p>
               <a:p>
                 <a:pPr algn="ctr"/>
-                <a:endParaRPr lang="en-US" dirty="0"/>
+                <a:endParaRPr lang="en-US" sz="2400" dirty="0"/>
               </a:p>
             </p:txBody>
           </p:sp>
         </mc:Choice>
-        <mc:Fallback xmlns="">
+        <mc:Fallback>
           <p:sp>
             <p:nvSpPr>
               <p:cNvPr id="3" name="Объект 2"/>
@@ -5514,7 +5845,7 @@
               <a:blipFill>
                 <a:blip r:embed="rId2"/>
                 <a:stretch>
-                  <a:fillRect l="-720" t="-697" r="-320"/>
+                  <a:fillRect t="-976" r="-1760"/>
                 </a:stretch>
               </a:blipFill>
             </p:spPr>
@@ -5619,28 +5950,28 @@
             <a:pPr marL="800100" lvl="1" indent="-342900"/>
             <a:r>
               <a:rPr lang="ru-RU" dirty="0"/>
-              <a:t>Были использованы многие шаблоны проектирования, алгоритмы.</a:t>
+              <a:t>Использованы различные шаблоны проектирования, алгоритмы.</a:t>
             </a:r>
           </a:p>
           <a:p>
             <a:pPr marL="800100" lvl="1" indent="-342900"/>
             <a:r>
               <a:rPr lang="ru-RU" dirty="0"/>
-              <a:t>Реализована работа в нескольких потоках. </a:t>
+              <a:t>Реализован многопоточный режим работы. </a:t>
             </a:r>
             <a:endParaRPr lang="en-US" dirty="0"/>
           </a:p>
           <a:p>
             <a:r>
               <a:rPr lang="ru-RU" dirty="0"/>
-              <a:t>Библиотека предоставляет такие инструменты, как: </a:t>
+              <a:t>Библиотека предоставляет такой функционал, как: </a:t>
             </a:r>
           </a:p>
           <a:p>
             <a:pPr marL="800100" lvl="1" indent="-342900"/>
             <a:r>
               <a:rPr lang="ru-RU" dirty="0"/>
-              <a:t>Диапазоны значений</a:t>
+              <a:t>Элементарные типы на диапазонах</a:t>
             </a:r>
           </a:p>
           <a:p>
@@ -5842,8 +6173,8 @@
           </a:p>
         </p:txBody>
       </p:sp>
-      <mc:AlternateContent xmlns:mc="http://schemas.openxmlformats.org/markup-compatibility/2006" xmlns:a14="http://schemas.microsoft.com/office/drawing/2010/main">
-        <mc:Choice Requires="a14">
+      <mc:AlternateContent xmlns:mc="http://schemas.openxmlformats.org/markup-compatibility/2006">
+        <mc:Choice xmlns:a14="http://schemas.microsoft.com/office/drawing/2010/main" Requires="a14">
           <p:sp>
             <p:nvSpPr>
               <p:cNvPr id="3" name="Объект 2"/>
@@ -5857,84 +6188,50 @@
             <p:spPr/>
             <p:txBody>
               <a:bodyPr>
-                <a:normAutofit fontScale="85000" lnSpcReduction="10000"/>
+                <a:normAutofit/>
               </a:bodyPr>
               <a:lstStyle/>
               <a:p>
                 <a:pPr algn="ctr"/>
                 <a:r>
-                  <a:rPr lang="ru-RU" i="1" dirty="0"/>
+                  <a:rPr lang="ru-RU" sz="2400" i="1" dirty="0"/>
                   <a:t>&lt;Условие задачи&gt;</a:t>
                 </a:r>
                 <a:r>
-                  <a:rPr lang="en-US" dirty="0"/>
-                  <a:t> </a:t>
-                </a:r>
-                <a:br>
-                  <a:rPr lang="ru-RU" dirty="0"/>
-                </a:br>
-                <a:r>
-                  <a:rPr lang="ru-RU" dirty="0"/>
-                  <a:t>Задача была следующая: сможете ли вы понять, является ли граф “лесом”?</a:t>
-                </a:r>
-                <a:br>
-                  <a:rPr lang="ru-RU" dirty="0"/>
-                </a:br>
-                <a:r>
-                  <a:rPr lang="ru-RU" dirty="0"/>
-                  <a:t>Напомним, что дерево — это связный неориентированный граф без циклов.</a:t>
-                </a:r>
-                <a:endParaRPr lang="en-US" dirty="0"/>
-              </a:p>
-              <a:p>
-                <a:pPr algn="ctr"/>
-                <a:r>
-                  <a:rPr lang="ru-RU" dirty="0"/>
-                  <a:t>Лесом же называют граф, все связные компоненты которого являются деревьями.</a:t>
-                </a:r>
-                <a:endParaRPr lang="en-US" dirty="0"/>
-              </a:p>
-              <a:p>
-                <a:pPr algn="ctr"/>
-                <a:r>
-                  <a:rPr lang="ru-RU" dirty="0"/>
-                  <a:t> </a:t>
-                </a:r>
-                <a:endParaRPr lang="en-US" dirty="0"/>
-              </a:p>
-              <a:p>
-                <a:pPr algn="ctr"/>
-                <a:r>
-                  <a:rPr lang="ru-RU" i="1" dirty="0"/>
-                  <a:t>Исходные данные</a:t>
-                </a:r>
-                <a:r>
-                  <a:rPr lang="en-US" dirty="0"/>
+                  <a:rPr lang="en-US" sz="2400" dirty="0"/>
                   <a:t> </a:t>
                 </a:r>
               </a:p>
               <a:p>
                 <a:pPr algn="ctr"/>
                 <a:r>
-                  <a:rPr lang="ru-RU" dirty="0"/>
+                  <a:rPr lang="ru-RU" sz="2400" i="1" dirty="0"/>
+                  <a:t>Исходные данные</a:t>
+                </a:r>
+                <a:endParaRPr lang="en-US" sz="2400" dirty="0"/>
+              </a:p>
+              <a:p>
+                <a:pPr algn="ctr"/>
+                <a:r>
+                  <a:rPr lang="ru-RU" sz="2400" dirty="0"/>
                   <a:t>В первой строке заданы числа </a:t>
                 </a:r>
                 <a14:m>
                   <m:oMath xmlns:m="http://schemas.openxmlformats.org/officeDocument/2006/math">
                     <m:r>
-                      <a:rPr lang="en-US" i="1">
+                      <a:rPr lang="en-US" sz="2400" i="1">
                         <a:latin typeface="Cambria Math"/>
                       </a:rPr>
                       <m:t>𝒏</m:t>
                     </m:r>
                     <m:r>
-                      <a:rPr lang="ru-RU" i="1">
+                      <a:rPr lang="ru-RU" sz="2400" i="1">
                         <a:latin typeface="Cambria Math"/>
                       </a:rPr>
                       <m:t>, </m:t>
                     </m:r>
                     <m:r>
-                      <a:rPr lang="en-US" i="1">
+                      <a:rPr lang="en-US" sz="2400" i="1">
                         <a:latin typeface="Cambria Math"/>
                       </a:rPr>
                       <m:t>𝒎</m:t>
@@ -5942,43 +6239,43 @@
                   </m:oMath>
                 </a14:m>
                 <a:r>
-                  <a:rPr lang="en-US" dirty="0"/>
+                  <a:rPr lang="en-US" sz="2400" dirty="0"/>
                   <a:t> </a:t>
                 </a:r>
                 <a14:m>
                   <m:oMath xmlns:m="http://schemas.openxmlformats.org/officeDocument/2006/math">
                     <m:r>
-                      <a:rPr lang="ru-RU" i="1">
+                      <a:rPr lang="ru-RU" sz="2400" i="1">
                         <a:latin typeface="Cambria Math"/>
                       </a:rPr>
                       <m:t>(</m:t>
                     </m:r>
                     <m:r>
-                      <a:rPr lang="ru-RU" i="1">
+                      <a:rPr lang="ru-RU" sz="2400" i="1">
                         <a:latin typeface="Cambria Math"/>
                       </a:rPr>
                       <m:t>𝟏</m:t>
                     </m:r>
                     <m:r>
-                      <a:rPr lang="ru-RU" i="1">
+                      <a:rPr lang="ru-RU" sz="2400" i="1">
                         <a:latin typeface="Cambria Math"/>
                       </a:rPr>
                       <m:t>≤</m:t>
                     </m:r>
                     <m:r>
-                      <a:rPr lang="en-US" i="1">
+                      <a:rPr lang="en-US" sz="2400" i="1">
                         <a:latin typeface="Cambria Math"/>
                       </a:rPr>
                       <m:t>𝒏</m:t>
                     </m:r>
                     <m:r>
-                      <a:rPr lang="ru-RU" i="1">
+                      <a:rPr lang="ru-RU" sz="2400" i="1">
                         <a:latin typeface="Cambria Math"/>
                       </a:rPr>
                       <m:t>≤</m:t>
                     </m:r>
                     <m:r>
-                      <a:rPr lang="ru-RU" i="1">
+                      <a:rPr lang="ru-RU" sz="2400" i="1">
                         <a:latin typeface="Cambria Math"/>
                       </a:rPr>
                       <m:t>𝟏</m:t>
@@ -5986,14 +6283,14 @@
                     <m:sSup>
                       <m:sSupPr>
                         <m:ctrlPr>
-                          <a:rPr lang="en-US" i="1">
+                          <a:rPr lang="en-US" sz="2400" i="1">
                             <a:latin typeface="Cambria Math" panose="02040503050406030204" pitchFamily="18" charset="0"/>
                           </a:rPr>
                         </m:ctrlPr>
                       </m:sSupPr>
                       <m:e>
                         <m:r>
-                          <a:rPr lang="ru-RU" i="1">
+                          <a:rPr lang="ru-RU" sz="2400" i="1">
                             <a:latin typeface="Cambria Math"/>
                           </a:rPr>
                           <m:t>𝟎</m:t>
@@ -6001,7 +6298,7 @@
                       </m:e>
                       <m:sup>
                         <m:r>
-                          <a:rPr lang="ru-RU" i="1">
+                          <a:rPr lang="ru-RU" sz="2400" i="1">
                             <a:latin typeface="Cambria Math"/>
                           </a:rPr>
                           <m:t>𝟓</m:t>
@@ -6009,37 +6306,37 @@
                       </m:sup>
                     </m:sSup>
                     <m:r>
-                      <a:rPr lang="ru-RU" i="1">
+                      <a:rPr lang="ru-RU" sz="2400" i="1">
                         <a:latin typeface="Cambria Math"/>
                       </a:rPr>
                       <m:t>, </m:t>
                     </m:r>
                     <m:r>
-                      <a:rPr lang="ru-RU" i="1">
+                      <a:rPr lang="ru-RU" sz="2400" i="1">
                         <a:latin typeface="Cambria Math"/>
                       </a:rPr>
                       <m:t>𝟏</m:t>
                     </m:r>
                     <m:r>
-                      <a:rPr lang="ru-RU" i="1">
+                      <a:rPr lang="ru-RU" sz="2400" i="1">
                         <a:latin typeface="Cambria Math"/>
                       </a:rPr>
                       <m:t>≤ </m:t>
                     </m:r>
                     <m:r>
-                      <a:rPr lang="en-US" i="1">
+                      <a:rPr lang="en-US" sz="2400" i="1">
                         <a:latin typeface="Cambria Math"/>
                       </a:rPr>
                       <m:t>𝒎</m:t>
                     </m:r>
                     <m:r>
-                      <a:rPr lang="ru-RU" i="1">
+                      <a:rPr lang="ru-RU" sz="2400" i="1">
                         <a:latin typeface="Cambria Math"/>
                       </a:rPr>
                       <m:t>≤</m:t>
                     </m:r>
                     <m:r>
-                      <a:rPr lang="ru-RU" i="1">
+                      <a:rPr lang="ru-RU" sz="2400" i="1">
                         <a:latin typeface="Cambria Math"/>
                       </a:rPr>
                       <m:t>𝟏</m:t>
@@ -6047,14 +6344,14 @@
                     <m:sSup>
                       <m:sSupPr>
                         <m:ctrlPr>
-                          <a:rPr lang="en-US" i="1">
+                          <a:rPr lang="en-US" sz="2400" i="1">
                             <a:latin typeface="Cambria Math" panose="02040503050406030204" pitchFamily="18" charset="0"/>
                           </a:rPr>
                         </m:ctrlPr>
                       </m:sSupPr>
                       <m:e>
                         <m:r>
-                          <a:rPr lang="ru-RU" i="1">
+                          <a:rPr lang="ru-RU" sz="2400" i="1">
                             <a:latin typeface="Cambria Math"/>
                           </a:rPr>
                           <m:t>𝟎</m:t>
@@ -6062,7 +6359,7 @@
                       </m:e>
                       <m:sup>
                         <m:r>
-                          <a:rPr lang="ru-RU" i="1">
+                          <a:rPr lang="ru-RU" sz="2400" i="1">
                             <a:latin typeface="Cambria Math"/>
                           </a:rPr>
                           <m:t>𝟓</m:t>
@@ -6070,7 +6367,7 @@
                       </m:sup>
                     </m:sSup>
                     <m:r>
-                      <a:rPr lang="ru-RU" i="1">
+                      <a:rPr lang="ru-RU" sz="2400" i="1">
                         <a:latin typeface="Cambria Math"/>
                       </a:rPr>
                       <m:t>),</m:t>
@@ -6078,13 +6375,13 @@
                   </m:oMath>
                 </a14:m>
                 <a:r>
-                  <a:rPr lang="ru-RU" dirty="0"/>
+                  <a:rPr lang="ru-RU" sz="2400" dirty="0"/>
                   <a:t> где </a:t>
                 </a:r>
                 <a14:m>
                   <m:oMath xmlns:m="http://schemas.openxmlformats.org/officeDocument/2006/math">
                     <m:r>
-                      <a:rPr lang="en-US" i="1">
+                      <a:rPr lang="en-US" sz="2400" i="1">
                         <a:latin typeface="Cambria Math"/>
                       </a:rPr>
                       <m:t>𝒏</m:t>
@@ -6092,13 +6389,13 @@
                   </m:oMath>
                 </a14:m>
                 <a:r>
-                  <a:rPr lang="ru-RU" dirty="0"/>
+                  <a:rPr lang="ru-RU" sz="2400" dirty="0"/>
                   <a:t> это количество вершин в графе, а </a:t>
                 </a:r>
                 <a14:m>
                   <m:oMath xmlns:m="http://schemas.openxmlformats.org/officeDocument/2006/math">
                     <m:r>
-                      <a:rPr lang="en-US" i="1">
+                      <a:rPr lang="en-US" sz="2400" i="1">
                         <a:latin typeface="Cambria Math"/>
                       </a:rPr>
                       <m:t>𝒎</m:t>
@@ -6106,13 +6403,13 @@
                   </m:oMath>
                 </a14:m>
                 <a:r>
-                  <a:rPr lang="ru-RU" dirty="0"/>
+                  <a:rPr lang="ru-RU" sz="2400" dirty="0"/>
                   <a:t> - количество ребер. Далее в </a:t>
                 </a:r>
                 <a14:m>
                   <m:oMath xmlns:m="http://schemas.openxmlformats.org/officeDocument/2006/math">
                     <m:r>
-                      <a:rPr lang="en-US" i="1">
+                      <a:rPr lang="en-US" sz="2400" i="1">
                         <a:latin typeface="Cambria Math"/>
                       </a:rPr>
                       <m:t>𝒎</m:t>
@@ -6120,7 +6417,7 @@
                   </m:oMath>
                 </a14:m>
                 <a:r>
-                  <a:rPr lang="ru-RU" dirty="0"/>
+                  <a:rPr lang="ru-RU" sz="2400" dirty="0"/>
                   <a:t> строках будут перечислены пары целых чисел </a:t>
                 </a:r>
                 <a14:m>
@@ -6128,14 +6425,14 @@
                     <m:sSub>
                       <m:sSubPr>
                         <m:ctrlPr>
-                          <a:rPr lang="en-US" i="1">
+                          <a:rPr lang="en-US" sz="2400" i="1">
                             <a:latin typeface="Cambria Math" panose="02040503050406030204" pitchFamily="18" charset="0"/>
                           </a:rPr>
                         </m:ctrlPr>
                       </m:sSubPr>
                       <m:e>
                         <m:r>
-                          <a:rPr lang="en-US" i="1">
+                          <a:rPr lang="en-US" sz="2400" i="1">
                             <a:latin typeface="Cambria Math"/>
                           </a:rPr>
                           <m:t>𝒖</m:t>
@@ -6143,7 +6440,7 @@
                       </m:e>
                       <m:sub>
                         <m:r>
-                          <a:rPr lang="en-US" i="1">
+                          <a:rPr lang="en-US" sz="2400" i="1">
                             <a:latin typeface="Cambria Math"/>
                           </a:rPr>
                           <m:t>𝒊</m:t>
@@ -6151,7 +6448,7 @@
                       </m:sub>
                     </m:sSub>
                     <m:r>
-                      <a:rPr lang="ru-RU" i="1">
+                      <a:rPr lang="ru-RU" sz="2400" i="1">
                         <a:latin typeface="Cambria Math"/>
                       </a:rPr>
                       <m:t> </m:t>
@@ -6159,14 +6456,14 @@
                     <m:sSub>
                       <m:sSubPr>
                         <m:ctrlPr>
-                          <a:rPr lang="en-US" i="1">
+                          <a:rPr lang="en-US" sz="2400" i="1">
                             <a:latin typeface="Cambria Math" panose="02040503050406030204" pitchFamily="18" charset="0"/>
                           </a:rPr>
                         </m:ctrlPr>
                       </m:sSubPr>
                       <m:e>
                         <m:r>
-                          <a:rPr lang="en-US" i="1">
+                          <a:rPr lang="en-US" sz="2400" i="1">
                             <a:latin typeface="Cambria Math"/>
                           </a:rPr>
                           <m:t>𝒗</m:t>
@@ -6174,7 +6471,7 @@
                       </m:e>
                       <m:sub>
                         <m:r>
-                          <a:rPr lang="en-US" i="1">
+                          <a:rPr lang="en-US" sz="2400" i="1">
                             <a:latin typeface="Cambria Math"/>
                           </a:rPr>
                           <m:t>𝒊</m:t>
@@ -6184,25 +6481,25 @@
                   </m:oMath>
                 </a14:m>
                 <a:r>
-                  <a:rPr lang="ru-RU" dirty="0"/>
+                  <a:rPr lang="ru-RU" sz="2400" dirty="0"/>
                   <a:t> </a:t>
                 </a:r>
                 <a14:m>
                   <m:oMath xmlns:m="http://schemas.openxmlformats.org/officeDocument/2006/math">
                     <m:r>
-                      <a:rPr lang="ru-RU" i="1">
+                      <a:rPr lang="ru-RU" sz="2400" i="1">
                         <a:latin typeface="Cambria Math"/>
                       </a:rPr>
                       <m:t>(</m:t>
                     </m:r>
                     <m:r>
-                      <a:rPr lang="ru-RU" i="1">
+                      <a:rPr lang="ru-RU" sz="2400" i="1">
                         <a:latin typeface="Cambria Math"/>
                       </a:rPr>
                       <m:t>𝟏</m:t>
                     </m:r>
                     <m:r>
-                      <a:rPr lang="ru-RU" i="1">
+                      <a:rPr lang="ru-RU" sz="2400" i="1">
                         <a:latin typeface="Cambria Math"/>
                       </a:rPr>
                       <m:t>≤</m:t>
@@ -6210,14 +6507,14 @@
                     <m:sSub>
                       <m:sSubPr>
                         <m:ctrlPr>
-                          <a:rPr lang="en-US" i="1">
+                          <a:rPr lang="en-US" sz="2400" i="1">
                             <a:latin typeface="Cambria Math" panose="02040503050406030204" pitchFamily="18" charset="0"/>
                           </a:rPr>
                         </m:ctrlPr>
                       </m:sSubPr>
                       <m:e>
                         <m:r>
-                          <a:rPr lang="en-US" i="1">
+                          <a:rPr lang="en-US" sz="2400" i="1">
                             <a:latin typeface="Cambria Math"/>
                           </a:rPr>
                           <m:t>𝒖</m:t>
@@ -6225,7 +6522,7 @@
                       </m:e>
                       <m:sub>
                         <m:r>
-                          <a:rPr lang="en-US" i="1">
+                          <a:rPr lang="en-US" sz="2400" i="1">
                             <a:latin typeface="Cambria Math"/>
                           </a:rPr>
                           <m:t>𝒊</m:t>
@@ -6233,7 +6530,7 @@
                       </m:sub>
                     </m:sSub>
                     <m:r>
-                      <a:rPr lang="ru-RU" i="1">
+                      <a:rPr lang="ru-RU" sz="2400" i="1">
                         <a:latin typeface="Cambria Math"/>
                       </a:rPr>
                       <m:t>, </m:t>
@@ -6241,14 +6538,14 @@
                     <m:sSub>
                       <m:sSubPr>
                         <m:ctrlPr>
-                          <a:rPr lang="en-US" i="1">
+                          <a:rPr lang="en-US" sz="2400" i="1">
                             <a:latin typeface="Cambria Math" panose="02040503050406030204" pitchFamily="18" charset="0"/>
                           </a:rPr>
                         </m:ctrlPr>
                       </m:sSubPr>
                       <m:e>
                         <m:r>
-                          <a:rPr lang="en-US" i="1">
+                          <a:rPr lang="en-US" sz="2400" i="1">
                             <a:latin typeface="Cambria Math"/>
                           </a:rPr>
                           <m:t>𝒗</m:t>
@@ -6256,7 +6553,7 @@
                       </m:e>
                       <m:sub>
                         <m:r>
-                          <a:rPr lang="en-US" i="1">
+                          <a:rPr lang="en-US" sz="2400" i="1">
                             <a:latin typeface="Cambria Math"/>
                           </a:rPr>
                           <m:t>𝒊</m:t>
@@ -6264,19 +6561,19 @@
                       </m:sub>
                     </m:sSub>
                     <m:r>
-                      <a:rPr lang="ru-RU" i="1">
+                      <a:rPr lang="ru-RU" sz="2400" i="1">
                         <a:latin typeface="Cambria Math"/>
                       </a:rPr>
                       <m:t>≤ </m:t>
                     </m:r>
                     <m:r>
-                      <a:rPr lang="en-US" i="1">
+                      <a:rPr lang="en-US" sz="2400" i="1">
                         <a:latin typeface="Cambria Math"/>
                       </a:rPr>
                       <m:t>𝒏</m:t>
                     </m:r>
                     <m:r>
-                      <a:rPr lang="ru-RU" i="1">
+                      <a:rPr lang="ru-RU" sz="2400" i="1">
                         <a:latin typeface="Cambria Math"/>
                       </a:rPr>
                       <m:t>),</m:t>
@@ -6284,7 +6581,7 @@
                   </m:oMath>
                 </a14:m>
                 <a:r>
-                  <a:rPr lang="ru-RU" dirty="0"/>
+                  <a:rPr lang="ru-RU" sz="2400" dirty="0"/>
                   <a:t> это значит, что присутствует ребро между вершинами </a:t>
                 </a:r>
                 <a14:m>
@@ -6292,14 +6589,14 @@
                     <m:sSub>
                       <m:sSubPr>
                         <m:ctrlPr>
-                          <a:rPr lang="en-US" i="1">
+                          <a:rPr lang="en-US" sz="2400" i="1">
                             <a:latin typeface="Cambria Math" panose="02040503050406030204" pitchFamily="18" charset="0"/>
                           </a:rPr>
                         </m:ctrlPr>
                       </m:sSubPr>
                       <m:e>
                         <m:r>
-                          <a:rPr lang="en-US" i="1">
+                          <a:rPr lang="en-US" sz="2400" i="1">
                             <a:latin typeface="Cambria Math"/>
                           </a:rPr>
                           <m:t>𝒖</m:t>
@@ -6307,7 +6604,7 @@
                       </m:e>
                       <m:sub>
                         <m:r>
-                          <a:rPr lang="en-US" i="1">
+                          <a:rPr lang="en-US" sz="2400" i="1">
                             <a:latin typeface="Cambria Math"/>
                           </a:rPr>
                           <m:t>𝒊</m:t>
@@ -6317,7 +6614,7 @@
                   </m:oMath>
                 </a14:m>
                 <a:r>
-                  <a:rPr lang="ru-RU" dirty="0"/>
+                  <a:rPr lang="ru-RU" sz="2400" dirty="0"/>
                   <a:t> и </a:t>
                 </a:r>
                 <a14:m>
@@ -6325,14 +6622,14 @@
                     <m:sSub>
                       <m:sSubPr>
                         <m:ctrlPr>
-                          <a:rPr lang="en-US" i="1">
+                          <a:rPr lang="en-US" sz="2400" i="1">
                             <a:latin typeface="Cambria Math" panose="02040503050406030204" pitchFamily="18" charset="0"/>
                           </a:rPr>
                         </m:ctrlPr>
                       </m:sSubPr>
                       <m:e>
                         <m:r>
-                          <a:rPr lang="en-US" i="1">
+                          <a:rPr lang="en-US" sz="2400" i="1">
                             <a:latin typeface="Cambria Math"/>
                           </a:rPr>
                           <m:t>𝒗</m:t>
@@ -6340,7 +6637,7 @@
                       </m:e>
                       <m:sub>
                         <m:r>
-                          <a:rPr lang="en-US" i="1">
+                          <a:rPr lang="en-US" sz="2400" i="1">
                             <a:latin typeface="Cambria Math"/>
                           </a:rPr>
                           <m:t>𝒊</m:t>
@@ -6350,26 +6647,25 @@
                   </m:oMath>
                 </a14:m>
                 <a:r>
-                  <a:rPr lang="ru-RU" dirty="0"/>
-                  <a:t>. В графе нет петель и кратных ребер.</a:t>
+                  <a:rPr lang="ru-RU" sz="2400" dirty="0"/>
+                  <a:t>. </a:t>
                 </a:r>
-                <a:endParaRPr lang="en-US" dirty="0"/>
-              </a:p>
-              <a:p>
-                <a:pPr algn="ctr"/>
+                <a:br>
+                  <a:rPr lang="hy-AM" sz="2400" dirty="0"/>
+                </a:br>
                 <a:r>
-                  <a:rPr lang="ru-RU" i="1" dirty="0"/>
+                  <a:rPr lang="ru-RU" sz="2400" i="1" dirty="0"/>
                   <a:t>&lt;Описание результата&gt;</a:t>
                 </a:r>
                 <a:r>
-                  <a:rPr lang="en-US" dirty="0"/>
+                  <a:rPr lang="en-US" sz="2400" dirty="0"/>
                   <a:t> </a:t>
                 </a:r>
               </a:p>
             </p:txBody>
           </p:sp>
         </mc:Choice>
-        <mc:Fallback xmlns="">
+        <mc:Fallback>
           <p:sp>
             <p:nvSpPr>
               <p:cNvPr id="3" name="Объект 2"/>
@@ -6381,10 +6677,10 @@
               </p:nvPr>
             </p:nvSpPr>
             <p:spPr>
-              <a:blipFill rotWithShape="1">
+              <a:blipFill>
                 <a:blip r:embed="rId2"/>
                 <a:stretch>
-                  <a:fillRect l="-320" t="-976" r="-1280"/>
+                  <a:fillRect t="-976" r="-2320"/>
                 </a:stretch>
               </a:blipFill>
             </p:spPr>
@@ -6406,7 +6702,7 @@
     </p:spTree>
     <p:extLst>
       <p:ext uri="{BB962C8B-B14F-4D97-AF65-F5344CB8AC3E}">
-        <p14:creationId xmlns:p14="http://schemas.microsoft.com/office/powerpoint/2010/main" val="2388842516"/>
+        <p14:creationId xmlns:p14="http://schemas.microsoft.com/office/powerpoint/2010/main" val="1722162721"/>
       </p:ext>
     </p:extLst>
   </p:cSld>
@@ -6460,9 +6756,15 @@
       </p:sp>
       <p:pic>
         <p:nvPicPr>
-          <p:cNvPr id="2052" name="Picture 4"/>
+          <p:cNvPr id="12" name="Content Placeholder 11">
+            <a:extLst>
+              <a:ext uri="{FF2B5EF4-FFF2-40B4-BE49-F238E27FC236}">
+                <a16:creationId xmlns:a16="http://schemas.microsoft.com/office/drawing/2014/main" id="{B831FDB0-F27E-42A9-8170-D9F6937B9058}"/>
+              </a:ext>
+            </a:extLst>
+          </p:cNvPr>
           <p:cNvPicPr>
-            <a:picLocks noGrp="1" noChangeAspect="1" noChangeArrowheads="1"/>
+            <a:picLocks noGrp="1" noChangeAspect="1"/>
           </p:cNvPicPr>
           <p:nvPr>
             <p:ph idx="1"/>
@@ -6480,37 +6782,11 @@
             <a:fillRect/>
           </a:stretch>
         </p:blipFill>
-        <p:spPr bwMode="auto">
+        <p:spPr>
           <a:xfrm>
-            <a:off x="221582" y="2438400"/>
-            <a:ext cx="8631338" cy="3352800"/>
+            <a:off x="457200" y="1785903"/>
+            <a:ext cx="7620000" cy="4306956"/>
           </a:xfrm>
-          <a:prstGeom prst="rect">
-            <a:avLst/>
-          </a:prstGeom>
-          <a:noFill/>
-          <a:ln>
-            <a:noFill/>
-          </a:ln>
-          <a:extLst>
-            <a:ext uri="{909E8E84-426E-40DD-AFC4-6F175D3DCCD1}">
-              <a14:hiddenFill xmlns:a14="http://schemas.microsoft.com/office/drawing/2010/main">
-                <a:solidFill>
-                  <a:schemeClr val="accent1"/>
-                </a:solidFill>
-              </a14:hiddenFill>
-            </a:ext>
-            <a:ext uri="{91240B29-F687-4F45-9708-019B960494DF}">
-              <a14:hiddenLine xmlns:a14="http://schemas.microsoft.com/office/drawing/2010/main" w="9525">
-                <a:solidFill>
-                  <a:schemeClr val="tx1"/>
-                </a:solidFill>
-                <a:miter lim="800000"/>
-                <a:headEnd/>
-                <a:tailEnd/>
-              </a14:hiddenLine>
-            </a:ext>
-          </a:extLst>
         </p:spPr>
       </p:pic>
     </p:spTree>
@@ -6994,67 +7270,82 @@
           <a:lstStyle/>
           <a:p>
             <a:pPr marL="342900" indent="-342900">
+              <a:buClr>
+                <a:schemeClr val="tx2"/>
+              </a:buClr>
               <a:buFont typeface="Arial" panose="020B0604020202020204" pitchFamily="34" charset="0"/>
               <a:buChar char="•"/>
             </a:pPr>
             <a:r>
-              <a:rPr lang="ru-RU" sz="1800" dirty="0"/>
+              <a:rPr lang="ru-RU" b="1" dirty="0"/>
               <a:t>Библиотека разрабатывалась в течение более двух лет, начиная с января 2016-ого года.</a:t>
             </a:r>
           </a:p>
           <a:p>
             <a:pPr marL="342900" indent="-342900">
+              <a:buClr>
+                <a:schemeClr val="tx2"/>
+              </a:buClr>
               <a:buFont typeface="Arial" panose="020B0604020202020204" pitchFamily="34" charset="0"/>
               <a:buChar char="•"/>
             </a:pPr>
             <a:r>
-              <a:rPr lang="ru-RU" sz="1800" dirty="0"/>
+              <a:rPr lang="ru-RU" b="1" dirty="0"/>
               <a:t>Библиотека насчитывает около 4000 строк кода.</a:t>
             </a:r>
           </a:p>
           <a:p>
             <a:pPr marL="342900" indent="-342900">
+              <a:buClr>
+                <a:schemeClr val="tx2"/>
+              </a:buClr>
               <a:buFont typeface="Arial" panose="020B0604020202020204" pitchFamily="34" charset="0"/>
               <a:buChar char="•"/>
             </a:pPr>
             <a:r>
-              <a:rPr lang="ru-RU" sz="1800" dirty="0"/>
+              <a:rPr lang="ru-RU" b="1" dirty="0"/>
               <a:t>Библиотека полностью переписывалась три раза</a:t>
             </a:r>
           </a:p>
           <a:p>
             <a:pPr marL="342900" indent="-342900">
+              <a:buClr>
+                <a:schemeClr val="tx2"/>
+              </a:buClr>
               <a:buFont typeface="Arial" panose="020B0604020202020204" pitchFamily="34" charset="0"/>
               <a:buChar char="•"/>
             </a:pPr>
             <a:r>
-              <a:rPr lang="ru-RU" sz="1800" dirty="0"/>
+              <a:rPr lang="ru-RU" b="1" dirty="0"/>
               <a:t>В библиотеке используется 4 шаблона проектирования: Строитель, Компоновщик, Прототип, Стратегия.</a:t>
             </a:r>
           </a:p>
           <a:p>
             <a:pPr marL="342900" indent="-342900">
+              <a:buClr>
+                <a:schemeClr val="tx2"/>
+              </a:buClr>
               <a:buFont typeface="Arial" panose="020B0604020202020204" pitchFamily="34" charset="0"/>
               <a:buChar char="•"/>
             </a:pPr>
             <a:r>
-              <a:rPr lang="ru-RU" sz="1800" dirty="0"/>
+              <a:rPr lang="ru-RU" b="1" dirty="0"/>
               <a:t>Класс </a:t>
             </a:r>
             <a:r>
-              <a:rPr lang="en-US" sz="1800" dirty="0"/>
+              <a:rPr lang="en-US" b="1" dirty="0"/>
               <a:t>Graph </a:t>
             </a:r>
             <a:r>
-              <a:rPr lang="ru-RU" sz="1800" dirty="0"/>
+              <a:rPr lang="ru-RU" b="1" dirty="0"/>
               <a:t>был оставлен на самый конец, потому что не было идей, как написать его хорошо.</a:t>
             </a:r>
             <a:r>
-              <a:rPr lang="en-US" sz="1800" dirty="0"/>
+              <a:rPr lang="en-US" b="1" dirty="0"/>
               <a:t> </a:t>
             </a:r>
             <a:r>
-              <a:rPr lang="ru-RU" sz="1800" dirty="0"/>
+              <a:rPr lang="ru-RU" b="1" dirty="0"/>
               <a:t>В итоге он оказался самым объемным классом – 700 строк и переписывался 5 раз.</a:t>
             </a:r>
           </a:p>
@@ -7147,25 +7438,21 @@
             </a:br>
             <a:r>
               <a:rPr lang="ru-RU" sz="1600" dirty="0"/>
-              <a:t>Ссылка на исходные коды: </a:t>
-            </a:r>
-            <a:r>
-              <a:rPr lang="en-US" sz="1600" dirty="0"/>
-              <a:t>github.com//</a:t>
-            </a:r>
-            <a:r>
-              <a:rPr lang="en-US" sz="1600" dirty="0" err="1"/>
-              <a:t>levonog</a:t>
-            </a:r>
-            <a:r>
-              <a:rPr lang="en-US" sz="1600" dirty="0"/>
-              <a:t>/</a:t>
-            </a:r>
-            <a:r>
-              <a:rPr lang="en-US" sz="1600" dirty="0" err="1"/>
-              <a:t>TestMaker</a:t>
-            </a:r>
-            <a:endParaRPr lang="en-US" dirty="0"/>
+              <a:t>Ссылка на исходный код: </a:t>
+            </a:r>
+            <a:r>
+              <a:rPr lang="en-US" sz="1600" dirty="0">
+                <a:solidFill>
+                  <a:schemeClr val="tx1"/>
+                </a:solidFill>
+              </a:rPr>
+              <a:t>https://Github.com/levonog/TestMaker</a:t>
+            </a:r>
+            <a:endParaRPr lang="en-US" dirty="0">
+              <a:solidFill>
+                <a:schemeClr val="tx1"/>
+              </a:solidFill>
+            </a:endParaRPr>
           </a:p>
         </p:txBody>
       </p:sp>
@@ -7229,8 +7516,8 @@
           </a:p>
         </p:txBody>
       </p:sp>
-      <mc:AlternateContent xmlns:mc="http://schemas.openxmlformats.org/markup-compatibility/2006" xmlns:a14="http://schemas.microsoft.com/office/drawing/2010/main">
-        <mc:Choice Requires="a14">
+      <mc:AlternateContent xmlns:mc="http://schemas.openxmlformats.org/markup-compatibility/2006">
+        <mc:Choice xmlns:a14="http://schemas.microsoft.com/office/drawing/2010/main" Requires="a14">
           <p:sp>
             <p:nvSpPr>
               <p:cNvPr id="3" name="Объект 2"/>
@@ -7250,7 +7537,15 @@
               <a:p>
                 <a:r>
                   <a:rPr lang="ru-RU" dirty="0"/>
-                  <a:t>Диапазон значений – термин формулировок задач по информатики. Это пространство всех допустимых значений входных данных, с которыми задача должна быть решена.</a:t>
+                  <a:t>Диапазон значений – термин</a:t>
+                </a:r>
+                <a:r>
+                  <a:rPr lang="hy-AM" dirty="0"/>
+                  <a:t> </a:t>
+                </a:r>
+                <a:r>
+                  <a:rPr lang="ru-RU" dirty="0"/>
+                  <a:t>использующийся в формулировках задач по информатики. Это пространство всех допустимых значений входных данных, с которыми задача должна быть решена.</a:t>
                 </a:r>
               </a:p>
               <a:p>
@@ -7502,7 +7797,7 @@
             </p:txBody>
           </p:sp>
         </mc:Choice>
-        <mc:Fallback xmlns="">
+        <mc:Fallback>
           <p:sp>
             <p:nvSpPr>
               <p:cNvPr id="3" name="Объект 2"/>
@@ -7517,7 +7812,7 @@
               <a:blipFill>
                 <a:blip r:embed="rId2"/>
                 <a:stretch>
-                  <a:fillRect l="-800" t="-697"/>
+                  <a:fillRect l="-800" t="-697" r="-1360"/>
                 </a:stretch>
               </a:blipFill>
             </p:spPr>
@@ -7589,8 +7884,8 @@
           </a:p>
         </p:txBody>
       </p:sp>
-      <mc:AlternateContent xmlns:mc="http://schemas.openxmlformats.org/markup-compatibility/2006" xmlns:a14="http://schemas.microsoft.com/office/drawing/2010/main">
-        <mc:Choice Requires="a14">
+      <mc:AlternateContent xmlns:mc="http://schemas.openxmlformats.org/markup-compatibility/2006">
+        <mc:Choice xmlns:a14="http://schemas.microsoft.com/office/drawing/2010/main" Requires="a14">
           <p:sp>
             <p:nvSpPr>
               <p:cNvPr id="3" name="Объект 2"/>
@@ -7608,71 +7903,71 @@
               <a:p>
                 <a:pPr algn="ctr"/>
                 <a:r>
-                  <a:rPr lang="ru-RU" i="1" dirty="0"/>
+                  <a:rPr lang="ru-RU" sz="2400" i="1" dirty="0"/>
                   <a:t>&lt;Условие задачи&gt;</a:t>
                 </a:r>
                 <a:r>
-                  <a:rPr lang="en-US" dirty="0"/>
+                  <a:rPr lang="en-US" sz="2400" dirty="0"/>
                   <a:t> </a:t>
                 </a:r>
               </a:p>
               <a:p>
                 <a:pPr algn="ctr"/>
                 <a:r>
-                  <a:rPr lang="ru-RU" i="1" dirty="0"/>
+                  <a:rPr lang="ru-RU" sz="2400" i="1" dirty="0"/>
                   <a:t>Исходные данные</a:t>
                 </a:r>
                 <a:r>
-                  <a:rPr lang="en-US" dirty="0"/>
+                  <a:rPr lang="en-US" sz="2400" dirty="0"/>
                   <a:t> </a:t>
                 </a:r>
               </a:p>
               <a:p>
                 <a:pPr algn="ctr"/>
                 <a:r>
-                  <a:rPr lang="ru-RU" dirty="0"/>
+                  <a:rPr lang="ru-RU" sz="2400" dirty="0"/>
                   <a:t>Дано число </a:t>
                 </a:r>
                 <a14:m>
                   <m:oMath xmlns:m="http://schemas.openxmlformats.org/officeDocument/2006/math">
                     <m:r>
-                      <a:rPr lang="ru-RU" i="1">
+                      <a:rPr lang="ru-RU" sz="2400" i="1">
                         <a:latin typeface="Cambria Math"/>
                       </a:rPr>
                       <m:t>𝒏</m:t>
                     </m:r>
                     <m:r>
-                      <a:rPr lang="ru-RU" i="1">
+                      <a:rPr lang="ru-RU" sz="2400" i="1">
                         <a:latin typeface="Cambria Math"/>
                       </a:rPr>
                       <m:t> ( </m:t>
                     </m:r>
                     <m:r>
-                      <a:rPr lang="ru-RU" i="1">
+                      <a:rPr lang="ru-RU" sz="2400" i="1">
                         <a:latin typeface="Cambria Math"/>
                       </a:rPr>
                       <m:t>𝟏</m:t>
                     </m:r>
                     <m:r>
-                      <a:rPr lang="ru-RU" i="1">
+                      <a:rPr lang="ru-RU" sz="2400" i="1">
                         <a:latin typeface="Cambria Math"/>
                       </a:rPr>
                       <m:t> ≤</m:t>
                     </m:r>
                     <m:r>
-                      <a:rPr lang="en-US" i="1">
+                      <a:rPr lang="en-US" sz="2400" i="1">
                         <a:latin typeface="Cambria Math"/>
                       </a:rPr>
                       <m:t>𝒏</m:t>
                     </m:r>
                     <m:r>
-                      <a:rPr lang="ru-RU" i="1">
+                      <a:rPr lang="ru-RU" sz="2400" i="1">
                         <a:latin typeface="Cambria Math"/>
                       </a:rPr>
                       <m:t>≤</m:t>
                     </m:r>
                     <m:r>
-                      <a:rPr lang="en-US" i="1">
+                      <a:rPr lang="en-US" sz="2400" i="1">
                         <a:latin typeface="Cambria Math"/>
                       </a:rPr>
                       <m:t>𝟏</m:t>
@@ -7680,14 +7975,14 @@
                     <m:sSup>
                       <m:sSupPr>
                         <m:ctrlPr>
-                          <a:rPr lang="en-US" i="1">
+                          <a:rPr lang="en-US" sz="2400" i="1">
                             <a:latin typeface="Cambria Math" panose="02040503050406030204" pitchFamily="18" charset="0"/>
                           </a:rPr>
                         </m:ctrlPr>
                       </m:sSupPr>
                       <m:e>
                         <m:r>
-                          <a:rPr lang="en-US" i="1">
+                          <a:rPr lang="en-US" sz="2400" i="1">
                             <a:latin typeface="Cambria Math"/>
                           </a:rPr>
                           <m:t>𝟎</m:t>
@@ -7695,7 +7990,7 @@
                       </m:e>
                       <m:sup>
                         <m:r>
-                          <a:rPr lang="en-US" i="1">
+                          <a:rPr lang="en-US" sz="2400" i="1">
                             <a:latin typeface="Cambria Math"/>
                           </a:rPr>
                           <m:t>𝟓</m:t>
@@ -7703,7 +7998,7 @@
                       </m:sup>
                     </m:sSup>
                     <m:r>
-                      <a:rPr lang="ru-RU" i="1">
+                      <a:rPr lang="ru-RU" sz="2400" i="1">
                         <a:latin typeface="Cambria Math"/>
                       </a:rPr>
                       <m:t>)</m:t>
@@ -7711,49 +8006,49 @@
                   </m:oMath>
                 </a14:m>
                 <a:r>
-                  <a:rPr lang="ru-RU" dirty="0"/>
+                  <a:rPr lang="ru-RU" sz="2400" dirty="0"/>
                   <a:t> – количество чисел в массиве. Далее через пробел дано число </a:t>
                 </a:r>
                 <a14:m>
                   <m:oMath xmlns:m="http://schemas.openxmlformats.org/officeDocument/2006/math">
                     <m:r>
-                      <a:rPr lang="ru-RU" i="1">
+                      <a:rPr lang="ru-RU" sz="2400" i="1">
                         <a:latin typeface="Cambria Math"/>
                       </a:rPr>
                       <m:t>𝒎</m:t>
                     </m:r>
                     <m:r>
-                      <a:rPr lang="ru-RU" i="1">
+                      <a:rPr lang="ru-RU" sz="2400" i="1">
                         <a:latin typeface="Cambria Math"/>
                       </a:rPr>
                       <m:t> ( </m:t>
                     </m:r>
                     <m:r>
-                      <a:rPr lang="en-US" i="1">
+                      <a:rPr lang="en-US" sz="2400" i="1">
                         <a:latin typeface="Cambria Math"/>
                       </a:rPr>
                       <m:t>𝒏</m:t>
                     </m:r>
                     <m:r>
-                      <a:rPr lang="ru-RU" i="1">
+                      <a:rPr lang="ru-RU" sz="2400" i="1">
                         <a:latin typeface="Cambria Math"/>
                       </a:rPr>
                       <m:t> ≤</m:t>
                     </m:r>
                     <m:r>
-                      <a:rPr lang="en-US" i="1">
+                      <a:rPr lang="en-US" sz="2400" i="1">
                         <a:latin typeface="Cambria Math"/>
                       </a:rPr>
                       <m:t>𝒎</m:t>
                     </m:r>
                     <m:r>
-                      <a:rPr lang="ru-RU" i="1">
+                      <a:rPr lang="ru-RU" sz="2400" i="1">
                         <a:latin typeface="Cambria Math"/>
                       </a:rPr>
                       <m:t>≤</m:t>
                     </m:r>
                     <m:r>
-                      <a:rPr lang="en-US" i="1">
+                      <a:rPr lang="en-US" sz="2400" i="1">
                         <a:latin typeface="Cambria Math"/>
                       </a:rPr>
                       <m:t>𝟏</m:t>
@@ -7761,14 +8056,14 @@
                     <m:sSup>
                       <m:sSupPr>
                         <m:ctrlPr>
-                          <a:rPr lang="en-US" i="1">
+                          <a:rPr lang="en-US" sz="2400" i="1">
                             <a:latin typeface="Cambria Math" panose="02040503050406030204" pitchFamily="18" charset="0"/>
                           </a:rPr>
                         </m:ctrlPr>
                       </m:sSupPr>
                       <m:e>
                         <m:r>
-                          <a:rPr lang="en-US" i="1">
+                          <a:rPr lang="en-US" sz="2400" i="1">
                             <a:latin typeface="Cambria Math"/>
                           </a:rPr>
                           <m:t>𝟎</m:t>
@@ -7776,7 +8071,7 @@
                       </m:e>
                       <m:sup>
                         <m:r>
-                          <a:rPr lang="en-US" i="1">
+                          <a:rPr lang="en-US" sz="2400" i="1">
                             <a:latin typeface="Cambria Math"/>
                           </a:rPr>
                           <m:t>𝟓</m:t>
@@ -7784,7 +8079,7 @@
                       </m:sup>
                     </m:sSup>
                     <m:r>
-                      <a:rPr lang="ru-RU" i="1">
+                      <a:rPr lang="ru-RU" sz="2400" i="1">
                         <a:latin typeface="Cambria Math"/>
                       </a:rPr>
                       <m:t>)</m:t>
@@ -7792,13 +8087,13 @@
                   </m:oMath>
                 </a14:m>
                 <a:r>
-                  <a:rPr lang="ru-RU" dirty="0"/>
+                  <a:rPr lang="ru-RU" sz="2400" dirty="0"/>
                   <a:t> – количество итераций.  На следующих </a:t>
                 </a:r>
                 <a14:m>
                   <m:oMath xmlns:m="http://schemas.openxmlformats.org/officeDocument/2006/math">
                     <m:r>
-                      <a:rPr lang="ru-RU" i="1">
+                      <a:rPr lang="ru-RU" sz="2400" i="1">
                         <a:latin typeface="Cambria Math"/>
                       </a:rPr>
                       <m:t>𝒏</m:t>
@@ -7806,7 +8101,7 @@
                   </m:oMath>
                 </a14:m>
                 <a:r>
-                  <a:rPr lang="ru-RU" dirty="0"/>
+                  <a:rPr lang="ru-RU" sz="2400" dirty="0"/>
                   <a:t> строках записаны пары чисел </a:t>
                 </a:r>
                 <a14:m>
@@ -7814,14 +8109,14 @@
                     <m:sSub>
                       <m:sSubPr>
                         <m:ctrlPr>
-                          <a:rPr lang="en-US" i="1">
+                          <a:rPr lang="en-US" sz="2400" i="1">
                             <a:latin typeface="Cambria Math" panose="02040503050406030204" pitchFamily="18" charset="0"/>
                           </a:rPr>
                         </m:ctrlPr>
                       </m:sSubPr>
                       <m:e>
                         <m:r>
-                          <a:rPr lang="ru-RU" i="1">
+                          <a:rPr lang="ru-RU" sz="2400" i="1">
                             <a:latin typeface="Cambria Math"/>
                           </a:rPr>
                           <m:t>𝒂</m:t>
@@ -7829,7 +8124,7 @@
                       </m:e>
                       <m:sub>
                         <m:r>
-                          <a:rPr lang="ru-RU" i="1">
+                          <a:rPr lang="ru-RU" sz="2400" i="1">
                             <a:latin typeface="Cambria Math"/>
                           </a:rPr>
                           <m:t>𝒊</m:t>
@@ -7839,14 +8134,14 @@
                     <m:sSub>
                       <m:sSubPr>
                         <m:ctrlPr>
-                          <a:rPr lang="en-US" i="1">
+                          <a:rPr lang="en-US" sz="2400" i="1">
                             <a:latin typeface="Cambria Math" panose="02040503050406030204" pitchFamily="18" charset="0"/>
                           </a:rPr>
                         </m:ctrlPr>
                       </m:sSubPr>
                       <m:e>
                         <m:r>
-                          <a:rPr lang="ru-RU" i="1">
+                          <a:rPr lang="ru-RU" sz="2400" i="1">
                             <a:latin typeface="Cambria Math"/>
                           </a:rPr>
                           <m:t>𝒃</m:t>
@@ -7854,7 +8149,7 @@
                       </m:e>
                       <m:sub>
                         <m:r>
-                          <a:rPr lang="ru-RU" i="1">
+                          <a:rPr lang="ru-RU" sz="2400" i="1">
                             <a:latin typeface="Cambria Math"/>
                           </a:rPr>
                           <m:t>𝒋</m:t>
@@ -7864,19 +8159,19 @@
                   </m:oMath>
                 </a14:m>
                 <a:r>
-                  <a:rPr lang="ru-RU" dirty="0"/>
+                  <a:rPr lang="ru-RU" sz="2400" dirty="0"/>
                   <a:t>,  каждое из которых может быть по модулю не больше 1000.</a:t>
                 </a:r>
-                <a:endParaRPr lang="en-US" dirty="0"/>
+                <a:endParaRPr lang="en-US" sz="2400" dirty="0"/>
               </a:p>
               <a:p>
                 <a:pPr algn="ctr"/>
                 <a:r>
-                  <a:rPr lang="ru-RU" i="1" dirty="0"/>
+                  <a:rPr lang="ru-RU" sz="2400" i="1" dirty="0"/>
                   <a:t>&lt;Описание результата&gt;</a:t>
                 </a:r>
                 <a:r>
-                  <a:rPr lang="en-US" dirty="0"/>
+                  <a:rPr lang="en-US" sz="2400" dirty="0"/>
                   <a:t> </a:t>
                 </a:r>
               </a:p>
@@ -7887,7 +8182,7 @@
             </p:txBody>
           </p:sp>
         </mc:Choice>
-        <mc:Fallback xmlns="">
+        <mc:Fallback>
           <p:sp>
             <p:nvSpPr>
               <p:cNvPr id="3" name="Объект 2"/>
@@ -7902,7 +8197,7 @@
               <a:blipFill>
                 <a:blip r:embed="rId2"/>
                 <a:stretch>
-                  <a:fillRect l="-720" t="-697" r="-320"/>
+                  <a:fillRect t="-976" r="-1760"/>
                 </a:stretch>
               </a:blipFill>
             </p:spPr>
@@ -7979,8 +8274,8 @@
           </a:p>
         </p:txBody>
       </p:sp>
-      <mc:AlternateContent xmlns:mc="http://schemas.openxmlformats.org/markup-compatibility/2006" xmlns:a14="http://schemas.microsoft.com/office/drawing/2010/main">
-        <mc:Choice Requires="a14">
+      <mc:AlternateContent xmlns:mc="http://schemas.openxmlformats.org/markup-compatibility/2006">
+        <mc:Choice xmlns:a14="http://schemas.microsoft.com/office/drawing/2010/main" Requires="a14">
           <p:sp>
             <p:nvSpPr>
               <p:cNvPr id="3" name="Объект 2"/>
@@ -7994,84 +8289,50 @@
             <p:spPr/>
             <p:txBody>
               <a:bodyPr>
-                <a:normAutofit fontScale="85000" lnSpcReduction="10000"/>
+                <a:normAutofit/>
               </a:bodyPr>
               <a:lstStyle/>
               <a:p>
                 <a:pPr algn="ctr"/>
                 <a:r>
-                  <a:rPr lang="ru-RU" i="1" dirty="0"/>
+                  <a:rPr lang="ru-RU" sz="2400" i="1" dirty="0"/>
                   <a:t>&lt;Условие задачи&gt;</a:t>
                 </a:r>
                 <a:r>
-                  <a:rPr lang="en-US" dirty="0"/>
-                  <a:t> </a:t>
-                </a:r>
-                <a:br>
-                  <a:rPr lang="ru-RU" dirty="0"/>
-                </a:br>
-                <a:r>
-                  <a:rPr lang="ru-RU" dirty="0"/>
-                  <a:t>Задача была следующая: сможете ли вы понять, является ли граф “лесом”?</a:t>
-                </a:r>
-                <a:br>
-                  <a:rPr lang="ru-RU" dirty="0"/>
-                </a:br>
-                <a:r>
-                  <a:rPr lang="ru-RU" dirty="0"/>
-                  <a:t>Напомним, что дерево — это связный неориентированный граф без циклов.</a:t>
-                </a:r>
-                <a:endParaRPr lang="en-US" dirty="0"/>
-              </a:p>
-              <a:p>
-                <a:pPr algn="ctr"/>
-                <a:r>
-                  <a:rPr lang="ru-RU" dirty="0"/>
-                  <a:t>Лесом же называют граф, все связные компоненты которого являются деревьями.</a:t>
-                </a:r>
-                <a:endParaRPr lang="en-US" dirty="0"/>
-              </a:p>
-              <a:p>
-                <a:pPr algn="ctr"/>
-                <a:r>
-                  <a:rPr lang="ru-RU" dirty="0"/>
-                  <a:t> </a:t>
-                </a:r>
-                <a:endParaRPr lang="en-US" dirty="0"/>
-              </a:p>
-              <a:p>
-                <a:pPr algn="ctr"/>
-                <a:r>
-                  <a:rPr lang="ru-RU" i="1" dirty="0"/>
-                  <a:t>Исходные данные</a:t>
-                </a:r>
-                <a:r>
-                  <a:rPr lang="en-US" dirty="0"/>
+                  <a:rPr lang="en-US" sz="2400" dirty="0"/>
                   <a:t> </a:t>
                 </a:r>
               </a:p>
               <a:p>
                 <a:pPr algn="ctr"/>
                 <a:r>
-                  <a:rPr lang="ru-RU" dirty="0"/>
+                  <a:rPr lang="ru-RU" sz="2400" i="1" dirty="0"/>
+                  <a:t>Исходные данные</a:t>
+                </a:r>
+                <a:endParaRPr lang="en-US" sz="2400" dirty="0"/>
+              </a:p>
+              <a:p>
+                <a:pPr algn="ctr"/>
+                <a:r>
+                  <a:rPr lang="ru-RU" sz="2400" dirty="0"/>
                   <a:t>В первой строке заданы числа </a:t>
                 </a:r>
                 <a14:m>
                   <m:oMath xmlns:m="http://schemas.openxmlformats.org/officeDocument/2006/math">
                     <m:r>
-                      <a:rPr lang="en-US" i="1">
+                      <a:rPr lang="en-US" sz="2400" i="1">
                         <a:latin typeface="Cambria Math"/>
                       </a:rPr>
                       <m:t>𝒏</m:t>
                     </m:r>
                     <m:r>
-                      <a:rPr lang="ru-RU" i="1">
+                      <a:rPr lang="ru-RU" sz="2400" i="1">
                         <a:latin typeface="Cambria Math"/>
                       </a:rPr>
                       <m:t>, </m:t>
                     </m:r>
                     <m:r>
-                      <a:rPr lang="en-US" i="1">
+                      <a:rPr lang="en-US" sz="2400" i="1">
                         <a:latin typeface="Cambria Math"/>
                       </a:rPr>
                       <m:t>𝒎</m:t>
@@ -8079,43 +8340,43 @@
                   </m:oMath>
                 </a14:m>
                 <a:r>
-                  <a:rPr lang="en-US" dirty="0"/>
+                  <a:rPr lang="en-US" sz="2400" dirty="0"/>
                   <a:t> </a:t>
                 </a:r>
                 <a14:m>
                   <m:oMath xmlns:m="http://schemas.openxmlformats.org/officeDocument/2006/math">
                     <m:r>
-                      <a:rPr lang="ru-RU" i="1">
+                      <a:rPr lang="ru-RU" sz="2400" i="1">
                         <a:latin typeface="Cambria Math"/>
                       </a:rPr>
                       <m:t>(</m:t>
                     </m:r>
                     <m:r>
-                      <a:rPr lang="ru-RU" i="1">
+                      <a:rPr lang="ru-RU" sz="2400" i="1">
                         <a:latin typeface="Cambria Math"/>
                       </a:rPr>
                       <m:t>𝟏</m:t>
                     </m:r>
                     <m:r>
-                      <a:rPr lang="ru-RU" i="1">
+                      <a:rPr lang="ru-RU" sz="2400" i="1">
                         <a:latin typeface="Cambria Math"/>
                       </a:rPr>
                       <m:t>≤</m:t>
                     </m:r>
                     <m:r>
-                      <a:rPr lang="en-US" i="1">
+                      <a:rPr lang="en-US" sz="2400" i="1">
                         <a:latin typeface="Cambria Math"/>
                       </a:rPr>
                       <m:t>𝒏</m:t>
                     </m:r>
                     <m:r>
-                      <a:rPr lang="ru-RU" i="1">
+                      <a:rPr lang="ru-RU" sz="2400" i="1">
                         <a:latin typeface="Cambria Math"/>
                       </a:rPr>
                       <m:t>≤</m:t>
                     </m:r>
                     <m:r>
-                      <a:rPr lang="ru-RU" i="1">
+                      <a:rPr lang="ru-RU" sz="2400" i="1">
                         <a:latin typeface="Cambria Math"/>
                       </a:rPr>
                       <m:t>𝟏</m:t>
@@ -8123,14 +8384,14 @@
                     <m:sSup>
                       <m:sSupPr>
                         <m:ctrlPr>
-                          <a:rPr lang="en-US" i="1">
+                          <a:rPr lang="en-US" sz="2400" i="1">
                             <a:latin typeface="Cambria Math" panose="02040503050406030204" pitchFamily="18" charset="0"/>
                           </a:rPr>
                         </m:ctrlPr>
                       </m:sSupPr>
                       <m:e>
                         <m:r>
-                          <a:rPr lang="ru-RU" i="1">
+                          <a:rPr lang="ru-RU" sz="2400" i="1">
                             <a:latin typeface="Cambria Math"/>
                           </a:rPr>
                           <m:t>𝟎</m:t>
@@ -8138,7 +8399,7 @@
                       </m:e>
                       <m:sup>
                         <m:r>
-                          <a:rPr lang="ru-RU" i="1">
+                          <a:rPr lang="ru-RU" sz="2400" i="1">
                             <a:latin typeface="Cambria Math"/>
                           </a:rPr>
                           <m:t>𝟓</m:t>
@@ -8146,37 +8407,37 @@
                       </m:sup>
                     </m:sSup>
                     <m:r>
-                      <a:rPr lang="ru-RU" i="1">
+                      <a:rPr lang="ru-RU" sz="2400" i="1">
                         <a:latin typeface="Cambria Math"/>
                       </a:rPr>
                       <m:t>, </m:t>
                     </m:r>
                     <m:r>
-                      <a:rPr lang="ru-RU" i="1">
+                      <a:rPr lang="ru-RU" sz="2400" i="1">
                         <a:latin typeface="Cambria Math"/>
                       </a:rPr>
                       <m:t>𝟏</m:t>
                     </m:r>
                     <m:r>
-                      <a:rPr lang="ru-RU" i="1">
+                      <a:rPr lang="ru-RU" sz="2400" i="1">
                         <a:latin typeface="Cambria Math"/>
                       </a:rPr>
                       <m:t>≤ </m:t>
                     </m:r>
                     <m:r>
-                      <a:rPr lang="en-US" i="1">
+                      <a:rPr lang="en-US" sz="2400" i="1">
                         <a:latin typeface="Cambria Math"/>
                       </a:rPr>
                       <m:t>𝒎</m:t>
                     </m:r>
                     <m:r>
-                      <a:rPr lang="ru-RU" i="1">
+                      <a:rPr lang="ru-RU" sz="2400" i="1">
                         <a:latin typeface="Cambria Math"/>
                       </a:rPr>
                       <m:t>≤</m:t>
                     </m:r>
                     <m:r>
-                      <a:rPr lang="ru-RU" i="1">
+                      <a:rPr lang="ru-RU" sz="2400" i="1">
                         <a:latin typeface="Cambria Math"/>
                       </a:rPr>
                       <m:t>𝟏</m:t>
@@ -8184,14 +8445,14 @@
                     <m:sSup>
                       <m:sSupPr>
                         <m:ctrlPr>
-                          <a:rPr lang="en-US" i="1">
+                          <a:rPr lang="en-US" sz="2400" i="1">
                             <a:latin typeface="Cambria Math" panose="02040503050406030204" pitchFamily="18" charset="0"/>
                           </a:rPr>
                         </m:ctrlPr>
                       </m:sSupPr>
                       <m:e>
                         <m:r>
-                          <a:rPr lang="ru-RU" i="1">
+                          <a:rPr lang="ru-RU" sz="2400" i="1">
                             <a:latin typeface="Cambria Math"/>
                           </a:rPr>
                           <m:t>𝟎</m:t>
@@ -8199,7 +8460,7 @@
                       </m:e>
                       <m:sup>
                         <m:r>
-                          <a:rPr lang="ru-RU" i="1">
+                          <a:rPr lang="ru-RU" sz="2400" i="1">
                             <a:latin typeface="Cambria Math"/>
                           </a:rPr>
                           <m:t>𝟓</m:t>
@@ -8207,7 +8468,7 @@
                       </m:sup>
                     </m:sSup>
                     <m:r>
-                      <a:rPr lang="ru-RU" i="1">
+                      <a:rPr lang="ru-RU" sz="2400" i="1">
                         <a:latin typeface="Cambria Math"/>
                       </a:rPr>
                       <m:t>),</m:t>
@@ -8215,13 +8476,13 @@
                   </m:oMath>
                 </a14:m>
                 <a:r>
-                  <a:rPr lang="ru-RU" dirty="0"/>
+                  <a:rPr lang="ru-RU" sz="2400" dirty="0"/>
                   <a:t> где </a:t>
                 </a:r>
                 <a14:m>
                   <m:oMath xmlns:m="http://schemas.openxmlformats.org/officeDocument/2006/math">
                     <m:r>
-                      <a:rPr lang="en-US" i="1">
+                      <a:rPr lang="en-US" sz="2400" i="1">
                         <a:latin typeface="Cambria Math"/>
                       </a:rPr>
                       <m:t>𝒏</m:t>
@@ -8229,13 +8490,13 @@
                   </m:oMath>
                 </a14:m>
                 <a:r>
-                  <a:rPr lang="ru-RU" dirty="0"/>
+                  <a:rPr lang="ru-RU" sz="2400" dirty="0"/>
                   <a:t> это количество вершин в графе, а </a:t>
                 </a:r>
                 <a14:m>
                   <m:oMath xmlns:m="http://schemas.openxmlformats.org/officeDocument/2006/math">
                     <m:r>
-                      <a:rPr lang="en-US" i="1">
+                      <a:rPr lang="en-US" sz="2400" i="1">
                         <a:latin typeface="Cambria Math"/>
                       </a:rPr>
                       <m:t>𝒎</m:t>
@@ -8243,13 +8504,13 @@
                   </m:oMath>
                 </a14:m>
                 <a:r>
-                  <a:rPr lang="ru-RU" dirty="0"/>
+                  <a:rPr lang="ru-RU" sz="2400" dirty="0"/>
                   <a:t> - количество ребер. Далее в </a:t>
                 </a:r>
                 <a14:m>
                   <m:oMath xmlns:m="http://schemas.openxmlformats.org/officeDocument/2006/math">
                     <m:r>
-                      <a:rPr lang="en-US" i="1">
+                      <a:rPr lang="en-US" sz="2400" i="1">
                         <a:latin typeface="Cambria Math"/>
                       </a:rPr>
                       <m:t>𝒎</m:t>
@@ -8257,7 +8518,7 @@
                   </m:oMath>
                 </a14:m>
                 <a:r>
-                  <a:rPr lang="ru-RU" dirty="0"/>
+                  <a:rPr lang="ru-RU" sz="2400" dirty="0"/>
                   <a:t> строках будут перечислены пары целых чисел </a:t>
                 </a:r>
                 <a14:m>
@@ -8265,14 +8526,14 @@
                     <m:sSub>
                       <m:sSubPr>
                         <m:ctrlPr>
-                          <a:rPr lang="en-US" i="1">
+                          <a:rPr lang="en-US" sz="2400" i="1">
                             <a:latin typeface="Cambria Math" panose="02040503050406030204" pitchFamily="18" charset="0"/>
                           </a:rPr>
                         </m:ctrlPr>
                       </m:sSubPr>
                       <m:e>
                         <m:r>
-                          <a:rPr lang="en-US" i="1">
+                          <a:rPr lang="en-US" sz="2400" i="1">
                             <a:latin typeface="Cambria Math"/>
                           </a:rPr>
                           <m:t>𝒖</m:t>
@@ -8280,7 +8541,7 @@
                       </m:e>
                       <m:sub>
                         <m:r>
-                          <a:rPr lang="en-US" i="1">
+                          <a:rPr lang="en-US" sz="2400" i="1">
                             <a:latin typeface="Cambria Math"/>
                           </a:rPr>
                           <m:t>𝒊</m:t>
@@ -8288,7 +8549,7 @@
                       </m:sub>
                     </m:sSub>
                     <m:r>
-                      <a:rPr lang="ru-RU" i="1">
+                      <a:rPr lang="ru-RU" sz="2400" i="1">
                         <a:latin typeface="Cambria Math"/>
                       </a:rPr>
                       <m:t> </m:t>
@@ -8296,14 +8557,14 @@
                     <m:sSub>
                       <m:sSubPr>
                         <m:ctrlPr>
-                          <a:rPr lang="en-US" i="1">
+                          <a:rPr lang="en-US" sz="2400" i="1">
                             <a:latin typeface="Cambria Math" panose="02040503050406030204" pitchFamily="18" charset="0"/>
                           </a:rPr>
                         </m:ctrlPr>
                       </m:sSubPr>
                       <m:e>
                         <m:r>
-                          <a:rPr lang="en-US" i="1">
+                          <a:rPr lang="en-US" sz="2400" i="1">
                             <a:latin typeface="Cambria Math"/>
                           </a:rPr>
                           <m:t>𝒗</m:t>
@@ -8311,7 +8572,7 @@
                       </m:e>
                       <m:sub>
                         <m:r>
-                          <a:rPr lang="en-US" i="1">
+                          <a:rPr lang="en-US" sz="2400" i="1">
                             <a:latin typeface="Cambria Math"/>
                           </a:rPr>
                           <m:t>𝒊</m:t>
@@ -8321,25 +8582,25 @@
                   </m:oMath>
                 </a14:m>
                 <a:r>
-                  <a:rPr lang="ru-RU" dirty="0"/>
+                  <a:rPr lang="ru-RU" sz="2400" dirty="0"/>
                   <a:t> </a:t>
                 </a:r>
                 <a14:m>
                   <m:oMath xmlns:m="http://schemas.openxmlformats.org/officeDocument/2006/math">
                     <m:r>
-                      <a:rPr lang="ru-RU" i="1">
+                      <a:rPr lang="ru-RU" sz="2400" i="1">
                         <a:latin typeface="Cambria Math"/>
                       </a:rPr>
                       <m:t>(</m:t>
                     </m:r>
                     <m:r>
-                      <a:rPr lang="ru-RU" i="1">
+                      <a:rPr lang="ru-RU" sz="2400" i="1">
                         <a:latin typeface="Cambria Math"/>
                       </a:rPr>
                       <m:t>𝟏</m:t>
                     </m:r>
                     <m:r>
-                      <a:rPr lang="ru-RU" i="1">
+                      <a:rPr lang="ru-RU" sz="2400" i="1">
                         <a:latin typeface="Cambria Math"/>
                       </a:rPr>
                       <m:t>≤</m:t>
@@ -8347,14 +8608,14 @@
                     <m:sSub>
                       <m:sSubPr>
                         <m:ctrlPr>
-                          <a:rPr lang="en-US" i="1">
+                          <a:rPr lang="en-US" sz="2400" i="1">
                             <a:latin typeface="Cambria Math" panose="02040503050406030204" pitchFamily="18" charset="0"/>
                           </a:rPr>
                         </m:ctrlPr>
                       </m:sSubPr>
                       <m:e>
                         <m:r>
-                          <a:rPr lang="en-US" i="1">
+                          <a:rPr lang="en-US" sz="2400" i="1">
                             <a:latin typeface="Cambria Math"/>
                           </a:rPr>
                           <m:t>𝒖</m:t>
@@ -8362,7 +8623,7 @@
                       </m:e>
                       <m:sub>
                         <m:r>
-                          <a:rPr lang="en-US" i="1">
+                          <a:rPr lang="en-US" sz="2400" i="1">
                             <a:latin typeface="Cambria Math"/>
                           </a:rPr>
                           <m:t>𝒊</m:t>
@@ -8370,7 +8631,7 @@
                       </m:sub>
                     </m:sSub>
                     <m:r>
-                      <a:rPr lang="ru-RU" i="1">
+                      <a:rPr lang="ru-RU" sz="2400" i="1">
                         <a:latin typeface="Cambria Math"/>
                       </a:rPr>
                       <m:t>, </m:t>
@@ -8378,14 +8639,14 @@
                     <m:sSub>
                       <m:sSubPr>
                         <m:ctrlPr>
-                          <a:rPr lang="en-US" i="1">
+                          <a:rPr lang="en-US" sz="2400" i="1">
                             <a:latin typeface="Cambria Math" panose="02040503050406030204" pitchFamily="18" charset="0"/>
                           </a:rPr>
                         </m:ctrlPr>
                       </m:sSubPr>
                       <m:e>
                         <m:r>
-                          <a:rPr lang="en-US" i="1">
+                          <a:rPr lang="en-US" sz="2400" i="1">
                             <a:latin typeface="Cambria Math"/>
                           </a:rPr>
                           <m:t>𝒗</m:t>
@@ -8393,7 +8654,7 @@
                       </m:e>
                       <m:sub>
                         <m:r>
-                          <a:rPr lang="en-US" i="1">
+                          <a:rPr lang="en-US" sz="2400" i="1">
                             <a:latin typeface="Cambria Math"/>
                           </a:rPr>
                           <m:t>𝒊</m:t>
@@ -8401,19 +8662,19 @@
                       </m:sub>
                     </m:sSub>
                     <m:r>
-                      <a:rPr lang="ru-RU" i="1">
+                      <a:rPr lang="ru-RU" sz="2400" i="1">
                         <a:latin typeface="Cambria Math"/>
                       </a:rPr>
                       <m:t>≤ </m:t>
                     </m:r>
                     <m:r>
-                      <a:rPr lang="en-US" i="1">
+                      <a:rPr lang="en-US" sz="2400" i="1">
                         <a:latin typeface="Cambria Math"/>
                       </a:rPr>
                       <m:t>𝒏</m:t>
                     </m:r>
                     <m:r>
-                      <a:rPr lang="ru-RU" i="1">
+                      <a:rPr lang="ru-RU" sz="2400" i="1">
                         <a:latin typeface="Cambria Math"/>
                       </a:rPr>
                       <m:t>),</m:t>
@@ -8421,7 +8682,7 @@
                   </m:oMath>
                 </a14:m>
                 <a:r>
-                  <a:rPr lang="ru-RU" dirty="0"/>
+                  <a:rPr lang="ru-RU" sz="2400" dirty="0"/>
                   <a:t> это значит, что присутствует ребро между вершинами </a:t>
                 </a:r>
                 <a14:m>
@@ -8429,14 +8690,14 @@
                     <m:sSub>
                       <m:sSubPr>
                         <m:ctrlPr>
-                          <a:rPr lang="en-US" i="1">
+                          <a:rPr lang="en-US" sz="2400" i="1">
                             <a:latin typeface="Cambria Math" panose="02040503050406030204" pitchFamily="18" charset="0"/>
                           </a:rPr>
                         </m:ctrlPr>
                       </m:sSubPr>
                       <m:e>
                         <m:r>
-                          <a:rPr lang="en-US" i="1">
+                          <a:rPr lang="en-US" sz="2400" i="1">
                             <a:latin typeface="Cambria Math"/>
                           </a:rPr>
                           <m:t>𝒖</m:t>
@@ -8444,7 +8705,7 @@
                       </m:e>
                       <m:sub>
                         <m:r>
-                          <a:rPr lang="en-US" i="1">
+                          <a:rPr lang="en-US" sz="2400" i="1">
                             <a:latin typeface="Cambria Math"/>
                           </a:rPr>
                           <m:t>𝒊</m:t>
@@ -8454,7 +8715,7 @@
                   </m:oMath>
                 </a14:m>
                 <a:r>
-                  <a:rPr lang="ru-RU" dirty="0"/>
+                  <a:rPr lang="ru-RU" sz="2400" dirty="0"/>
                   <a:t> и </a:t>
                 </a:r>
                 <a14:m>
@@ -8462,14 +8723,14 @@
                     <m:sSub>
                       <m:sSubPr>
                         <m:ctrlPr>
-                          <a:rPr lang="en-US" i="1">
+                          <a:rPr lang="en-US" sz="2400" i="1">
                             <a:latin typeface="Cambria Math" panose="02040503050406030204" pitchFamily="18" charset="0"/>
                           </a:rPr>
                         </m:ctrlPr>
                       </m:sSubPr>
                       <m:e>
                         <m:r>
-                          <a:rPr lang="en-US" i="1">
+                          <a:rPr lang="en-US" sz="2400" i="1">
                             <a:latin typeface="Cambria Math"/>
                           </a:rPr>
                           <m:t>𝒗</m:t>
@@ -8477,7 +8738,7 @@
                       </m:e>
                       <m:sub>
                         <m:r>
-                          <a:rPr lang="en-US" i="1">
+                          <a:rPr lang="en-US" sz="2400" i="1">
                             <a:latin typeface="Cambria Math"/>
                           </a:rPr>
                           <m:t>𝒊</m:t>
@@ -8487,26 +8748,25 @@
                   </m:oMath>
                 </a14:m>
                 <a:r>
-                  <a:rPr lang="ru-RU" dirty="0"/>
-                  <a:t>. В графе нет петель и кратных ребер.</a:t>
+                  <a:rPr lang="ru-RU" sz="2400" dirty="0"/>
+                  <a:t>. </a:t>
                 </a:r>
-                <a:endParaRPr lang="en-US" dirty="0"/>
-              </a:p>
-              <a:p>
-                <a:pPr algn="ctr"/>
+                <a:br>
+                  <a:rPr lang="hy-AM" sz="2400" dirty="0"/>
+                </a:br>
                 <a:r>
-                  <a:rPr lang="ru-RU" i="1" dirty="0"/>
+                  <a:rPr lang="ru-RU" sz="2400" i="1" dirty="0"/>
                   <a:t>&lt;Описание результата&gt;</a:t>
                 </a:r>
                 <a:r>
-                  <a:rPr lang="en-US" dirty="0"/>
+                  <a:rPr lang="en-US" sz="2400" dirty="0"/>
                   <a:t> </a:t>
                 </a:r>
               </a:p>
             </p:txBody>
           </p:sp>
         </mc:Choice>
-        <mc:Fallback xmlns="">
+        <mc:Fallback>
           <p:sp>
             <p:nvSpPr>
               <p:cNvPr id="3" name="Объект 2"/>
@@ -8518,10 +8778,10 @@
               </p:nvPr>
             </p:nvSpPr>
             <p:spPr>
-              <a:blipFill rotWithShape="1">
+              <a:blipFill>
                 <a:blip r:embed="rId2"/>
                 <a:stretch>
-                  <a:fillRect l="-320" t="-976" r="-1280"/>
+                  <a:fillRect t="-976" r="-2320"/>
                 </a:stretch>
               </a:blipFill>
             </p:spPr>
@@ -8598,8 +8858,8 @@
           </a:p>
         </p:txBody>
       </p:sp>
-      <mc:AlternateContent xmlns:mc="http://schemas.openxmlformats.org/markup-compatibility/2006" xmlns:a14="http://schemas.microsoft.com/office/drawing/2010/main">
-        <mc:Choice Requires="a14">
+      <mc:AlternateContent xmlns:mc="http://schemas.openxmlformats.org/markup-compatibility/2006">
+        <mc:Choice xmlns:a14="http://schemas.microsoft.com/office/drawing/2010/main" Requires="a14">
           <p:sp>
             <p:nvSpPr>
               <p:cNvPr id="3" name="Объект 2"/>
@@ -8708,7 +8968,7 @@
             </p:txBody>
           </p:sp>
         </mc:Choice>
-        <mc:Fallback xmlns="">
+        <mc:Fallback>
           <p:sp>
             <p:nvSpPr>
               <p:cNvPr id="3" name="Объект 2"/>
@@ -8720,10 +8980,10 @@
               </p:nvPr>
             </p:nvSpPr>
             <p:spPr>
-              <a:blipFill rotWithShape="1">
+              <a:blipFill>
                 <a:blip r:embed="rId2"/>
                 <a:stretch>
-                  <a:fillRect l="-800" t="-558" r="-1680"/>
+                  <a:fillRect l="-800" t="-697" r="-1680"/>
                 </a:stretch>
               </a:blipFill>
             </p:spPr>
@@ -8904,17 +9164,40 @@
         </p:nvSpPr>
         <p:spPr/>
         <p:txBody>
-          <a:bodyPr/>
+          <a:bodyPr>
+            <a:normAutofit/>
+          </a:bodyPr>
           <a:lstStyle/>
           <a:p>
-            <a:r>
-              <a:rPr lang="ru-RU" sz="3600" dirty="0"/>
-              <a:t>Базовый абстрактный класс всей библиотеки. В нем содержится весь необходимый функционал, который наследуют остальные классы. Реализует шаблон проектирования Компоновщик. </a:t>
-            </a:r>
-            <a:endParaRPr lang="en-US" sz="3600" dirty="0"/>
-          </a:p>
-          <a:p>
-            <a:endParaRPr lang="en-US" dirty="0"/>
+            <a:pPr>
+              <a:buFont typeface="Arial" pitchFamily="34" charset="0"/>
+              <a:buChar char="•"/>
+            </a:pPr>
+            <a:r>
+              <a:rPr lang="ru-RU" sz="2400" dirty="0"/>
+              <a:t> Базовый абстрактный класс всей библиотеки. </a:t>
+            </a:r>
+          </a:p>
+          <a:p>
+            <a:pPr>
+              <a:buFont typeface="Arial" pitchFamily="34" charset="0"/>
+              <a:buChar char="•"/>
+            </a:pPr>
+            <a:r>
+              <a:rPr lang="ru-RU" sz="2400" dirty="0"/>
+              <a:t> Содержит весь необходимый функционал, который наследуют остальные классы. </a:t>
+            </a:r>
+          </a:p>
+          <a:p>
+            <a:pPr>
+              <a:buFont typeface="Arial" pitchFamily="34" charset="0"/>
+              <a:buChar char="•"/>
+            </a:pPr>
+            <a:r>
+              <a:rPr lang="ru-RU" sz="2400" dirty="0"/>
+              <a:t> Реализует шаблон проектирования Компоновщик. </a:t>
+            </a:r>
+            <a:endParaRPr lang="en-US" sz="2400" dirty="0"/>
           </a:p>
         </p:txBody>
       </p:sp>
@@ -8997,25 +9280,61 @@
           </a:bodyPr>
           <a:lstStyle/>
           <a:p>
-            <a:r>
-              <a:rPr lang="ru-RU" sz="2800" dirty="0"/>
-              <a:t>Ещё один класс, который реализует шаблон проектирования Компоновщик. Является совокупностью нескольких (может одного) тестов, и имеет тот же интерфейс, что и остальные тесты, что позволяет работать с группой тестов как с одним. Имеет функцию </a:t>
-            </a:r>
-            <a:r>
-              <a:rPr lang="en-US" sz="2800" dirty="0"/>
+            <a:pPr>
+              <a:buFont typeface="Arial" pitchFamily="34" charset="0"/>
+              <a:buChar char="•"/>
+            </a:pPr>
+            <a:r>
+              <a:rPr lang="ru-RU" sz="2400" dirty="0"/>
+              <a:t>Является совокупностью нескольких (может одного) тестов, и имеет тот же интерфейс, что и остальные тесты. </a:t>
+            </a:r>
+          </a:p>
+          <a:p>
+            <a:pPr>
+              <a:buFont typeface="Arial" pitchFamily="34" charset="0"/>
+              <a:buChar char="•"/>
+            </a:pPr>
+            <a:r>
+              <a:rPr lang="ru-RU" sz="2400" dirty="0"/>
+              <a:t> Позволяет работать с группой тестов как с одним. </a:t>
+            </a:r>
+          </a:p>
+          <a:p>
+            <a:pPr>
+              <a:buFont typeface="Arial" pitchFamily="34" charset="0"/>
+              <a:buChar char="•"/>
+            </a:pPr>
+            <a:r>
+              <a:rPr lang="ru-RU" sz="2400" dirty="0"/>
+              <a:t> Имеет функцию </a:t>
+            </a:r>
+            <a:r>
+              <a:rPr lang="en-US" sz="2400" dirty="0"/>
               <a:t>Add</a:t>
             </a:r>
             <a:r>
-              <a:rPr lang="ru-RU" sz="2800" dirty="0"/>
-              <a:t>, которой нужно добавлять тест к остальному множеству. </a:t>
-            </a:r>
-            <a:br>
-              <a:rPr lang="ru-RU" sz="2800" dirty="0"/>
-            </a:br>
-            <a:endParaRPr lang="en-US" sz="2800" dirty="0"/>
-          </a:p>
-          <a:p>
-            <a:endParaRPr lang="en-US" sz="2800" dirty="0"/>
+              <a:rPr lang="ru-RU" sz="2400" dirty="0"/>
+              <a:t>, при помощи которой новые тесты могут быть добавлены к остальному множеству. </a:t>
+            </a:r>
+            <a:endParaRPr lang="hy-AM" sz="2400" dirty="0"/>
+          </a:p>
+          <a:p>
+            <a:pPr>
+              <a:buFont typeface="Arial" pitchFamily="34" charset="0"/>
+              <a:buChar char="•"/>
+            </a:pPr>
+            <a:r>
+              <a:rPr lang="ru-RU" sz="2400" dirty="0"/>
+              <a:t> Реализует шаблон проектирования Компоновщик. </a:t>
+            </a:r>
+            <a:endParaRPr lang="en-US" sz="2400" dirty="0"/>
+          </a:p>
+          <a:p>
+            <a:pPr>
+              <a:buFont typeface="Arial" pitchFamily="34" charset="0"/>
+              <a:buChar char="•"/>
+            </a:pPr>
+            <a:endParaRPr lang="en-US" sz="2400" dirty="0"/>
           </a:p>
         </p:txBody>
       </p:sp>

--- a/diploma_work_materials/Diploma_slides.pptx
+++ b/diploma_work_materials/Diploma_slides.pptx
@@ -5,7 +5,7 @@
     <p:sldMasterId id="2147483708" r:id="rId1"/>
   </p:sldMasterIdLst>
   <p:notesMasterIdLst>
-    <p:notesMasterId r:id="rId29"/>
+    <p:notesMasterId r:id="rId30"/>
   </p:notesMasterIdLst>
   <p:sldIdLst>
     <p:sldId id="256" r:id="rId2"/>
@@ -16,25 +16,26 @@
     <p:sldId id="260" r:id="rId7"/>
     <p:sldId id="261" r:id="rId8"/>
     <p:sldId id="262" r:id="rId9"/>
-    <p:sldId id="263" r:id="rId10"/>
-    <p:sldId id="264" r:id="rId11"/>
-    <p:sldId id="281" r:id="rId12"/>
-    <p:sldId id="265" r:id="rId13"/>
-    <p:sldId id="266" r:id="rId14"/>
-    <p:sldId id="267" r:id="rId15"/>
-    <p:sldId id="268" r:id="rId16"/>
-    <p:sldId id="275" r:id="rId17"/>
-    <p:sldId id="282" r:id="rId18"/>
-    <p:sldId id="283" r:id="rId19"/>
-    <p:sldId id="277" r:id="rId20"/>
-    <p:sldId id="269" r:id="rId21"/>
-    <p:sldId id="285" r:id="rId22"/>
-    <p:sldId id="270" r:id="rId23"/>
-    <p:sldId id="279" r:id="rId24"/>
-    <p:sldId id="271" r:id="rId25"/>
-    <p:sldId id="272" r:id="rId26"/>
-    <p:sldId id="284" r:id="rId27"/>
-    <p:sldId id="274" r:id="rId28"/>
+    <p:sldId id="264" r:id="rId10"/>
+    <p:sldId id="263" r:id="rId11"/>
+    <p:sldId id="286" r:id="rId12"/>
+    <p:sldId id="281" r:id="rId13"/>
+    <p:sldId id="265" r:id="rId14"/>
+    <p:sldId id="266" r:id="rId15"/>
+    <p:sldId id="267" r:id="rId16"/>
+    <p:sldId id="268" r:id="rId17"/>
+    <p:sldId id="275" r:id="rId18"/>
+    <p:sldId id="282" r:id="rId19"/>
+    <p:sldId id="283" r:id="rId20"/>
+    <p:sldId id="277" r:id="rId21"/>
+    <p:sldId id="269" r:id="rId22"/>
+    <p:sldId id="285" r:id="rId23"/>
+    <p:sldId id="270" r:id="rId24"/>
+    <p:sldId id="279" r:id="rId25"/>
+    <p:sldId id="271" r:id="rId26"/>
+    <p:sldId id="272" r:id="rId27"/>
+    <p:sldId id="284" r:id="rId28"/>
+    <p:sldId id="274" r:id="rId29"/>
   </p:sldIdLst>
   <p:sldSz cx="9144000" cy="6858000" type="screen4x3"/>
   <p:notesSz cx="6858000" cy="9144000"/>
@@ -234,7 +235,7 @@
           <a:p>
             <a:fld id="{DC0B8FE5-3809-4277-AF2B-8784DBC000AA}" type="datetimeFigureOut">
               <a:rPr lang="en-US" smtClean="0"/>
-              <a:t>5/24/2018</a:t>
+              <a:t>5/25/2018</a:t>
             </a:fld>
             <a:endParaRPr lang="en-US"/>
           </a:p>
@@ -695,7 +696,7 @@
           <a:p>
             <a:fld id="{9616E58A-1502-49A9-81BD-C67CE2D6112C}" type="datetimeFigureOut">
               <a:rPr lang="en-US" smtClean="0"/>
-              <a:t>5/24/2018</a:t>
+              <a:t>5/25/2018</a:t>
             </a:fld>
             <a:endParaRPr lang="en-US"/>
           </a:p>
@@ -960,7 +961,7 @@
           <a:p>
             <a:fld id="{9616E58A-1502-49A9-81BD-C67CE2D6112C}" type="datetimeFigureOut">
               <a:rPr lang="en-US" smtClean="0"/>
-              <a:t>5/24/2018</a:t>
+              <a:t>5/25/2018</a:t>
             </a:fld>
             <a:endParaRPr lang="en-US"/>
           </a:p>
@@ -1135,7 +1136,7 @@
           <a:p>
             <a:fld id="{9616E58A-1502-49A9-81BD-C67CE2D6112C}" type="datetimeFigureOut">
               <a:rPr lang="en-US" smtClean="0"/>
-              <a:t>5/24/2018</a:t>
+              <a:t>5/25/2018</a:t>
             </a:fld>
             <a:endParaRPr lang="en-US"/>
           </a:p>
@@ -1300,7 +1301,7 @@
           <a:p>
             <a:fld id="{9616E58A-1502-49A9-81BD-C67CE2D6112C}" type="datetimeFigureOut">
               <a:rPr lang="en-US" smtClean="0"/>
-              <a:t>5/24/2018</a:t>
+              <a:t>5/25/2018</a:t>
             </a:fld>
             <a:endParaRPr lang="en-US"/>
           </a:p>
@@ -1549,7 +1550,7 @@
           <a:p>
             <a:fld id="{9616E58A-1502-49A9-81BD-C67CE2D6112C}" type="datetimeFigureOut">
               <a:rPr lang="en-US" smtClean="0"/>
-              <a:t>5/24/2018</a:t>
+              <a:t>5/25/2018</a:t>
             </a:fld>
             <a:endParaRPr lang="en-US"/>
           </a:p>
@@ -1832,7 +1833,7 @@
           <a:p>
             <a:fld id="{9616E58A-1502-49A9-81BD-C67CE2D6112C}" type="datetimeFigureOut">
               <a:rPr lang="en-US" smtClean="0"/>
-              <a:t>5/24/2018</a:t>
+              <a:t>5/25/2018</a:t>
             </a:fld>
             <a:endParaRPr lang="en-US"/>
           </a:p>
@@ -2271,7 +2272,7 @@
           <a:p>
             <a:fld id="{9616E58A-1502-49A9-81BD-C67CE2D6112C}" type="datetimeFigureOut">
               <a:rPr lang="en-US" smtClean="0"/>
-              <a:t>5/24/2018</a:t>
+              <a:t>5/25/2018</a:t>
             </a:fld>
             <a:endParaRPr lang="en-US"/>
           </a:p>
@@ -2384,7 +2385,7 @@
           <a:p>
             <a:fld id="{9616E58A-1502-49A9-81BD-C67CE2D6112C}" type="datetimeFigureOut">
               <a:rPr lang="en-US" smtClean="0"/>
-              <a:t>5/24/2018</a:t>
+              <a:t>5/25/2018</a:t>
             </a:fld>
             <a:endParaRPr lang="en-US"/>
           </a:p>
@@ -2474,7 +2475,7 @@
           <a:p>
             <a:fld id="{9616E58A-1502-49A9-81BD-C67CE2D6112C}" type="datetimeFigureOut">
               <a:rPr lang="en-US" smtClean="0"/>
-              <a:t>5/24/2018</a:t>
+              <a:t>5/25/2018</a:t>
             </a:fld>
             <a:endParaRPr lang="en-US"/>
           </a:p>
@@ -2716,7 +2717,7 @@
           <a:p>
             <a:fld id="{9616E58A-1502-49A9-81BD-C67CE2D6112C}" type="datetimeFigureOut">
               <a:rPr lang="en-US" smtClean="0"/>
-              <a:t>5/24/2018</a:t>
+              <a:t>5/25/2018</a:t>
             </a:fld>
             <a:endParaRPr lang="en-US"/>
           </a:p>
@@ -3010,7 +3011,7 @@
           <a:p>
             <a:fld id="{9616E58A-1502-49A9-81BD-C67CE2D6112C}" type="datetimeFigureOut">
               <a:rPr lang="en-US" smtClean="0"/>
-              <a:t>5/24/2018</a:t>
+              <a:t>5/25/2018</a:t>
             </a:fld>
             <a:endParaRPr lang="en-US"/>
           </a:p>
@@ -3304,7 +3305,7 @@
           <a:p>
             <a:fld id="{9616E58A-1502-49A9-81BD-C67CE2D6112C}" type="datetimeFigureOut">
               <a:rPr lang="en-US" smtClean="0"/>
-              <a:t>5/24/2018</a:t>
+              <a:t>5/25/2018</a:t>
             </a:fld>
             <a:endParaRPr lang="en-US"/>
           </a:p>
@@ -3859,7 +3860,7 @@
               <a:t>Ереван 201</a:t>
             </a:r>
             <a:r>
-              <a:rPr lang="en-US" b="1"/>
+              <a:rPr lang="en-US" b="1" dirty="0"/>
               <a:t>8</a:t>
             </a:r>
           </a:p>
@@ -3927,12 +3928,9 @@
             </a:br>
             <a:r>
               <a:rPr lang="en-US" sz="3200" dirty="0" err="1"/>
-              <a:t>primitivetest</a:t>
-            </a:r>
-            <a:r>
-              <a:rPr lang="en-US" sz="3200" dirty="0"/>
-              <a:t>&lt;T&gt;</a:t>
-            </a:r>
+              <a:t>Compositetest</a:t>
+            </a:r>
+            <a:endParaRPr lang="en-US" sz="3200" dirty="0"/>
           </a:p>
         </p:txBody>
       </p:sp>
@@ -3946,10 +3944,15 @@
             <p:ph idx="1"/>
           </p:nvPr>
         </p:nvSpPr>
-        <p:spPr/>
+        <p:spPr>
+          <a:xfrm>
+            <a:off x="457200" y="1752600"/>
+            <a:ext cx="7620000" cy="4373563"/>
+          </a:xfrm>
+        </p:spPr>
         <p:txBody>
           <a:bodyPr>
-            <a:normAutofit/>
+            <a:noAutofit/>
           </a:bodyPr>
           <a:lstStyle/>
           <a:p>
@@ -3959,7 +3962,7 @@
             </a:pPr>
             <a:r>
               <a:rPr lang="ru-RU" sz="2400" dirty="0"/>
-              <a:t> Описывает примитивные типы</a:t>
+              <a:t>Является совокупностью нескольких (может одного) тестов, и имеет тот же интерфейс, что и остальные тесты. </a:t>
             </a:r>
           </a:p>
           <a:p>
@@ -3969,110 +3972,52 @@
             </a:pPr>
             <a:r>
               <a:rPr lang="ru-RU" sz="2400" dirty="0"/>
-              <a:t> Является базовым классом для </a:t>
-            </a:r>
-            <a:r>
-              <a:rPr lang="en-US" sz="2400" dirty="0" err="1"/>
-              <a:t>ConstPrimitiveTest</a:t>
-            </a:r>
+              <a:t> Позволяет работать с группой тестов как с одним. </a:t>
+            </a:r>
+          </a:p>
+          <a:p>
+            <a:pPr>
+              <a:buFont typeface="Arial" pitchFamily="34" charset="0"/>
+              <a:buChar char="•"/>
+            </a:pPr>
             <a:r>
               <a:rPr lang="ru-RU" sz="2400" dirty="0"/>
-              <a:t>&lt;</a:t>
+              <a:t> Имеет функцию </a:t>
             </a:r>
             <a:r>
               <a:rPr lang="en-US" sz="2400" dirty="0"/>
-              <a:t>T</a:t>
+              <a:t>Add</a:t>
             </a:r>
             <a:r>
               <a:rPr lang="ru-RU" sz="2400" dirty="0"/>
-              <a:t>&gt; и </a:t>
-            </a:r>
-            <a:r>
-              <a:rPr lang="en-US" sz="2400" dirty="0" err="1"/>
-              <a:t>RangePrimitiveTest</a:t>
-            </a:r>
+              <a:t>, при помощи которой новые тесты могут быть добавлены к остальному множеству. </a:t>
+            </a:r>
+            <a:endParaRPr lang="hy-AM" sz="2400" dirty="0"/>
+          </a:p>
+          <a:p>
+            <a:pPr>
+              <a:buFont typeface="Arial" pitchFamily="34" charset="0"/>
+              <a:buChar char="•"/>
+            </a:pPr>
             <a:r>
               <a:rPr lang="ru-RU" sz="2400" dirty="0"/>
-              <a:t>&lt;</a:t>
-            </a:r>
-            <a:r>
-              <a:rPr lang="en-US" sz="2400" dirty="0"/>
-              <a:t>T</a:t>
-            </a:r>
-            <a:r>
-              <a:rPr lang="ru-RU" sz="2400" dirty="0"/>
-              <a:t>&gt;</a:t>
-            </a:r>
-            <a:r>
-              <a:rPr lang="en-US" sz="2400" dirty="0"/>
-              <a:t>:</a:t>
-            </a:r>
-            <a:r>
-              <a:rPr lang="ru-RU" sz="2400" dirty="0"/>
-              <a:t> </a:t>
+              <a:t> Реализует шаблон проектирования Компоновщик. </a:t>
             </a:r>
             <a:endParaRPr lang="en-US" sz="2400" dirty="0"/>
           </a:p>
           <a:p>
-            <a:pPr lvl="1"/>
-            <a:r>
-              <a:rPr lang="en-US" sz="2400" b="1" dirty="0" err="1"/>
-              <a:t>ConstPrimitiveTest</a:t>
-            </a:r>
-            <a:r>
-              <a:rPr lang="en-US" sz="2400" b="1" dirty="0"/>
-              <a:t> </a:t>
-            </a:r>
-            <a:r>
-              <a:rPr lang="hy-AM" sz="2400" b="1" dirty="0"/>
-              <a:t>&lt;</a:t>
-            </a:r>
-            <a:r>
-              <a:rPr lang="en-US" sz="2400" b="1" dirty="0"/>
-              <a:t>T</a:t>
-            </a:r>
-            <a:r>
-              <a:rPr lang="ru-RU" sz="2400" b="1" dirty="0"/>
-              <a:t>&gt; принимает один объект типа </a:t>
-            </a:r>
-            <a:r>
-              <a:rPr lang="en-US" sz="2400" b="1" dirty="0"/>
-              <a:t>T</a:t>
-            </a:r>
-            <a:r>
-              <a:rPr lang="ru-RU" sz="2400" b="1" dirty="0"/>
-              <a:t>. Используется для того, чтобы определять константные числа. </a:t>
-            </a:r>
-          </a:p>
-          <a:p>
-            <a:pPr lvl="1"/>
-            <a:r>
-              <a:rPr lang="en-US" sz="2400" b="1" dirty="0" err="1"/>
-              <a:t>RangePrimitiveTest</a:t>
-            </a:r>
-            <a:r>
-              <a:rPr lang="hy-AM" sz="2400" b="1" dirty="0"/>
-              <a:t> &lt;</a:t>
-            </a:r>
-            <a:r>
-              <a:rPr lang="en-US" sz="2400" b="1" dirty="0"/>
-              <a:t>T&gt; </a:t>
-            </a:r>
-            <a:r>
-              <a:rPr lang="ru-RU" sz="2400" b="1" dirty="0"/>
-              <a:t>принимает один диапазон значений. Используется для того, чтобы определять элементарные типы на диапазонах.</a:t>
-            </a:r>
-          </a:p>
-          <a:p>
-            <a:pPr lvl="1"/>
-            <a:endParaRPr lang="en-US" sz="2400" b="1" dirty="0"/>
+            <a:pPr>
+              <a:buFont typeface="Arial" pitchFamily="34" charset="0"/>
+              <a:buChar char="•"/>
+            </a:pPr>
+            <a:endParaRPr lang="en-US" sz="2400" dirty="0"/>
           </a:p>
         </p:txBody>
       </p:sp>
     </p:spTree>
     <p:extLst>
       <p:ext uri="{BB962C8B-B14F-4D97-AF65-F5344CB8AC3E}">
-        <p14:creationId xmlns:p14="http://schemas.microsoft.com/office/powerpoint/2010/main" val="3625802255"/>
+        <p14:creationId xmlns:p14="http://schemas.microsoft.com/office/powerpoint/2010/main" val="3169918583"/>
       </p:ext>
     </p:extLst>
   </p:cSld>
@@ -4109,12 +4054,7 @@
             <p:ph type="title"/>
           </p:nvPr>
         </p:nvSpPr>
-        <p:spPr>
-          <a:xfrm>
-            <a:off x="457200" y="152718"/>
-            <a:ext cx="7315200" cy="1371600"/>
-          </a:xfrm>
-        </p:spPr>
+        <p:spPr/>
         <p:txBody>
           <a:bodyPr>
             <a:normAutofit/>
@@ -4123,7 +4063,14 @@
           <a:p>
             <a:r>
               <a:rPr lang="ru-RU" sz="3200" dirty="0"/>
-              <a:t>ЗависимЫе и независимые тесты</a:t>
+              <a:t>Основные классы:</a:t>
+            </a:r>
+            <a:br>
+              <a:rPr lang="hy-AM" sz="3200" dirty="0"/>
+            </a:br>
+            <a:r>
+              <a:rPr lang="en-US" sz="3200" dirty="0" err="1"/>
+              <a:t>Compositetest</a:t>
             </a:r>
             <a:endParaRPr lang="en-US" sz="3200" dirty="0"/>
           </a:p>
@@ -4139,103 +4086,70 @@
             <p:ph idx="1"/>
           </p:nvPr>
         </p:nvSpPr>
-        <p:spPr/>
+        <p:spPr>
+          <a:xfrm>
+            <a:off x="457200" y="1752600"/>
+            <a:ext cx="7620000" cy="4373563"/>
+          </a:xfrm>
+        </p:spPr>
         <p:txBody>
           <a:bodyPr>
-            <a:normAutofit/>
+            <a:noAutofit/>
           </a:bodyPr>
           <a:lstStyle/>
           <a:p>
+            <a:pPr>
+              <a:buFont typeface="Arial" pitchFamily="34" charset="0"/>
+              <a:buChar char="•"/>
+            </a:pPr>
             <a:r>
               <a:rPr lang="ru-RU" sz="2400" dirty="0"/>
-              <a:t>Назовем </a:t>
-            </a:r>
-            <a:r>
-              <a:rPr lang="ru-RU" sz="2400" i="1" dirty="0"/>
-              <a:t>зависимыми</a:t>
-            </a:r>
-            <a:r>
-              <a:rPr lang="ru-RU" sz="2400" dirty="0"/>
-              <a:t> тесты, в которых используется связь между переменными. </a:t>
-            </a:r>
-          </a:p>
-          <a:p>
-            <a:r>
-              <a:rPr lang="ru-RU" sz="2400" dirty="0"/>
-              <a:t>Пример зависимых тестов:</a:t>
-            </a:r>
-          </a:p>
-          <a:p>
-            <a:pPr marL="800100" lvl="1" indent="-342900"/>
-            <a:r>
-              <a:rPr lang="en-US" sz="2300" dirty="0" err="1"/>
-              <a:t>PrimitiveTest</a:t>
-            </a:r>
-            <a:r>
-              <a:rPr lang="en-US" sz="2300" dirty="0"/>
-              <a:t>&lt;int&gt;* n1</a:t>
-            </a:r>
-            <a:r>
-              <a:rPr lang="ru-RU" sz="2300" dirty="0"/>
-              <a:t> =</a:t>
-            </a:r>
-            <a:r>
-              <a:rPr lang="hy-AM" sz="2300" dirty="0"/>
-              <a:t> </a:t>
-            </a:r>
-            <a:r>
-              <a:rPr lang="en-US" sz="2300" dirty="0" err="1"/>
-              <a:t>CreateElement</a:t>
-            </a:r>
-            <a:r>
-              <a:rPr lang="en-US" sz="2300" dirty="0"/>
-              <a:t>(1, 1000);</a:t>
-            </a:r>
-            <a:br>
-              <a:rPr lang="hy-AM" sz="2300" dirty="0"/>
-            </a:br>
-            <a:r>
-              <a:rPr lang="en-US" sz="2300" dirty="0" err="1"/>
-              <a:t>PrimitiveTest</a:t>
-            </a:r>
-            <a:r>
-              <a:rPr lang="en-US" sz="2300" dirty="0"/>
-              <a:t>&lt;int&gt;* n2 = </a:t>
-            </a:r>
-            <a:r>
-              <a:rPr lang="en-US" sz="2300" dirty="0" err="1"/>
-              <a:t>CreateElement</a:t>
-            </a:r>
-            <a:r>
-              <a:rPr lang="en-US" sz="2300" dirty="0"/>
-              <a:t>(n1, 1000);</a:t>
-            </a:r>
-            <a:br>
-              <a:rPr lang="hy-AM" sz="2300" dirty="0"/>
-            </a:br>
-            <a:endParaRPr lang="ru-RU" sz="2300" dirty="0"/>
-          </a:p>
-          <a:p>
-            <a:r>
-              <a:rPr lang="ru-RU" sz="2400" dirty="0"/>
-              <a:t>Все остальные тесты назовем </a:t>
-            </a:r>
-            <a:r>
-              <a:rPr lang="ru-RU" sz="2400" i="1" dirty="0"/>
-              <a:t>независимыми</a:t>
-            </a:r>
-            <a:r>
-              <a:rPr lang="ru-RU" sz="2400" dirty="0"/>
-              <a:t>.</a:t>
+              <a:t>Пример:</a:t>
             </a:r>
             <a:endParaRPr lang="en-US" sz="2400" dirty="0"/>
           </a:p>
         </p:txBody>
       </p:sp>
+      <p:pic>
+        <p:nvPicPr>
+          <p:cNvPr id="5" name="Picture 4">
+            <a:extLst>
+              <a:ext uri="{FF2B5EF4-FFF2-40B4-BE49-F238E27FC236}">
+                <a16:creationId xmlns:a16="http://schemas.microsoft.com/office/drawing/2014/main" id="{24C1616C-9306-4E61-A3F0-4CC34AA5C39A}"/>
+              </a:ext>
+            </a:extLst>
+          </p:cNvPr>
+          <p:cNvPicPr>
+            <a:picLocks noChangeAspect="1"/>
+          </p:cNvPicPr>
+          <p:nvPr/>
+        </p:nvPicPr>
+        <p:blipFill>
+          <a:blip r:embed="rId2">
+            <a:extLst>
+              <a:ext uri="{28A0092B-C50C-407E-A947-70E740481C1C}">
+                <a14:useLocalDpi xmlns:a14="http://schemas.microsoft.com/office/drawing/2010/main" val="0"/>
+              </a:ext>
+            </a:extLst>
+          </a:blip>
+          <a:stretch>
+            <a:fillRect/>
+          </a:stretch>
+        </p:blipFill>
+        <p:spPr>
+          <a:xfrm>
+            <a:off x="838200" y="2822891"/>
+            <a:ext cx="6858000" cy="2232980"/>
+          </a:xfrm>
+          <a:prstGeom prst="rect">
+            <a:avLst/>
+          </a:prstGeom>
+        </p:spPr>
+      </p:pic>
     </p:spTree>
     <p:extLst>
       <p:ext uri="{BB962C8B-B14F-4D97-AF65-F5344CB8AC3E}">
-        <p14:creationId xmlns:p14="http://schemas.microsoft.com/office/powerpoint/2010/main" val="387009729"/>
+        <p14:creationId xmlns:p14="http://schemas.microsoft.com/office/powerpoint/2010/main" val="3866524078"/>
       </p:ext>
     </p:extLst>
   </p:cSld>
@@ -4272,7 +4186,12 @@
             <p:ph type="title"/>
           </p:nvPr>
         </p:nvSpPr>
-        <p:spPr/>
+        <p:spPr>
+          <a:xfrm>
+            <a:off x="457200" y="152718"/>
+            <a:ext cx="7315200" cy="1371600"/>
+          </a:xfrm>
+        </p:spPr>
         <p:txBody>
           <a:bodyPr>
             <a:normAutofit/>
@@ -4281,27 +4200,9 @@
           <a:p>
             <a:r>
               <a:rPr lang="ru-RU" sz="3200" dirty="0"/>
-              <a:t>Основные классы:</a:t>
-            </a:r>
-            <a:br>
-              <a:rPr lang="hy-AM" sz="3200" dirty="0"/>
-            </a:br>
-            <a:r>
-              <a:rPr lang="en-US" sz="3200" dirty="0"/>
-              <a:t>Array</a:t>
-            </a:r>
-            <a:r>
-              <a:rPr lang="hy-AM" sz="3200" dirty="0"/>
-              <a:t> </a:t>
-            </a:r>
-            <a:r>
-              <a:rPr lang="ru-RU" sz="3200" dirty="0"/>
-              <a:t>и </a:t>
-            </a:r>
-            <a:r>
-              <a:rPr lang="en-US" sz="3200" dirty="0"/>
-              <a:t>matrix</a:t>
-            </a:r>
+              <a:t>ЗависимЫе и независимые тесты</a:t>
+            </a:r>
+            <a:endParaRPr lang="en-US" sz="3200" dirty="0"/>
           </a:p>
         </p:txBody>
       </p:sp>
@@ -4322,48 +4223,91 @@
           </a:bodyPr>
           <a:lstStyle/>
           <a:p>
-            <a:pPr>
-              <a:buFont typeface="Arial" pitchFamily="34" charset="0"/>
-              <a:buChar char="•"/>
-            </a:pPr>
-            <a:r>
-              <a:rPr lang="ru-RU" sz="2800" dirty="0"/>
-              <a:t> Для создания массивов тестов нужно использовать класс </a:t>
-            </a:r>
-            <a:r>
-              <a:rPr lang="en-US" sz="2800" dirty="0"/>
-              <a:t>Array. </a:t>
-            </a:r>
-            <a:endParaRPr lang="ru-RU" sz="2800" dirty="0"/>
-          </a:p>
-          <a:p>
-            <a:pPr>
-              <a:buFont typeface="Arial" pitchFamily="34" charset="0"/>
-              <a:buChar char="•"/>
-            </a:pPr>
-            <a:r>
-              <a:rPr lang="ru-RU" sz="2800" dirty="0"/>
-              <a:t> Поддерживается создание зависимых и независимых тестов. </a:t>
-            </a:r>
-            <a:endParaRPr lang="en-US" sz="2800" dirty="0"/>
-          </a:p>
-          <a:p>
-            <a:pPr>
-              <a:buFont typeface="Arial" pitchFamily="34" charset="0"/>
-              <a:buChar char="•"/>
-            </a:pPr>
-            <a:r>
-              <a:rPr lang="ru-RU" sz="2800" dirty="0"/>
-              <a:t> Так же присутствует класс матриц, который имеет тот же интерфейс, что и массив.</a:t>
-            </a:r>
-            <a:endParaRPr lang="en-US" sz="2800" dirty="0"/>
-          </a:p>
-        </p:txBody>
-      </p:sp>
+            <a:r>
+              <a:rPr lang="ru-RU" sz="2400" dirty="0"/>
+              <a:t>Назовем </a:t>
+            </a:r>
+            <a:r>
+              <a:rPr lang="ru-RU" sz="2400" i="1" dirty="0"/>
+              <a:t>зависимыми</a:t>
+            </a:r>
+            <a:r>
+              <a:rPr lang="ru-RU" sz="2400" dirty="0"/>
+              <a:t> тесты, в которых задаётся связь между переменными. </a:t>
+            </a:r>
+          </a:p>
+          <a:p>
+            <a:r>
+              <a:rPr lang="ru-RU" sz="2400" dirty="0"/>
+              <a:t>Пример зависимых тестов:</a:t>
+            </a:r>
+          </a:p>
+          <a:p>
+            <a:endParaRPr lang="en-US" sz="2400" dirty="0"/>
+          </a:p>
+          <a:p>
+            <a:endParaRPr lang="en-US" sz="2400" dirty="0"/>
+          </a:p>
+          <a:p>
+            <a:endParaRPr lang="en-US" sz="2400" dirty="0"/>
+          </a:p>
+          <a:p>
+            <a:r>
+              <a:rPr lang="ru-RU" sz="2400" dirty="0"/>
+              <a:t>Все остальные тесты назовем </a:t>
+            </a:r>
+            <a:r>
+              <a:rPr lang="ru-RU" sz="2400" i="1" dirty="0"/>
+              <a:t>независимыми</a:t>
+            </a:r>
+            <a:r>
+              <a:rPr lang="ru-RU" sz="2400" dirty="0"/>
+              <a:t>.</a:t>
+            </a:r>
+            <a:endParaRPr lang="en-US" sz="2400" dirty="0"/>
+          </a:p>
+        </p:txBody>
+      </p:sp>
+      <p:pic>
+        <p:nvPicPr>
+          <p:cNvPr id="5" name="Picture 4">
+            <a:extLst>
+              <a:ext uri="{FF2B5EF4-FFF2-40B4-BE49-F238E27FC236}">
+                <a16:creationId xmlns:a16="http://schemas.microsoft.com/office/drawing/2014/main" id="{C203B069-F93E-4F23-B602-E0F11DD2C57B}"/>
+              </a:ext>
+            </a:extLst>
+          </p:cNvPr>
+          <p:cNvPicPr>
+            <a:picLocks noChangeAspect="1"/>
+          </p:cNvPicPr>
+          <p:nvPr/>
+        </p:nvPicPr>
+        <p:blipFill>
+          <a:blip r:embed="rId2">
+            <a:extLst>
+              <a:ext uri="{28A0092B-C50C-407E-A947-70E740481C1C}">
+                <a14:useLocalDpi xmlns:a14="http://schemas.microsoft.com/office/drawing/2010/main" val="0"/>
+              </a:ext>
+            </a:extLst>
+          </a:blip>
+          <a:stretch>
+            <a:fillRect/>
+          </a:stretch>
+        </p:blipFill>
+        <p:spPr>
+          <a:xfrm>
+            <a:off x="381000" y="3206468"/>
+            <a:ext cx="8240133" cy="1465826"/>
+          </a:xfrm>
+          <a:prstGeom prst="rect">
+            <a:avLst/>
+          </a:prstGeom>
+        </p:spPr>
+      </p:pic>
     </p:spTree>
     <p:extLst>
       <p:ext uri="{BB962C8B-B14F-4D97-AF65-F5344CB8AC3E}">
-        <p14:creationId xmlns:p14="http://schemas.microsoft.com/office/powerpoint/2010/main" val="1304986787"/>
+        <p14:creationId xmlns:p14="http://schemas.microsoft.com/office/powerpoint/2010/main" val="387009729"/>
       </p:ext>
     </p:extLst>
   </p:cSld>
@@ -4416,6 +4360,183 @@
             </a:br>
             <a:r>
               <a:rPr lang="en-US" sz="3200" dirty="0"/>
+              <a:t>Array</a:t>
+            </a:r>
+            <a:r>
+              <a:rPr lang="hy-AM" sz="3200" dirty="0"/>
+              <a:t> </a:t>
+            </a:r>
+            <a:r>
+              <a:rPr lang="ru-RU" sz="3200" dirty="0"/>
+              <a:t>и </a:t>
+            </a:r>
+            <a:r>
+              <a:rPr lang="en-US" sz="3200" dirty="0"/>
+              <a:t>matrix</a:t>
+            </a:r>
+          </a:p>
+        </p:txBody>
+      </p:sp>
+      <p:sp>
+        <p:nvSpPr>
+          <p:cNvPr id="3" name="Объект 2"/>
+          <p:cNvSpPr>
+            <a:spLocks noGrp="1"/>
+          </p:cNvSpPr>
+          <p:nvPr>
+            <p:ph idx="1"/>
+          </p:nvPr>
+        </p:nvSpPr>
+        <p:spPr/>
+        <p:txBody>
+          <a:bodyPr>
+            <a:normAutofit/>
+          </a:bodyPr>
+          <a:lstStyle/>
+          <a:p>
+            <a:pPr>
+              <a:buFont typeface="Arial" pitchFamily="34" charset="0"/>
+              <a:buChar char="•"/>
+            </a:pPr>
+            <a:r>
+              <a:rPr lang="ru-RU" sz="2800" dirty="0"/>
+              <a:t> Для создания массивов тестов нужно использовать класс </a:t>
+            </a:r>
+            <a:r>
+              <a:rPr lang="en-US" sz="2800" dirty="0"/>
+              <a:t>Array. </a:t>
+            </a:r>
+          </a:p>
+          <a:p>
+            <a:pPr>
+              <a:buFont typeface="Arial" pitchFamily="34" charset="0"/>
+              <a:buChar char="•"/>
+            </a:pPr>
+            <a:endParaRPr lang="en-US" sz="2800" dirty="0"/>
+          </a:p>
+          <a:p>
+            <a:pPr>
+              <a:buFont typeface="Arial" pitchFamily="34" charset="0"/>
+              <a:buChar char="•"/>
+            </a:pPr>
+            <a:endParaRPr lang="ru-RU" sz="2800" dirty="0"/>
+          </a:p>
+          <a:p>
+            <a:pPr>
+              <a:buFont typeface="Arial" pitchFamily="34" charset="0"/>
+              <a:buChar char="•"/>
+            </a:pPr>
+            <a:r>
+              <a:rPr lang="ru-RU" sz="2800" dirty="0"/>
+              <a:t> Поддерживается создание зависимых и независимых тестов. </a:t>
+            </a:r>
+            <a:endParaRPr lang="en-US" sz="2800" dirty="0"/>
+          </a:p>
+          <a:p>
+            <a:pPr>
+              <a:buFont typeface="Arial" pitchFamily="34" charset="0"/>
+              <a:buChar char="•"/>
+            </a:pPr>
+            <a:r>
+              <a:rPr lang="ru-RU" sz="2800" dirty="0"/>
+              <a:t> Присутствует класс матриц, который имеет тот же интерфейс, что и массив.</a:t>
+            </a:r>
+            <a:endParaRPr lang="en-US" sz="2800" dirty="0"/>
+          </a:p>
+        </p:txBody>
+      </p:sp>
+      <p:pic>
+        <p:nvPicPr>
+          <p:cNvPr id="7" name="Picture 6">
+            <a:extLst>
+              <a:ext uri="{FF2B5EF4-FFF2-40B4-BE49-F238E27FC236}">
+                <a16:creationId xmlns:a16="http://schemas.microsoft.com/office/drawing/2014/main" id="{D6C56886-8A5E-4312-86C8-601590D583C9}"/>
+              </a:ext>
+            </a:extLst>
+          </p:cNvPr>
+          <p:cNvPicPr>
+            <a:picLocks noChangeAspect="1"/>
+          </p:cNvPicPr>
+          <p:nvPr/>
+        </p:nvPicPr>
+        <p:blipFill>
+          <a:blip r:embed="rId2">
+            <a:extLst>
+              <a:ext uri="{28A0092B-C50C-407E-A947-70E740481C1C}">
+                <a14:useLocalDpi xmlns:a14="http://schemas.microsoft.com/office/drawing/2010/main" val="0"/>
+              </a:ext>
+            </a:extLst>
+          </a:blip>
+          <a:stretch>
+            <a:fillRect/>
+          </a:stretch>
+        </p:blipFill>
+        <p:spPr>
+          <a:xfrm>
+            <a:off x="600338" y="2764687"/>
+            <a:ext cx="7333724" cy="1174694"/>
+          </a:xfrm>
+          <a:prstGeom prst="rect">
+            <a:avLst/>
+          </a:prstGeom>
+        </p:spPr>
+      </p:pic>
+    </p:spTree>
+    <p:extLst>
+      <p:ext uri="{BB962C8B-B14F-4D97-AF65-F5344CB8AC3E}">
+        <p14:creationId xmlns:p14="http://schemas.microsoft.com/office/powerpoint/2010/main" val="1304986787"/>
+      </p:ext>
+    </p:extLst>
+  </p:cSld>
+  <p:clrMapOvr>
+    <a:masterClrMapping/>
+  </p:clrMapOvr>
+</p:sld>
+</file>
+
+<file path=ppt/slides/slide14.xml><?xml version="1.0" encoding="utf-8"?>
+<p:sld xmlns:a="http://schemas.openxmlformats.org/drawingml/2006/main" xmlns:r="http://schemas.openxmlformats.org/officeDocument/2006/relationships" xmlns:p="http://schemas.openxmlformats.org/presentationml/2006/main">
+  <p:cSld>
+    <p:spTree>
+      <p:nvGrpSpPr>
+        <p:cNvPr id="1" name=""/>
+        <p:cNvGrpSpPr/>
+        <p:nvPr/>
+      </p:nvGrpSpPr>
+      <p:grpSpPr>
+        <a:xfrm>
+          <a:off x="0" y="0"/>
+          <a:ext cx="0" cy="0"/>
+          <a:chOff x="0" y="0"/>
+          <a:chExt cx="0" cy="0"/>
+        </a:xfrm>
+      </p:grpSpPr>
+      <p:sp>
+        <p:nvSpPr>
+          <p:cNvPr id="2" name="Заголовок 1"/>
+          <p:cNvSpPr>
+            <a:spLocks noGrp="1"/>
+          </p:cNvSpPr>
+          <p:nvPr>
+            <p:ph type="title"/>
+          </p:nvPr>
+        </p:nvSpPr>
+        <p:spPr/>
+        <p:txBody>
+          <a:bodyPr>
+            <a:normAutofit/>
+          </a:bodyPr>
+          <a:lstStyle/>
+          <a:p>
+            <a:r>
+              <a:rPr lang="ru-RU" sz="3200" dirty="0"/>
+              <a:t>Основные классы:</a:t>
+            </a:r>
+            <a:br>
+              <a:rPr lang="hy-AM" sz="3200" dirty="0"/>
+            </a:br>
+            <a:r>
+              <a:rPr lang="en-US" sz="3200" dirty="0"/>
               <a:t>Grammar</a:t>
             </a:r>
           </a:p>
@@ -4624,7 +4745,7 @@
 </p:sld>
 </file>
 
-<file path=ppt/slides/slide14.xml><?xml version="1.0" encoding="utf-8"?>
+<file path=ppt/slides/slide15.xml><?xml version="1.0" encoding="utf-8"?>
 <p:sld xmlns:a="http://schemas.openxmlformats.org/drawingml/2006/main" xmlns:r="http://schemas.openxmlformats.org/officeDocument/2006/relationships" xmlns:p="http://schemas.openxmlformats.org/presentationml/2006/main">
   <p:cSld>
     <p:spTree>
@@ -4825,142 +4946,6 @@
 </p:sld>
 </file>
 
-<file path=ppt/slides/slide15.xml><?xml version="1.0" encoding="utf-8"?>
-<p:sld xmlns:a="http://schemas.openxmlformats.org/drawingml/2006/main" xmlns:r="http://schemas.openxmlformats.org/officeDocument/2006/relationships" xmlns:p="http://schemas.openxmlformats.org/presentationml/2006/main">
-  <p:cSld>
-    <p:spTree>
-      <p:nvGrpSpPr>
-        <p:cNvPr id="1" name=""/>
-        <p:cNvGrpSpPr/>
-        <p:nvPr/>
-      </p:nvGrpSpPr>
-      <p:grpSpPr>
-        <a:xfrm>
-          <a:off x="0" y="0"/>
-          <a:ext cx="0" cy="0"/>
-          <a:chOff x="0" y="0"/>
-          <a:chExt cx="0" cy="0"/>
-        </a:xfrm>
-      </p:grpSpPr>
-      <p:sp>
-        <p:nvSpPr>
-          <p:cNvPr id="2" name="Заголовок 1"/>
-          <p:cNvSpPr>
-            <a:spLocks noGrp="1"/>
-          </p:cNvSpPr>
-          <p:nvPr>
-            <p:ph type="title"/>
-          </p:nvPr>
-        </p:nvSpPr>
-        <p:spPr/>
-        <p:txBody>
-          <a:bodyPr>
-            <a:normAutofit/>
-          </a:bodyPr>
-          <a:lstStyle/>
-          <a:p>
-            <a:r>
-              <a:rPr lang="ru-RU" sz="3200" dirty="0"/>
-              <a:t>Основные классы:</a:t>
-            </a:r>
-            <a:br>
-              <a:rPr lang="hy-AM" sz="3200" dirty="0"/>
-            </a:br>
-            <a:r>
-              <a:rPr lang="en-US" sz="3200" dirty="0"/>
-              <a:t>Graph</a:t>
-            </a:r>
-          </a:p>
-        </p:txBody>
-      </p:sp>
-      <p:sp>
-        <p:nvSpPr>
-          <p:cNvPr id="3" name="Объект 2"/>
-          <p:cNvSpPr>
-            <a:spLocks noGrp="1"/>
-          </p:cNvSpPr>
-          <p:nvPr>
-            <p:ph idx="1"/>
-          </p:nvPr>
-        </p:nvSpPr>
-        <p:spPr/>
-        <p:txBody>
-          <a:bodyPr/>
-          <a:lstStyle/>
-          <a:p>
-            <a:r>
-              <a:rPr lang="ru-RU" sz="2400" dirty="0"/>
-              <a:t>Класс описывающий графы. </a:t>
-            </a:r>
-          </a:p>
-          <a:p>
-            <a:r>
-              <a:rPr lang="ru-RU" sz="2400" dirty="0"/>
-              <a:t>Поддерживаются:</a:t>
-            </a:r>
-          </a:p>
-          <a:p>
-            <a:pPr marL="800100" lvl="1" indent="-342900"/>
-            <a:r>
-              <a:rPr lang="ru-RU" sz="2400" b="1" dirty="0"/>
-              <a:t>Ориентированные и неориентированные</a:t>
-            </a:r>
-          </a:p>
-          <a:p>
-            <a:pPr marL="800100" lvl="1" indent="-342900"/>
-            <a:r>
-              <a:rPr lang="ru-RU" sz="2400" b="1" dirty="0"/>
-              <a:t>Взвешенные </a:t>
-            </a:r>
-          </a:p>
-          <a:p>
-            <a:pPr marL="800100" lvl="1" indent="-342900"/>
-            <a:r>
-              <a:rPr lang="ru-RU" sz="2400" b="1" dirty="0"/>
-              <a:t>С тремя методами вывода</a:t>
-            </a:r>
-            <a:r>
-              <a:rPr lang="en-US" sz="2400" b="1" dirty="0"/>
-              <a:t>:</a:t>
-            </a:r>
-          </a:p>
-          <a:p>
-            <a:pPr marL="1485900" lvl="2" indent="-342900"/>
-            <a:r>
-              <a:rPr lang="ru-RU" sz="2400" b="1" dirty="0"/>
-              <a:t>Матрица смежности</a:t>
-            </a:r>
-          </a:p>
-          <a:p>
-            <a:pPr marL="1485900" lvl="2" indent="-342900"/>
-            <a:r>
-              <a:rPr lang="ru-RU" sz="2400" b="1" dirty="0"/>
-              <a:t>Список смежности</a:t>
-            </a:r>
-          </a:p>
-          <a:p>
-            <a:pPr marL="1485900" lvl="2" indent="-342900"/>
-            <a:r>
-              <a:rPr lang="ru-RU" sz="2400" b="1" dirty="0"/>
-              <a:t>Список ребёр </a:t>
-            </a:r>
-            <a:endParaRPr lang="en-US" sz="2400" b="1" dirty="0"/>
-          </a:p>
-        </p:txBody>
-      </p:sp>
-    </p:spTree>
-    <p:extLst>
-      <p:ext uri="{BB962C8B-B14F-4D97-AF65-F5344CB8AC3E}">
-        <p14:creationId xmlns:p14="http://schemas.microsoft.com/office/powerpoint/2010/main" val="284587204"/>
-      </p:ext>
-    </p:extLst>
-  </p:cSld>
-  <p:clrMapOvr>
-    <a:masterClrMapping/>
-  </p:clrMapOvr>
-</p:sld>
-</file>
-
 <file path=ppt/slides/slide16.xml><?xml version="1.0" encoding="utf-8"?>
 <p:sld xmlns:a="http://schemas.openxmlformats.org/drawingml/2006/main" xmlns:r="http://schemas.openxmlformats.org/officeDocument/2006/relationships" xmlns:p="http://schemas.openxmlformats.org/presentationml/2006/main">
   <p:cSld>
@@ -5021,122 +5006,73 @@
         </p:nvSpPr>
         <p:spPr/>
         <p:txBody>
-          <a:bodyPr>
-            <a:normAutofit fontScale="85000" lnSpcReduction="20000"/>
-          </a:bodyPr>
+          <a:bodyPr/>
           <a:lstStyle/>
           <a:p>
             <a:r>
               <a:rPr lang="ru-RU" sz="2400" dirty="0"/>
-              <a:t>Процесс генерации графа:</a:t>
-            </a:r>
-          </a:p>
-          <a:p>
-            <a:pPr marL="914400" lvl="1" indent="-457200">
-              <a:buFont typeface="+mj-lt"/>
-              <a:buAutoNum type="arabicPeriod"/>
-            </a:pPr>
+              <a:t>Класс описывающий графы. </a:t>
+            </a:r>
+          </a:p>
+          <a:p>
+            <a:r>
+              <a:rPr lang="ru-RU" sz="2400" dirty="0"/>
+              <a:t>Поддерживаются:</a:t>
+            </a:r>
+          </a:p>
+          <a:p>
+            <a:pPr marL="800100" lvl="1" indent="-342900"/>
             <a:r>
               <a:rPr lang="ru-RU" sz="2400" b="1" dirty="0"/>
-              <a:t>Фиксируется дерево	</a:t>
-            </a:r>
-          </a:p>
-          <a:p>
-            <a:pPr marL="914400" lvl="1" indent="-457200">
-              <a:buFont typeface="+mj-lt"/>
-              <a:buAutoNum type="arabicPeriod"/>
-            </a:pPr>
+              <a:t>Ориентированные и неориентированные</a:t>
+            </a:r>
+          </a:p>
+          <a:p>
+            <a:pPr marL="800100" lvl="1" indent="-342900"/>
             <a:r>
               <a:rPr lang="ru-RU" sz="2400" b="1" dirty="0"/>
-              <a:t>Определяется размер графа (большой или маленький)</a:t>
+              <a:t>Взвешенные </a:t>
+            </a:r>
+          </a:p>
+          <a:p>
+            <a:pPr marL="800100" lvl="1" indent="-342900"/>
+            <a:r>
+              <a:rPr lang="ru-RU" sz="2400" b="1" dirty="0"/>
+              <a:t>Три вида представления</a:t>
             </a:r>
             <a:r>
               <a:rPr lang="en-US" sz="2400" b="1" dirty="0"/>
               <a:t>:</a:t>
             </a:r>
-            <a:endParaRPr lang="ru-RU" sz="2400" b="1" dirty="0"/>
           </a:p>
           <a:p>
             <a:pPr marL="1485900" lvl="2" indent="-342900"/>
             <a:r>
               <a:rPr lang="ru-RU" sz="2400" b="1" dirty="0"/>
-              <a:t>Большой, если количество ребер больше половины</a:t>
-            </a:r>
-            <a:r>
-              <a:rPr lang="en-US" sz="2400" b="1" dirty="0"/>
-              <a:t> </a:t>
-            </a:r>
+              <a:t>Матрица смежности</a:t>
+            </a:r>
+          </a:p>
+          <a:p>
+            <a:pPr marL="1485900" lvl="2" indent="-342900"/>
             <a:r>
               <a:rPr lang="ru-RU" sz="2400" b="1" dirty="0"/>
-              <a:t>ребёр полного графа</a:t>
+              <a:t>Список смежности</a:t>
             </a:r>
           </a:p>
           <a:p>
             <a:pPr marL="1485900" lvl="2" indent="-342900"/>
             <a:r>
               <a:rPr lang="ru-RU" sz="2400" b="1" dirty="0"/>
-              <a:t>Маленький в противном случае</a:t>
-            </a:r>
-          </a:p>
-          <a:p>
-            <a:pPr marL="914400" lvl="1" indent="-457200">
-              <a:buFont typeface="+mj-lt"/>
-              <a:buAutoNum type="arabicPeriod"/>
-            </a:pPr>
-            <a:r>
-              <a:rPr lang="ru-RU" sz="2400" b="1" dirty="0"/>
-              <a:t>Если граф маленький, то начинает строиться с фиксированного дерева путём добавления ребёр</a:t>
-            </a:r>
-          </a:p>
-          <a:p>
-            <a:pPr marL="914400" lvl="1" indent="-457200">
-              <a:buFont typeface="+mj-lt"/>
-              <a:buAutoNum type="arabicPeriod"/>
-            </a:pPr>
-            <a:r>
-              <a:rPr lang="ru-RU" sz="2400" b="1" dirty="0"/>
-              <a:t>Если граф большой, то начинает строиться путём удаления ребёр из полного графа, не затрагивая фиксированное дерево.</a:t>
-            </a:r>
-          </a:p>
-          <a:p>
-            <a:endParaRPr lang="en-US" sz="2800" dirty="0">
-              <a:solidFill>
-                <a:srgbClr val="FF0000"/>
-              </a:solidFill>
-            </a:endParaRPr>
-          </a:p>
-          <a:p>
-            <a:r>
-              <a:rPr lang="ru-RU" sz="2800" dirty="0">
-                <a:solidFill>
-                  <a:srgbClr val="FF0000"/>
-                </a:solidFill>
-              </a:rPr>
-              <a:t>Заметка</a:t>
-            </a:r>
-            <a:r>
-              <a:rPr lang="en-US" sz="2800" dirty="0">
-                <a:solidFill>
-                  <a:srgbClr val="FF0000"/>
-                </a:solidFill>
-              </a:rPr>
-              <a:t>: </a:t>
-            </a:r>
-            <a:r>
-              <a:rPr lang="ru-RU" sz="2800" dirty="0"/>
-              <a:t>Граф всегда связный</a:t>
-            </a:r>
-            <a:r>
-              <a:rPr lang="ru-RU" dirty="0"/>
-              <a:t>.</a:t>
-            </a:r>
+              <a:t>Список ребёр </a:t>
+            </a:r>
+            <a:endParaRPr lang="en-US" sz="2400" b="1" dirty="0"/>
           </a:p>
         </p:txBody>
       </p:sp>
     </p:spTree>
     <p:extLst>
       <p:ext uri="{BB962C8B-B14F-4D97-AF65-F5344CB8AC3E}">
-        <p14:creationId xmlns:p14="http://schemas.microsoft.com/office/powerpoint/2010/main" val="4038146131"/>
+        <p14:creationId xmlns:p14="http://schemas.microsoft.com/office/powerpoint/2010/main" val="284587204"/>
       </p:ext>
     </p:extLst>
   </p:cSld>
@@ -5188,10 +5124,9 @@
               <a:rPr lang="hy-AM" sz="3200" dirty="0"/>
             </a:br>
             <a:r>
-              <a:rPr lang="en-US" sz="3200" dirty="0" err="1"/>
-              <a:t>GraphMerger</a:t>
-            </a:r>
-            <a:endParaRPr lang="en-US" sz="3200" dirty="0"/>
+              <a:rPr lang="en-US" sz="3200" dirty="0"/>
+              <a:t>Graph</a:t>
+            </a:r>
           </a:p>
         </p:txBody>
       </p:sp>
@@ -5207,18 +5142,14 @@
         </p:nvSpPr>
         <p:spPr/>
         <p:txBody>
-          <a:bodyPr/>
+          <a:bodyPr>
+            <a:normAutofit fontScale="85000" lnSpcReduction="20000"/>
+          </a:bodyPr>
           <a:lstStyle/>
           <a:p>
             <a:r>
-              <a:rPr lang="ru-RU" dirty="0"/>
-              <a:t>Класс для объединения графов</a:t>
-            </a:r>
-          </a:p>
-          <a:p>
-            <a:r>
-              <a:rPr lang="ru-RU" dirty="0"/>
-              <a:t>Алгоритм объединения:</a:t>
+              <a:rPr lang="ru-RU" sz="2400" dirty="0"/>
+              <a:t>Процесс генерации графа:</a:t>
             </a:r>
           </a:p>
           <a:p>
@@ -5227,32 +5158,8 @@
               <a:buAutoNum type="arabicPeriod"/>
             </a:pPr>
             <a:r>
-              <a:rPr lang="ru-RU" b="1" dirty="0"/>
-              <a:t>Узнаётся общее количество</a:t>
-            </a:r>
-            <a:r>
-              <a:rPr lang="en-US" b="1" dirty="0"/>
-              <a:t> </a:t>
-            </a:r>
-            <a:r>
-              <a:rPr lang="ru-RU" b="1" dirty="0"/>
-              <a:t>вершин</a:t>
-            </a:r>
-            <a:r>
-              <a:rPr lang="en-US" b="1" dirty="0"/>
-              <a:t> (</a:t>
-            </a:r>
-            <a:r>
-              <a:rPr lang="ru-RU" b="1" dirty="0"/>
-              <a:t>предположим, </a:t>
-            </a:r>
-            <a:r>
-              <a:rPr lang="en-US" b="1" dirty="0"/>
-              <a:t>n)</a:t>
-            </a:r>
-            <a:r>
-              <a:rPr lang="ru-RU" b="1" dirty="0"/>
-              <a:t>.</a:t>
+              <a:rPr lang="ru-RU" sz="2400" b="1" dirty="0"/>
+              <a:t>Фиксируется дерево	</a:t>
             </a:r>
           </a:p>
           <a:p>
@@ -5261,21 +5168,36 @@
               <a:buAutoNum type="arabicPeriod"/>
             </a:pPr>
             <a:r>
-              <a:rPr lang="ru-RU" b="1" dirty="0"/>
-              <a:t>Создается массив </a:t>
-            </a:r>
-            <a:r>
-              <a:rPr lang="en-US" b="1" dirty="0">
-                <a:latin typeface="Cambria Math" pitchFamily="18" charset="0"/>
-                <a:ea typeface="Cambria Math" pitchFamily="18" charset="0"/>
-              </a:rPr>
-              <a:t>{1, 2, 3, …, n}</a:t>
-            </a:r>
-            <a:r>
-              <a:rPr lang="ru-RU" b="1" dirty="0"/>
-              <a:t>.</a:t>
-            </a:r>
-            <a:endParaRPr lang="en-US" b="1" dirty="0"/>
+              <a:rPr lang="ru-RU" sz="2400" b="1" dirty="0"/>
+              <a:t>Определяется размер графа (большой или маленький)</a:t>
+            </a:r>
+            <a:r>
+              <a:rPr lang="en-US" sz="2400" b="1" dirty="0"/>
+              <a:t>:</a:t>
+            </a:r>
+            <a:endParaRPr lang="ru-RU" sz="2400" b="1" dirty="0"/>
+          </a:p>
+          <a:p>
+            <a:pPr marL="1485900" lvl="2" indent="-342900"/>
+            <a:r>
+              <a:rPr lang="ru-RU" sz="2400" b="1" dirty="0"/>
+              <a:t>Большой, если количество ребер больше половины</a:t>
+            </a:r>
+            <a:r>
+              <a:rPr lang="en-US" sz="2400" b="1" dirty="0"/>
+              <a:t> </a:t>
+            </a:r>
+            <a:r>
+              <a:rPr lang="ru-RU" sz="2400" b="1" dirty="0"/>
+              <a:t>ребёр полного графа</a:t>
+            </a:r>
+          </a:p>
+          <a:p>
+            <a:pPr marL="1485900" lvl="2" indent="-342900"/>
+            <a:r>
+              <a:rPr lang="ru-RU" sz="2400" b="1" dirty="0"/>
+              <a:t>Маленький в противном случае</a:t>
+            </a:r>
           </a:p>
           <a:p>
             <a:pPr marL="914400" lvl="1" indent="-457200">
@@ -5283,8 +5205,8 @@
               <a:buAutoNum type="arabicPeriod"/>
             </a:pPr>
             <a:r>
-              <a:rPr lang="ru-RU" b="1" dirty="0"/>
-              <a:t>Случайным образом массив перемешивается.</a:t>
+              <a:rPr lang="ru-RU" sz="2400" b="1" dirty="0"/>
+              <a:t>Если граф маленький, то строится с фиксированного дерева путём добавления ребёр</a:t>
             </a:r>
           </a:p>
           <a:p>
@@ -5293,44 +5215,41 @@
               <a:buAutoNum type="arabicPeriod"/>
             </a:pPr>
             <a:r>
-              <a:rPr lang="ru-RU" b="1" dirty="0"/>
-              <a:t>Каждой вершине присваивается свой новый номер</a:t>
-            </a:r>
-            <a:r>
-              <a:rPr lang="en-US" b="1" dirty="0"/>
+              <a:rPr lang="ru-RU" sz="2400" b="1" dirty="0"/>
+              <a:t>Если граф большой, то строится путём удаления ребёр из полного графа, не затрагивая фиксированное дерево.</a:t>
+            </a:r>
+          </a:p>
+          <a:p>
+            <a:endParaRPr lang="en-US" sz="2800" dirty="0">
+              <a:solidFill>
+                <a:srgbClr val="FF0000"/>
+              </a:solidFill>
+            </a:endParaRPr>
+          </a:p>
+          <a:p>
+            <a:r>
+              <a:rPr lang="ru-RU" sz="2800" dirty="0">
+                <a:solidFill>
+                  <a:srgbClr val="FF0000"/>
+                </a:solidFill>
+              </a:rPr>
+              <a:t>Замечание</a:t>
+            </a:r>
+            <a:r>
+              <a:rPr lang="en-US" sz="2800" dirty="0">
+                <a:solidFill>
+                  <a:srgbClr val="FF0000"/>
+                </a:solidFill>
+              </a:rPr>
+              <a:t>: </a:t>
+            </a:r>
+            <a:r>
+              <a:rPr lang="ru-RU" sz="2800" dirty="0"/>
+              <a:t>Граф всегда связный</a:t>
+            </a:r>
+            <a:r>
+              <a:rPr lang="ru-RU" dirty="0"/>
               <a:t>.</a:t>
-            </a:r>
-            <a:endParaRPr lang="ru-RU" b="1" dirty="0"/>
-          </a:p>
-          <a:p>
-            <a:pPr marL="914400" lvl="1" indent="-457200">
-              <a:buFont typeface="+mj-lt"/>
-              <a:buAutoNum type="arabicPeriod"/>
-            </a:pPr>
-            <a:r>
-              <a:rPr lang="ru-RU" b="1" dirty="0"/>
-              <a:t>Создается лист смежности размера </a:t>
-            </a:r>
-            <a:r>
-              <a:rPr lang="en-US" b="1" dirty="0">
-                <a:latin typeface="Cambria Math" pitchFamily="18" charset="0"/>
-                <a:ea typeface="Cambria Math" pitchFamily="18" charset="0"/>
-              </a:rPr>
-              <a:t>n</a:t>
-            </a:r>
-            <a:r>
-              <a:rPr lang="en-US" b="1" dirty="0"/>
-              <a:t>.</a:t>
-            </a:r>
-          </a:p>
-          <a:p>
-            <a:pPr marL="914400" lvl="1" indent="-457200">
-              <a:buFont typeface="+mj-lt"/>
-              <a:buAutoNum type="arabicPeriod"/>
-            </a:pPr>
-            <a:r>
-              <a:rPr lang="ru-RU" b="1" dirty="0"/>
-              <a:t>И заполняется листами смежности каждого отдельного графа.</a:t>
             </a:r>
           </a:p>
         </p:txBody>
@@ -5338,7 +5257,7 @@
     </p:spTree>
     <p:extLst>
       <p:ext uri="{BB962C8B-B14F-4D97-AF65-F5344CB8AC3E}">
-        <p14:creationId xmlns:p14="http://schemas.microsoft.com/office/powerpoint/2010/main" val="2093898084"/>
+        <p14:creationId xmlns:p14="http://schemas.microsoft.com/office/powerpoint/2010/main" val="4038146131"/>
       </p:ext>
     </p:extLst>
   </p:cSld>
@@ -5391,7 +5310,7 @@
             </a:br>
             <a:r>
               <a:rPr lang="en-US" sz="3200" dirty="0" err="1"/>
-              <a:t>TestCreator</a:t>
+              <a:t>GraphMerger</a:t>
             </a:r>
             <a:endParaRPr lang="en-US" sz="3200" dirty="0"/>
           </a:p>
@@ -5413,12 +5332,14 @@
           <a:lstStyle/>
           <a:p>
             <a:r>
-              <a:rPr lang="en-US" dirty="0" err="1"/>
-              <a:t>TestCreator</a:t>
-            </a:r>
-            <a:r>
               <a:rPr lang="ru-RU" dirty="0"/>
-              <a:t> – класс для генерации и записи тестов в файлы. Принимает:</a:t>
+              <a:t>Класс для объединения графов</a:t>
+            </a:r>
+          </a:p>
+          <a:p>
+            <a:r>
+              <a:rPr lang="ru-RU" dirty="0"/>
+              <a:t>Алгоритм объединения:</a:t>
             </a:r>
           </a:p>
           <a:p>
@@ -5428,7 +5349,31 @@
             </a:pPr>
             <a:r>
               <a:rPr lang="ru-RU" b="1" dirty="0"/>
-              <a:t>Тест, который нужно генерировать</a:t>
+              <a:t>Узнаётся общее количество</a:t>
+            </a:r>
+            <a:r>
+              <a:rPr lang="en-US" b="1" dirty="0"/>
+              <a:t> </a:t>
+            </a:r>
+            <a:r>
+              <a:rPr lang="ru-RU" b="1" dirty="0"/>
+              <a:t>вершин</a:t>
+            </a:r>
+            <a:r>
+              <a:rPr lang="en-US" b="1" dirty="0"/>
+              <a:t> (</a:t>
+            </a:r>
+            <a:r>
+              <a:rPr lang="ru-RU" b="1" dirty="0"/>
+              <a:t>предположим, </a:t>
+            </a:r>
+            <a:r>
+              <a:rPr lang="en-US" b="1" dirty="0"/>
+              <a:t>n)</a:t>
+            </a:r>
+            <a:r>
+              <a:rPr lang="ru-RU" b="1" dirty="0"/>
+              <a:t>.</a:t>
             </a:r>
           </a:p>
           <a:p>
@@ -5438,8 +5383,20 @@
             </a:pPr>
             <a:r>
               <a:rPr lang="ru-RU" b="1" dirty="0"/>
-              <a:t>Количество тестов для генерации</a:t>
-            </a:r>
+              <a:t>Генерируется случайная перестановка длины </a:t>
+            </a:r>
+            <a:r>
+              <a:rPr lang="en-US" b="1" dirty="0">
+                <a:latin typeface="Cambria Math" pitchFamily="18" charset="0"/>
+                <a:ea typeface="Cambria Math" pitchFamily="18" charset="0"/>
+              </a:rPr>
+              <a:t>n</a:t>
+            </a:r>
+            <a:r>
+              <a:rPr lang="ru-RU" b="1" dirty="0"/>
+              <a:t>.</a:t>
+            </a:r>
+            <a:endParaRPr lang="en-US" b="1" dirty="0"/>
           </a:p>
           <a:p>
             <a:pPr marL="914400" lvl="1" indent="-457200">
@@ -5448,8 +5405,13 @@
             </a:pPr>
             <a:r>
               <a:rPr lang="ru-RU" b="1" dirty="0"/>
-              <a:t>Путь директории на локальном диске, в которую эти тесты должны записываться </a:t>
-            </a:r>
+              <a:t>Каждой вершине присваивается свой новый номер</a:t>
+            </a:r>
+            <a:r>
+              <a:rPr lang="en-US" b="1" dirty="0"/>
+              <a:t>.</a:t>
+            </a:r>
+            <a:endParaRPr lang="ru-RU" b="1" dirty="0"/>
           </a:p>
           <a:p>
             <a:pPr marL="914400" lvl="1" indent="-457200">
@@ -5458,7 +5420,18 @@
             </a:pPr>
             <a:r>
               <a:rPr lang="ru-RU" b="1" dirty="0"/>
-              <a:t>Какое количество потоков должно быть использовано</a:t>
+              <a:t>Создается список смежности размера </a:t>
+            </a:r>
+            <a:r>
+              <a:rPr lang="en-US" b="1" dirty="0">
+                <a:latin typeface="Cambria Math" pitchFamily="18" charset="0"/>
+                <a:ea typeface="Cambria Math" pitchFamily="18" charset="0"/>
+              </a:rPr>
+              <a:t>n</a:t>
+            </a:r>
+            <a:r>
+              <a:rPr lang="en-US" b="1" dirty="0"/>
+              <a:t>.</a:t>
             </a:r>
           </a:p>
           <a:p>
@@ -5468,19 +5441,15 @@
             </a:pPr>
             <a:r>
               <a:rPr lang="ru-RU" b="1" dirty="0"/>
-              <a:t>Формат названия  файлов: префикс файла, расширение, и с какого номера начинать.  </a:t>
-            </a:r>
-            <a:endParaRPr lang="en-US" b="1" dirty="0"/>
-          </a:p>
-          <a:p>
-            <a:endParaRPr lang="ru-RU" dirty="0"/>
+              <a:t>Заполняется списками смежности каждого отдельного графа.</a:t>
+            </a:r>
           </a:p>
         </p:txBody>
       </p:sp>
     </p:spTree>
     <p:extLst>
       <p:ext uri="{BB962C8B-B14F-4D97-AF65-F5344CB8AC3E}">
-        <p14:creationId xmlns:p14="http://schemas.microsoft.com/office/powerpoint/2010/main" val="2711620350"/>
+        <p14:creationId xmlns:p14="http://schemas.microsoft.com/office/powerpoint/2010/main" val="2093898084"/>
       </p:ext>
     </p:extLst>
   </p:cSld>
@@ -5519,10 +5488,329 @@
         </p:nvSpPr>
         <p:spPr/>
         <p:txBody>
+          <a:bodyPr>
+            <a:normAutofit/>
+          </a:bodyPr>
+          <a:lstStyle/>
+          <a:p>
+            <a:r>
+              <a:rPr lang="ru-RU" sz="3200" dirty="0"/>
+              <a:t>Основные классы:</a:t>
+            </a:r>
+            <a:br>
+              <a:rPr lang="hy-AM" sz="3200" dirty="0"/>
+            </a:br>
+            <a:r>
+              <a:rPr lang="en-US" sz="3200" dirty="0" err="1"/>
+              <a:t>TestCreator</a:t>
+            </a:r>
+            <a:endParaRPr lang="en-US" sz="3200" dirty="0"/>
+          </a:p>
+        </p:txBody>
+      </p:sp>
+      <p:sp>
+        <p:nvSpPr>
+          <p:cNvPr id="3" name="Объект 2"/>
+          <p:cNvSpPr>
+            <a:spLocks noGrp="1"/>
+          </p:cNvSpPr>
+          <p:nvPr>
+            <p:ph idx="1"/>
+          </p:nvPr>
+        </p:nvSpPr>
+        <p:spPr/>
+        <p:txBody>
           <a:bodyPr/>
           <a:lstStyle/>
           <a:p>
             <a:r>
+              <a:rPr lang="en-US" dirty="0" err="1"/>
+              <a:t>TestCreator</a:t>
+            </a:r>
+            <a:r>
+              <a:rPr lang="ru-RU" dirty="0"/>
+              <a:t> – класс для генерации и записи тестов в файлы. Принимает:</a:t>
+            </a:r>
+          </a:p>
+          <a:p>
+            <a:pPr marL="914400" lvl="1" indent="-457200">
+              <a:buFont typeface="+mj-lt"/>
+              <a:buAutoNum type="arabicPeriod"/>
+            </a:pPr>
+            <a:r>
+              <a:rPr lang="ru-RU" b="1" dirty="0"/>
+              <a:t>Тест, который нужно генерировать</a:t>
+            </a:r>
+          </a:p>
+          <a:p>
+            <a:pPr marL="914400" lvl="1" indent="-457200">
+              <a:buFont typeface="+mj-lt"/>
+              <a:buAutoNum type="arabicPeriod"/>
+            </a:pPr>
+            <a:r>
+              <a:rPr lang="ru-RU" b="1" dirty="0"/>
+              <a:t>Количество тестов для генерации</a:t>
+            </a:r>
+          </a:p>
+          <a:p>
+            <a:pPr marL="914400" lvl="1" indent="-457200">
+              <a:buFont typeface="+mj-lt"/>
+              <a:buAutoNum type="arabicPeriod"/>
+            </a:pPr>
+            <a:r>
+              <a:rPr lang="ru-RU" b="1" dirty="0"/>
+              <a:t>Путь директории на локальном диске, в которую эти тесты должны записываться </a:t>
+            </a:r>
+          </a:p>
+          <a:p>
+            <a:pPr marL="914400" lvl="1" indent="-457200">
+              <a:buFont typeface="+mj-lt"/>
+              <a:buAutoNum type="arabicPeriod"/>
+            </a:pPr>
+            <a:r>
+              <a:rPr lang="ru-RU" b="1" dirty="0"/>
+              <a:t>Какое количество потоков должно быть использовано</a:t>
+            </a:r>
+          </a:p>
+          <a:p>
+            <a:pPr marL="914400" lvl="1" indent="-457200">
+              <a:buFont typeface="+mj-lt"/>
+              <a:buAutoNum type="arabicPeriod"/>
+            </a:pPr>
+            <a:r>
+              <a:rPr lang="ru-RU" b="1" dirty="0"/>
+              <a:t>Формат названия  файлов: префикс файла, расширение, и с какого номера начинать.  </a:t>
+            </a:r>
+            <a:endParaRPr lang="en-US" b="1" dirty="0"/>
+          </a:p>
+          <a:p>
+            <a:endParaRPr lang="ru-RU" dirty="0"/>
+          </a:p>
+        </p:txBody>
+      </p:sp>
+      <p:pic>
+        <p:nvPicPr>
+          <p:cNvPr id="5" name="Picture 4">
+            <a:extLst>
+              <a:ext uri="{FF2B5EF4-FFF2-40B4-BE49-F238E27FC236}">
+                <a16:creationId xmlns:a16="http://schemas.microsoft.com/office/drawing/2014/main" id="{50282930-F19C-4A1F-87A6-CC5E3AD000B5}"/>
+              </a:ext>
+            </a:extLst>
+          </p:cNvPr>
+          <p:cNvPicPr>
+            <a:picLocks noChangeAspect="1"/>
+          </p:cNvPicPr>
+          <p:nvPr/>
+        </p:nvPicPr>
+        <p:blipFill>
+          <a:blip r:embed="rId2">
+            <a:extLst>
+              <a:ext uri="{28A0092B-C50C-407E-A947-70E740481C1C}">
+                <a14:useLocalDpi xmlns:a14="http://schemas.microsoft.com/office/drawing/2010/main" val="0"/>
+              </a:ext>
+            </a:extLst>
+          </a:blip>
+          <a:stretch>
+            <a:fillRect/>
+          </a:stretch>
+        </p:blipFill>
+        <p:spPr>
+          <a:xfrm>
+            <a:off x="761999" y="5334000"/>
+            <a:ext cx="7631427" cy="999427"/>
+          </a:xfrm>
+          <a:prstGeom prst="rect">
+            <a:avLst/>
+          </a:prstGeom>
+        </p:spPr>
+      </p:pic>
+    </p:spTree>
+    <p:extLst>
+      <p:ext uri="{BB962C8B-B14F-4D97-AF65-F5344CB8AC3E}">
+        <p14:creationId xmlns:p14="http://schemas.microsoft.com/office/powerpoint/2010/main" val="2711620350"/>
+      </p:ext>
+    </p:extLst>
+  </p:cSld>
+  <p:clrMapOvr>
+    <a:masterClrMapping/>
+  </p:clrMapOvr>
+</p:sld>
+</file>
+
+<file path=ppt/slides/slide2.xml><?xml version="1.0" encoding="utf-8"?>
+<p:sld xmlns:a="http://schemas.openxmlformats.org/drawingml/2006/main" xmlns:r="http://schemas.openxmlformats.org/officeDocument/2006/relationships" xmlns:p="http://schemas.openxmlformats.org/presentationml/2006/main">
+  <p:cSld>
+    <p:spTree>
+      <p:nvGrpSpPr>
+        <p:cNvPr id="1" name=""/>
+        <p:cNvGrpSpPr/>
+        <p:nvPr/>
+      </p:nvGrpSpPr>
+      <p:grpSpPr>
+        <a:xfrm>
+          <a:off x="0" y="0"/>
+          <a:ext cx="0" cy="0"/>
+          <a:chOff x="0" y="0"/>
+          <a:chExt cx="0" cy="0"/>
+        </a:xfrm>
+      </p:grpSpPr>
+      <p:sp>
+        <p:nvSpPr>
+          <p:cNvPr id="2" name="Заголовок 1"/>
+          <p:cNvSpPr>
+            <a:spLocks noGrp="1"/>
+          </p:cNvSpPr>
+          <p:nvPr>
+            <p:ph type="title"/>
+          </p:nvPr>
+        </p:nvSpPr>
+        <p:spPr/>
+        <p:txBody>
+          <a:bodyPr/>
+          <a:lstStyle/>
+          <a:p>
+            <a:r>
+              <a:rPr lang="ru-RU" dirty="0"/>
+              <a:t>Введение</a:t>
+            </a:r>
+            <a:endParaRPr lang="en-US" dirty="0"/>
+          </a:p>
+        </p:txBody>
+      </p:sp>
+      <p:sp>
+        <p:nvSpPr>
+          <p:cNvPr id="3" name="Объект 2"/>
+          <p:cNvSpPr>
+            <a:spLocks noGrp="1"/>
+          </p:cNvSpPr>
+          <p:nvPr>
+            <p:ph idx="1"/>
+          </p:nvPr>
+        </p:nvSpPr>
+        <p:spPr/>
+        <p:txBody>
+          <a:bodyPr>
+            <a:normAutofit lnSpcReduction="10000"/>
+          </a:bodyPr>
+          <a:lstStyle/>
+          <a:p>
+            <a:r>
+              <a:rPr lang="ru-RU" dirty="0"/>
+              <a:t>Библиотека, предоставляющая инструменты генерации различных тестов для олимпиадных задач и домашних заданий.  </a:t>
+            </a:r>
+          </a:p>
+          <a:p>
+            <a:pPr marL="800100" lvl="1" indent="-342900"/>
+            <a:r>
+              <a:rPr lang="ru-RU" dirty="0"/>
+              <a:t>Реализована на языке С++. </a:t>
+            </a:r>
+          </a:p>
+          <a:p>
+            <a:pPr marL="800100" lvl="1" indent="-342900"/>
+            <a:r>
+              <a:rPr lang="ru-RU" dirty="0"/>
+              <a:t>Использованы различные шаблоны проектирования, алгоритмы.</a:t>
+            </a:r>
+          </a:p>
+          <a:p>
+            <a:pPr marL="800100" lvl="1" indent="-342900"/>
+            <a:r>
+              <a:rPr lang="ru-RU" dirty="0"/>
+              <a:t>Реализован параллельный режим работы. </a:t>
+            </a:r>
+            <a:endParaRPr lang="en-US" dirty="0"/>
+          </a:p>
+          <a:p>
+            <a:r>
+              <a:rPr lang="ru-RU" dirty="0"/>
+              <a:t>Библиотека предоставляет такую функциональность, как: </a:t>
+            </a:r>
+          </a:p>
+          <a:p>
+            <a:pPr marL="800100" lvl="1" indent="-342900"/>
+            <a:r>
+              <a:rPr lang="ru-RU" dirty="0"/>
+              <a:t>Элементарные типы на диапазонах</a:t>
+            </a:r>
+          </a:p>
+          <a:p>
+            <a:pPr marL="800100" lvl="1" indent="-342900"/>
+            <a:r>
+              <a:rPr lang="ru-RU" dirty="0"/>
+              <a:t>Массивы на диапазонах</a:t>
+            </a:r>
+          </a:p>
+          <a:p>
+            <a:pPr marL="800100" lvl="1" indent="-342900"/>
+            <a:r>
+              <a:rPr lang="ru-RU" dirty="0"/>
+              <a:t>Случайные графы</a:t>
+            </a:r>
+          </a:p>
+          <a:p>
+            <a:pPr marL="800100" lvl="1" indent="-342900"/>
+            <a:r>
+              <a:rPr lang="ru-RU" dirty="0"/>
+              <a:t>Регулярные выражения </a:t>
+            </a:r>
+          </a:p>
+          <a:p>
+            <a:pPr marL="800100" lvl="1" indent="-342900"/>
+            <a:r>
+              <a:rPr lang="ru-RU" dirty="0"/>
+              <a:t>И многое другое. </a:t>
+            </a:r>
+            <a:endParaRPr lang="en-US" dirty="0"/>
+          </a:p>
+        </p:txBody>
+      </p:sp>
+    </p:spTree>
+    <p:extLst>
+      <p:ext uri="{BB962C8B-B14F-4D97-AF65-F5344CB8AC3E}">
+        <p14:creationId xmlns:p14="http://schemas.microsoft.com/office/powerpoint/2010/main" val="3751621880"/>
+      </p:ext>
+    </p:extLst>
+  </p:cSld>
+  <p:clrMapOvr>
+    <a:masterClrMapping/>
+  </p:clrMapOvr>
+</p:sld>
+</file>
+
+<file path=ppt/slides/slide20.xml><?xml version="1.0" encoding="utf-8"?>
+<p:sld xmlns:a="http://schemas.openxmlformats.org/drawingml/2006/main" xmlns:r="http://schemas.openxmlformats.org/officeDocument/2006/relationships" xmlns:p="http://schemas.openxmlformats.org/presentationml/2006/main">
+  <p:cSld>
+    <p:spTree>
+      <p:nvGrpSpPr>
+        <p:cNvPr id="1" name=""/>
+        <p:cNvGrpSpPr/>
+        <p:nvPr/>
+      </p:nvGrpSpPr>
+      <p:grpSpPr>
+        <a:xfrm>
+          <a:off x="0" y="0"/>
+          <a:ext cx="0" cy="0"/>
+          <a:chOff x="0" y="0"/>
+          <a:chExt cx="0" cy="0"/>
+        </a:xfrm>
+      </p:grpSpPr>
+      <p:sp>
+        <p:nvSpPr>
+          <p:cNvPr id="2" name="Заголовок 1"/>
+          <p:cNvSpPr>
+            <a:spLocks noGrp="1"/>
+          </p:cNvSpPr>
+          <p:nvPr>
+            <p:ph type="title"/>
+          </p:nvPr>
+        </p:nvSpPr>
+        <p:spPr/>
+        <p:txBody>
+          <a:bodyPr/>
+          <a:lstStyle/>
+          <a:p>
+            <a:r>
               <a:rPr lang="ru-RU" dirty="0"/>
               <a:t>Задача №1</a:t>
             </a:r>
@@ -5530,8 +5818,8 @@
           </a:p>
         </p:txBody>
       </p:sp>
-      <mc:AlternateContent xmlns:mc="http://schemas.openxmlformats.org/markup-compatibility/2006">
-        <mc:Choice xmlns:a14="http://schemas.microsoft.com/office/drawing/2010/main" Requires="a14">
+      <mc:AlternateContent xmlns:mc="http://schemas.openxmlformats.org/markup-compatibility/2006" xmlns:a14="http://schemas.microsoft.com/office/drawing/2010/main">
+        <mc:Choice Requires="a14">
           <p:sp>
             <p:nvSpPr>
               <p:cNvPr id="3" name="Объект 2"/>
@@ -5830,7 +6118,7 @@
             </p:txBody>
           </p:sp>
         </mc:Choice>
-        <mc:Fallback>
+        <mc:Fallback xmlns="">
           <p:sp>
             <p:nvSpPr>
               <p:cNvPr id="3" name="Объект 2"/>
@@ -5877,148 +6165,7 @@
 </p:sld>
 </file>
 
-<file path=ppt/slides/slide2.xml><?xml version="1.0" encoding="utf-8"?>
-<p:sld xmlns:a="http://schemas.openxmlformats.org/drawingml/2006/main" xmlns:r="http://schemas.openxmlformats.org/officeDocument/2006/relationships" xmlns:p="http://schemas.openxmlformats.org/presentationml/2006/main">
-  <p:cSld>
-    <p:spTree>
-      <p:nvGrpSpPr>
-        <p:cNvPr id="1" name=""/>
-        <p:cNvGrpSpPr/>
-        <p:nvPr/>
-      </p:nvGrpSpPr>
-      <p:grpSpPr>
-        <a:xfrm>
-          <a:off x="0" y="0"/>
-          <a:ext cx="0" cy="0"/>
-          <a:chOff x="0" y="0"/>
-          <a:chExt cx="0" cy="0"/>
-        </a:xfrm>
-      </p:grpSpPr>
-      <p:sp>
-        <p:nvSpPr>
-          <p:cNvPr id="2" name="Заголовок 1"/>
-          <p:cNvSpPr>
-            <a:spLocks noGrp="1"/>
-          </p:cNvSpPr>
-          <p:nvPr>
-            <p:ph type="title"/>
-          </p:nvPr>
-        </p:nvSpPr>
-        <p:spPr/>
-        <p:txBody>
-          <a:bodyPr/>
-          <a:lstStyle/>
-          <a:p>
-            <a:r>
-              <a:rPr lang="ru-RU" dirty="0"/>
-              <a:t>Введение</a:t>
-            </a:r>
-            <a:endParaRPr lang="en-US" dirty="0"/>
-          </a:p>
-        </p:txBody>
-      </p:sp>
-      <p:sp>
-        <p:nvSpPr>
-          <p:cNvPr id="3" name="Объект 2"/>
-          <p:cNvSpPr>
-            <a:spLocks noGrp="1"/>
-          </p:cNvSpPr>
-          <p:nvPr>
-            <p:ph idx="1"/>
-          </p:nvPr>
-        </p:nvSpPr>
-        <p:spPr/>
-        <p:txBody>
-          <a:bodyPr>
-            <a:normAutofit lnSpcReduction="10000"/>
-          </a:bodyPr>
-          <a:lstStyle/>
-          <a:p>
-            <a:r>
-              <a:rPr lang="ru-RU" dirty="0"/>
-              <a:t>Библиотека, предоставляющая инструменты генерации различных тестов для олимпиадных задач и домашних заданий.  </a:t>
-            </a:r>
-          </a:p>
-          <a:p>
-            <a:pPr marL="800100" lvl="1" indent="-342900"/>
-            <a:r>
-              <a:rPr lang="ru-RU" dirty="0"/>
-              <a:t>Реализована на языке С++. </a:t>
-            </a:r>
-          </a:p>
-          <a:p>
-            <a:pPr marL="800100" lvl="1" indent="-342900"/>
-            <a:r>
-              <a:rPr lang="ru-RU" dirty="0"/>
-              <a:t>Использованы различные шаблоны проектирования, алгоритмы.</a:t>
-            </a:r>
-          </a:p>
-          <a:p>
-            <a:pPr marL="800100" lvl="1" indent="-342900"/>
-            <a:r>
-              <a:rPr lang="ru-RU" dirty="0"/>
-              <a:t>Реализован многопоточный режим работы. </a:t>
-            </a:r>
-            <a:endParaRPr lang="en-US" dirty="0"/>
-          </a:p>
-          <a:p>
-            <a:r>
-              <a:rPr lang="ru-RU" dirty="0"/>
-              <a:t>Библиотека предоставляет такой функционал, как: </a:t>
-            </a:r>
-          </a:p>
-          <a:p>
-            <a:pPr marL="800100" lvl="1" indent="-342900"/>
-            <a:r>
-              <a:rPr lang="ru-RU" dirty="0"/>
-              <a:t>Элементарные типы на диапазонах</a:t>
-            </a:r>
-          </a:p>
-          <a:p>
-            <a:pPr marL="800100" lvl="1" indent="-342900"/>
-            <a:r>
-              <a:rPr lang="ru-RU" dirty="0"/>
-              <a:t>Массивы на диапазонах</a:t>
-            </a:r>
-          </a:p>
-          <a:p>
-            <a:pPr marL="800100" lvl="1" indent="-342900"/>
-            <a:r>
-              <a:rPr lang="ru-RU" dirty="0"/>
-              <a:t>Случайные графы</a:t>
-            </a:r>
-          </a:p>
-          <a:p>
-            <a:pPr marL="800100" lvl="1" indent="-342900"/>
-            <a:r>
-              <a:rPr lang="ru-RU" dirty="0"/>
-              <a:t>Регулярные выражения </a:t>
-            </a:r>
-          </a:p>
-          <a:p>
-            <a:pPr marL="800100" lvl="1" indent="-342900"/>
-            <a:r>
-              <a:rPr lang="ru-RU" dirty="0"/>
-              <a:t>И многое другое. </a:t>
-            </a:r>
-            <a:endParaRPr lang="en-US" dirty="0"/>
-          </a:p>
-        </p:txBody>
-      </p:sp>
-    </p:spTree>
-    <p:extLst>
-      <p:ext uri="{BB962C8B-B14F-4D97-AF65-F5344CB8AC3E}">
-        <p14:creationId xmlns:p14="http://schemas.microsoft.com/office/powerpoint/2010/main" val="3751621880"/>
-      </p:ext>
-    </p:extLst>
-  </p:cSld>
-  <p:clrMapOvr>
-    <a:masterClrMapping/>
-  </p:clrMapOvr>
-</p:sld>
-</file>
-
-<file path=ppt/slides/slide20.xml><?xml version="1.0" encoding="utf-8"?>
+<file path=ppt/slides/slide21.xml><?xml version="1.0" encoding="utf-8"?>
 <p:sld xmlns:a="http://schemas.openxmlformats.org/drawingml/2006/main" xmlns:r="http://schemas.openxmlformats.org/officeDocument/2006/relationships" xmlns:p="http://schemas.openxmlformats.org/presentationml/2006/main">
   <p:cSld>
     <p:spTree>
@@ -6128,7 +6275,7 @@
 </p:sld>
 </file>
 
-<file path=ppt/slides/slide21.xml><?xml version="1.0" encoding="utf-8"?>
+<file path=ppt/slides/slide22.xml><?xml version="1.0" encoding="utf-8"?>
 <p:sld xmlns:a="http://schemas.openxmlformats.org/drawingml/2006/main" xmlns:r="http://schemas.openxmlformats.org/officeDocument/2006/relationships" xmlns:p="http://schemas.openxmlformats.org/presentationml/2006/main">
   <p:cSld>
     <p:spTree>
@@ -6173,8 +6320,8 @@
           </a:p>
         </p:txBody>
       </p:sp>
-      <mc:AlternateContent xmlns:mc="http://schemas.openxmlformats.org/markup-compatibility/2006">
-        <mc:Choice xmlns:a14="http://schemas.microsoft.com/office/drawing/2010/main" Requires="a14">
+      <mc:AlternateContent xmlns:mc="http://schemas.openxmlformats.org/markup-compatibility/2006" xmlns:a14="http://schemas.microsoft.com/office/drawing/2010/main">
+        <mc:Choice Requires="a14">
           <p:sp>
             <p:nvSpPr>
               <p:cNvPr id="3" name="Объект 2"/>
@@ -6665,7 +6812,7 @@
             </p:txBody>
           </p:sp>
         </mc:Choice>
-        <mc:Fallback>
+        <mc:Fallback xmlns="">
           <p:sp>
             <p:nvSpPr>
               <p:cNvPr id="3" name="Объект 2"/>
@@ -6712,7 +6859,7 @@
 </p:sld>
 </file>
 
-<file path=ppt/slides/slide22.xml><?xml version="1.0" encoding="utf-8"?>
+<file path=ppt/slides/slide23.xml><?xml version="1.0" encoding="utf-8"?>
 <p:sld xmlns:a="http://schemas.openxmlformats.org/drawingml/2006/main" xmlns:r="http://schemas.openxmlformats.org/officeDocument/2006/relationships" xmlns:p="http://schemas.openxmlformats.org/presentationml/2006/main">
   <p:cSld>
     <p:spTree>
@@ -6802,7 +6949,7 @@
 </p:sld>
 </file>
 
-<file path=ppt/slides/slide23.xml><?xml version="1.0" encoding="utf-8"?>
+<file path=ppt/slides/slide24.xml><?xml version="1.0" encoding="utf-8"?>
 <p:sld xmlns:a="http://schemas.openxmlformats.org/drawingml/2006/main" xmlns:r="http://schemas.openxmlformats.org/officeDocument/2006/relationships" xmlns:p="http://schemas.openxmlformats.org/presentationml/2006/main">
   <p:cSld>
     <p:spTree>
@@ -7004,7 +7151,7 @@
 </p:sld>
 </file>
 
-<file path=ppt/slides/slide24.xml><?xml version="1.0" encoding="utf-8"?>
+<file path=ppt/slides/slide25.xml><?xml version="1.0" encoding="utf-8"?>
 <p:sld xmlns:a="http://schemas.openxmlformats.org/drawingml/2006/main" xmlns:r="http://schemas.openxmlformats.org/officeDocument/2006/relationships" xmlns:p="http://schemas.openxmlformats.org/presentationml/2006/main">
   <p:cSld>
     <p:spTree>
@@ -7114,99 +7261,6 @@
 </p:sld>
 </file>
 
-<file path=ppt/slides/slide25.xml><?xml version="1.0" encoding="utf-8"?>
-<p:sld xmlns:a="http://schemas.openxmlformats.org/drawingml/2006/main" xmlns:r="http://schemas.openxmlformats.org/officeDocument/2006/relationships" xmlns:p="http://schemas.openxmlformats.org/presentationml/2006/main">
-  <p:cSld>
-    <p:spTree>
-      <p:nvGrpSpPr>
-        <p:cNvPr id="1" name=""/>
-        <p:cNvGrpSpPr/>
-        <p:nvPr/>
-      </p:nvGrpSpPr>
-      <p:grpSpPr>
-        <a:xfrm>
-          <a:off x="0" y="0"/>
-          <a:ext cx="0" cy="0"/>
-          <a:chOff x="0" y="0"/>
-          <a:chExt cx="0" cy="0"/>
-        </a:xfrm>
-      </p:grpSpPr>
-      <p:sp>
-        <p:nvSpPr>
-          <p:cNvPr id="2" name="Заголовок 1"/>
-          <p:cNvSpPr>
-            <a:spLocks noGrp="1"/>
-          </p:cNvSpPr>
-          <p:nvPr>
-            <p:ph type="title"/>
-          </p:nvPr>
-        </p:nvSpPr>
-        <p:spPr/>
-        <p:txBody>
-          <a:bodyPr/>
-          <a:lstStyle/>
-          <a:p>
-            <a:r>
-              <a:rPr lang="ru-RU" dirty="0"/>
-              <a:t>Олимпиады</a:t>
-            </a:r>
-            <a:endParaRPr lang="en-US" dirty="0"/>
-          </a:p>
-        </p:txBody>
-      </p:sp>
-      <p:sp>
-        <p:nvSpPr>
-          <p:cNvPr id="3" name="Объект 2"/>
-          <p:cNvSpPr>
-            <a:spLocks noGrp="1"/>
-          </p:cNvSpPr>
-          <p:nvPr>
-            <p:ph idx="1"/>
-          </p:nvPr>
-        </p:nvSpPr>
-        <p:spPr/>
-        <p:txBody>
-          <a:bodyPr/>
-          <a:lstStyle/>
-          <a:p>
-            <a:r>
-              <a:rPr lang="ru-RU" dirty="0"/>
-              <a:t>16-ого сентября 2017 года была проведена олимпиада</a:t>
-            </a:r>
-            <a:r>
-              <a:rPr lang="en-US" dirty="0"/>
-              <a:t> </a:t>
-            </a:r>
-            <a:r>
-              <a:rPr lang="ru-RU" dirty="0"/>
-              <a:t>с использованием данной библиотеки. </a:t>
-            </a:r>
-          </a:p>
-          <a:p>
-            <a:r>
-              <a:rPr lang="ru-RU" dirty="0"/>
-              <a:t>В дальнейшем также будут проводиться олимпиады для университета с помощью данной библиотеки</a:t>
-            </a:r>
-            <a:r>
-              <a:rPr lang="en-US" dirty="0"/>
-              <a:t>.</a:t>
-            </a:r>
-          </a:p>
-        </p:txBody>
-      </p:sp>
-    </p:spTree>
-    <p:extLst>
-      <p:ext uri="{BB962C8B-B14F-4D97-AF65-F5344CB8AC3E}">
-        <p14:creationId xmlns:p14="http://schemas.microsoft.com/office/powerpoint/2010/main" val="3521080400"/>
-      </p:ext>
-    </p:extLst>
-  </p:cSld>
-  <p:clrMapOvr>
-    <a:masterClrMapping/>
-  </p:clrMapOvr>
-</p:sld>
-</file>
-
 <file path=ppt/slides/slide26.xml><?xml version="1.0" encoding="utf-8"?>
 <p:sld xmlns:a="http://schemas.openxmlformats.org/drawingml/2006/main" xmlns:r="http://schemas.openxmlformats.org/officeDocument/2006/relationships" xmlns:p="http://schemas.openxmlformats.org/presentationml/2006/main">
   <p:cSld>
@@ -7234,6 +7288,99 @@
             <p:ph type="title"/>
           </p:nvPr>
         </p:nvSpPr>
+        <p:spPr/>
+        <p:txBody>
+          <a:bodyPr/>
+          <a:lstStyle/>
+          <a:p>
+            <a:r>
+              <a:rPr lang="ru-RU" dirty="0"/>
+              <a:t>Олимпиады</a:t>
+            </a:r>
+            <a:endParaRPr lang="en-US" dirty="0"/>
+          </a:p>
+        </p:txBody>
+      </p:sp>
+      <p:sp>
+        <p:nvSpPr>
+          <p:cNvPr id="3" name="Объект 2"/>
+          <p:cNvSpPr>
+            <a:spLocks noGrp="1"/>
+          </p:cNvSpPr>
+          <p:nvPr>
+            <p:ph idx="1"/>
+          </p:nvPr>
+        </p:nvSpPr>
+        <p:spPr/>
+        <p:txBody>
+          <a:bodyPr/>
+          <a:lstStyle/>
+          <a:p>
+            <a:r>
+              <a:rPr lang="ru-RU" dirty="0"/>
+              <a:t>16-ого сентября 2017 года была проведена олимпиада</a:t>
+            </a:r>
+            <a:r>
+              <a:rPr lang="en-US" dirty="0"/>
+              <a:t> </a:t>
+            </a:r>
+            <a:r>
+              <a:rPr lang="ru-RU" dirty="0"/>
+              <a:t>с использованием данной библиотеки. </a:t>
+            </a:r>
+          </a:p>
+          <a:p>
+            <a:r>
+              <a:rPr lang="ru-RU" dirty="0"/>
+              <a:t>В дальнейшем также будут проводиться олимпиады для университета с помощью данной библиотеки</a:t>
+            </a:r>
+            <a:r>
+              <a:rPr lang="en-US" dirty="0"/>
+              <a:t>.</a:t>
+            </a:r>
+          </a:p>
+        </p:txBody>
+      </p:sp>
+    </p:spTree>
+    <p:extLst>
+      <p:ext uri="{BB962C8B-B14F-4D97-AF65-F5344CB8AC3E}">
+        <p14:creationId xmlns:p14="http://schemas.microsoft.com/office/powerpoint/2010/main" val="3521080400"/>
+      </p:ext>
+    </p:extLst>
+  </p:cSld>
+  <p:clrMapOvr>
+    <a:masterClrMapping/>
+  </p:clrMapOvr>
+</p:sld>
+</file>
+
+<file path=ppt/slides/slide27.xml><?xml version="1.0" encoding="utf-8"?>
+<p:sld xmlns:a="http://schemas.openxmlformats.org/drawingml/2006/main" xmlns:r="http://schemas.openxmlformats.org/officeDocument/2006/relationships" xmlns:p="http://schemas.openxmlformats.org/presentationml/2006/main">
+  <p:cSld>
+    <p:spTree>
+      <p:nvGrpSpPr>
+        <p:cNvPr id="1" name=""/>
+        <p:cNvGrpSpPr/>
+        <p:nvPr/>
+      </p:nvGrpSpPr>
+      <p:grpSpPr>
+        <a:xfrm>
+          <a:off x="0" y="0"/>
+          <a:ext cx="0" cy="0"/>
+          <a:chOff x="0" y="0"/>
+          <a:chExt cx="0" cy="0"/>
+        </a:xfrm>
+      </p:grpSpPr>
+      <p:sp>
+        <p:nvSpPr>
+          <p:cNvPr id="2" name="Заголовок 1"/>
+          <p:cNvSpPr>
+            <a:spLocks noGrp="1"/>
+          </p:cNvSpPr>
+          <p:nvPr>
+            <p:ph type="title"/>
+          </p:nvPr>
+        </p:nvSpPr>
         <p:spPr>
           <a:xfrm>
             <a:off x="457200" y="152718"/>
@@ -7246,7 +7393,7 @@
           <a:p>
             <a:r>
               <a:rPr lang="ru-RU" dirty="0"/>
-              <a:t>Немного статистики</a:t>
+              <a:t>Немного Истории</a:t>
             </a:r>
             <a:endParaRPr lang="en-US" dirty="0"/>
           </a:p>
@@ -7378,7 +7525,7 @@
 </p:sld>
 </file>
 
-<file path=ppt/slides/slide27.xml><?xml version="1.0" encoding="utf-8"?>
+<file path=ppt/slides/slide28.xml><?xml version="1.0" encoding="utf-8"?>
 <p:sld xmlns:a="http://schemas.openxmlformats.org/drawingml/2006/main" xmlns:r="http://schemas.openxmlformats.org/officeDocument/2006/relationships" xmlns:p="http://schemas.openxmlformats.org/presentationml/2006/main">
   <p:cSld>
     <p:spTree>
@@ -7537,7 +7684,7 @@
               <a:p>
                 <a:r>
                   <a:rPr lang="ru-RU" dirty="0"/>
-                  <a:t>Диапазон значений – термин</a:t>
+                  <a:t>Диапазон значений – термин,</a:t>
                 </a:r>
                 <a:r>
                   <a:rPr lang="hy-AM" dirty="0"/>
@@ -7884,8 +8031,8 @@
           </a:p>
         </p:txBody>
       </p:sp>
-      <mc:AlternateContent xmlns:mc="http://schemas.openxmlformats.org/markup-compatibility/2006">
-        <mc:Choice xmlns:a14="http://schemas.microsoft.com/office/drawing/2010/main" Requires="a14">
+      <mc:AlternateContent xmlns:mc="http://schemas.openxmlformats.org/markup-compatibility/2006" xmlns:a14="http://schemas.microsoft.com/office/drawing/2010/main">
+        <mc:Choice Requires="a14">
           <p:sp>
             <p:nvSpPr>
               <p:cNvPr id="3" name="Объект 2"/>
@@ -8182,7 +8329,7 @@
             </p:txBody>
           </p:sp>
         </mc:Choice>
-        <mc:Fallback>
+        <mc:Fallback xmlns="">
           <p:sp>
             <p:nvSpPr>
               <p:cNvPr id="3" name="Объект 2"/>
@@ -8274,8 +8421,8 @@
           </a:p>
         </p:txBody>
       </p:sp>
-      <mc:AlternateContent xmlns:mc="http://schemas.openxmlformats.org/markup-compatibility/2006">
-        <mc:Choice xmlns:a14="http://schemas.microsoft.com/office/drawing/2010/main" Requires="a14">
+      <mc:AlternateContent xmlns:mc="http://schemas.openxmlformats.org/markup-compatibility/2006" xmlns:a14="http://schemas.microsoft.com/office/drawing/2010/main">
+        <mc:Choice Requires="a14">
           <p:sp>
             <p:nvSpPr>
               <p:cNvPr id="3" name="Объект 2"/>
@@ -8766,7 +8913,7 @@
             </p:txBody>
           </p:sp>
         </mc:Choice>
-        <mc:Fallback>
+        <mc:Fallback xmlns="">
           <p:sp>
             <p:nvSpPr>
               <p:cNvPr id="3" name="Объект 2"/>
@@ -8858,8 +9005,8 @@
           </a:p>
         </p:txBody>
       </p:sp>
-      <mc:AlternateContent xmlns:mc="http://schemas.openxmlformats.org/markup-compatibility/2006">
-        <mc:Choice xmlns:a14="http://schemas.microsoft.com/office/drawing/2010/main" Requires="a14">
+      <mc:AlternateContent xmlns:mc="http://schemas.openxmlformats.org/markup-compatibility/2006" xmlns:a14="http://schemas.microsoft.com/office/drawing/2010/main">
+        <mc:Choice Requires="a14">
           <p:sp>
             <p:nvSpPr>
               <p:cNvPr id="3" name="Объект 2"/>
@@ -8968,7 +9115,7 @@
             </p:txBody>
           </p:sp>
         </mc:Choice>
-        <mc:Fallback>
+        <mc:Fallback xmlns="">
           <p:sp>
             <p:nvSpPr>
               <p:cNvPr id="3" name="Объект 2"/>
@@ -9185,7 +9332,7 @@
             </a:pPr>
             <a:r>
               <a:rPr lang="ru-RU" sz="2400" dirty="0"/>
-              <a:t> Содержит весь необходимый функционал, который наследуют остальные классы. </a:t>
+              <a:t> Предоставляет необходимый интерфейс, который реализуют остальные классы.</a:t>
             </a:r>
           </a:p>
           <a:p>
@@ -9257,9 +9404,12 @@
             </a:br>
             <a:r>
               <a:rPr lang="en-US" sz="3200" dirty="0" err="1"/>
-              <a:t>Compositetest</a:t>
-            </a:r>
-            <a:endParaRPr lang="en-US" sz="3200" dirty="0"/>
+              <a:t>primitivetest</a:t>
+            </a:r>
+            <a:r>
+              <a:rPr lang="en-US" sz="3200" dirty="0"/>
+              <a:t>&lt;T&gt;</a:t>
+            </a:r>
           </a:p>
         </p:txBody>
       </p:sp>
@@ -9276,7 +9426,7 @@
         <p:spPr/>
         <p:txBody>
           <a:bodyPr>
-            <a:noAutofit/>
+            <a:normAutofit/>
           </a:bodyPr>
           <a:lstStyle/>
           <a:p>
@@ -9285,8 +9435,8 @@
               <a:buChar char="•"/>
             </a:pPr>
             <a:r>
-              <a:rPr lang="ru-RU" sz="2400" dirty="0"/>
-              <a:t>Является совокупностью нескольких (может одного) тестов, и имеет тот же интерфейс, что и остальные тесты. </a:t>
+              <a:rPr lang="ru-RU" dirty="0"/>
+              <a:t> Описывает примитивные типы</a:t>
             </a:r>
           </a:p>
           <a:p>
@@ -9295,53 +9445,187 @@
               <a:buChar char="•"/>
             </a:pPr>
             <a:r>
-              <a:rPr lang="ru-RU" sz="2400" dirty="0"/>
-              <a:t> Позволяет работать с группой тестов как с одним. </a:t>
-            </a:r>
-          </a:p>
-          <a:p>
-            <a:pPr>
-              <a:buFont typeface="Arial" pitchFamily="34" charset="0"/>
-              <a:buChar char="•"/>
-            </a:pPr>
-            <a:r>
-              <a:rPr lang="ru-RU" sz="2400" dirty="0"/>
-              <a:t> Имеет функцию </a:t>
-            </a:r>
-            <a:r>
-              <a:rPr lang="en-US" sz="2400" dirty="0"/>
-              <a:t>Add</a:t>
-            </a:r>
-            <a:r>
-              <a:rPr lang="ru-RU" sz="2400" dirty="0"/>
-              <a:t>, при помощи которой новые тесты могут быть добавлены к остальному множеству. </a:t>
-            </a:r>
-            <a:endParaRPr lang="hy-AM" sz="2400" dirty="0"/>
-          </a:p>
-          <a:p>
-            <a:pPr>
-              <a:buFont typeface="Arial" pitchFamily="34" charset="0"/>
-              <a:buChar char="•"/>
-            </a:pPr>
-            <a:r>
-              <a:rPr lang="ru-RU" sz="2400" dirty="0"/>
-              <a:t> Реализует шаблон проектирования Компоновщик. </a:t>
-            </a:r>
-            <a:endParaRPr lang="en-US" sz="2400" dirty="0"/>
-          </a:p>
-          <a:p>
-            <a:pPr>
-              <a:buFont typeface="Arial" pitchFamily="34" charset="0"/>
-              <a:buChar char="•"/>
-            </a:pPr>
-            <a:endParaRPr lang="en-US" sz="2400" dirty="0"/>
-          </a:p>
-        </p:txBody>
-      </p:sp>
+              <a:rPr lang="ru-RU" dirty="0"/>
+              <a:t> Является базовым классом для </a:t>
+            </a:r>
+            <a:r>
+              <a:rPr lang="en-US" dirty="0" err="1"/>
+              <a:t>ConstPrimitiveTest</a:t>
+            </a:r>
+            <a:r>
+              <a:rPr lang="ru-RU" dirty="0"/>
+              <a:t>&lt;</a:t>
+            </a:r>
+            <a:r>
+              <a:rPr lang="en-US" dirty="0"/>
+              <a:t>T</a:t>
+            </a:r>
+            <a:r>
+              <a:rPr lang="ru-RU" dirty="0"/>
+              <a:t>&gt; и </a:t>
+            </a:r>
+            <a:r>
+              <a:rPr lang="en-US" dirty="0" err="1"/>
+              <a:t>RangePrimitiveTest</a:t>
+            </a:r>
+            <a:r>
+              <a:rPr lang="ru-RU" dirty="0"/>
+              <a:t>&lt;</a:t>
+            </a:r>
+            <a:r>
+              <a:rPr lang="en-US" dirty="0"/>
+              <a:t>T</a:t>
+            </a:r>
+            <a:r>
+              <a:rPr lang="ru-RU" dirty="0"/>
+              <a:t>&gt;</a:t>
+            </a:r>
+            <a:r>
+              <a:rPr lang="en-US" dirty="0"/>
+              <a:t>:</a:t>
+            </a:r>
+            <a:r>
+              <a:rPr lang="ru-RU" dirty="0"/>
+              <a:t> </a:t>
+            </a:r>
+            <a:endParaRPr lang="en-US" dirty="0"/>
+          </a:p>
+          <a:p>
+            <a:pPr lvl="1"/>
+            <a:r>
+              <a:rPr lang="en-US" b="1" dirty="0" err="1"/>
+              <a:t>ConstPrimitiveTest</a:t>
+            </a:r>
+            <a:r>
+              <a:rPr lang="en-US" b="1" dirty="0"/>
+              <a:t> </a:t>
+            </a:r>
+            <a:r>
+              <a:rPr lang="hy-AM" b="1" dirty="0"/>
+              <a:t>&lt;</a:t>
+            </a:r>
+            <a:r>
+              <a:rPr lang="en-US" b="1" dirty="0"/>
+              <a:t>T</a:t>
+            </a:r>
+            <a:r>
+              <a:rPr lang="ru-RU" b="1" dirty="0"/>
+              <a:t>&gt; принимает один объект типа </a:t>
+            </a:r>
+            <a:r>
+              <a:rPr lang="en-US" b="1" dirty="0"/>
+              <a:t>T</a:t>
+            </a:r>
+            <a:r>
+              <a:rPr lang="ru-RU" b="1" dirty="0"/>
+              <a:t>. Используется для того, чтобы определять константные числа. </a:t>
+            </a:r>
+          </a:p>
+          <a:p>
+            <a:pPr lvl="1"/>
+            <a:endParaRPr lang="ru-RU" b="1" dirty="0"/>
+          </a:p>
+          <a:p>
+            <a:pPr lvl="1"/>
+            <a:r>
+              <a:rPr lang="en-US" b="1" dirty="0" err="1"/>
+              <a:t>RangePrimitiveTest</a:t>
+            </a:r>
+            <a:r>
+              <a:rPr lang="hy-AM" b="1" dirty="0"/>
+              <a:t> &lt;</a:t>
+            </a:r>
+            <a:r>
+              <a:rPr lang="en-US" b="1" dirty="0"/>
+              <a:t>T&gt; </a:t>
+            </a:r>
+            <a:r>
+              <a:rPr lang="ru-RU" b="1" dirty="0"/>
+              <a:t>принимает один диапазон значений. Используется для того, чтобы определять элементарные типы на диапазонах.</a:t>
+            </a:r>
+          </a:p>
+          <a:p>
+            <a:pPr lvl="1"/>
+            <a:endParaRPr lang="en-US" sz="2400" b="1" dirty="0"/>
+          </a:p>
+        </p:txBody>
+      </p:sp>
+      <p:pic>
+        <p:nvPicPr>
+          <p:cNvPr id="5" name="Picture 4">
+            <a:extLst>
+              <a:ext uri="{FF2B5EF4-FFF2-40B4-BE49-F238E27FC236}">
+                <a16:creationId xmlns:a16="http://schemas.microsoft.com/office/drawing/2014/main" id="{7818AA44-E346-4526-A161-2669FFD5182A}"/>
+              </a:ext>
+            </a:extLst>
+          </p:cNvPr>
+          <p:cNvPicPr>
+            <a:picLocks noChangeAspect="1"/>
+          </p:cNvPicPr>
+          <p:nvPr/>
+        </p:nvPicPr>
+        <p:blipFill>
+          <a:blip r:embed="rId2">
+            <a:extLst>
+              <a:ext uri="{28A0092B-C50C-407E-A947-70E740481C1C}">
+                <a14:useLocalDpi xmlns:a14="http://schemas.microsoft.com/office/drawing/2010/main" val="0"/>
+              </a:ext>
+            </a:extLst>
+          </a:blip>
+          <a:stretch>
+            <a:fillRect/>
+          </a:stretch>
+        </p:blipFill>
+        <p:spPr>
+          <a:xfrm>
+            <a:off x="2011889" y="3918045"/>
+            <a:ext cx="4510622" cy="471846"/>
+          </a:xfrm>
+          <a:prstGeom prst="rect">
+            <a:avLst/>
+          </a:prstGeom>
+        </p:spPr>
+      </p:pic>
+      <p:pic>
+        <p:nvPicPr>
+          <p:cNvPr id="7" name="Picture 6">
+            <a:extLst>
+              <a:ext uri="{FF2B5EF4-FFF2-40B4-BE49-F238E27FC236}">
+                <a16:creationId xmlns:a16="http://schemas.microsoft.com/office/drawing/2014/main" id="{B87FCDFE-E140-4C7B-9F4D-10C58EB58B7B}"/>
+              </a:ext>
+            </a:extLst>
+          </p:cNvPr>
+          <p:cNvPicPr>
+            <a:picLocks noChangeAspect="1"/>
+          </p:cNvPicPr>
+          <p:nvPr/>
+        </p:nvPicPr>
+        <p:blipFill>
+          <a:blip r:embed="rId3">
+            <a:extLst>
+              <a:ext uri="{28A0092B-C50C-407E-A947-70E740481C1C}">
+                <a14:useLocalDpi xmlns:a14="http://schemas.microsoft.com/office/drawing/2010/main" val="0"/>
+              </a:ext>
+            </a:extLst>
+          </a:blip>
+          <a:stretch>
+            <a:fillRect/>
+          </a:stretch>
+        </p:blipFill>
+        <p:spPr>
+          <a:xfrm>
+            <a:off x="1676400" y="5257800"/>
+            <a:ext cx="5791200" cy="710466"/>
+          </a:xfrm>
+          <a:prstGeom prst="rect">
+            <a:avLst/>
+          </a:prstGeom>
+        </p:spPr>
+      </p:pic>
     </p:spTree>
     <p:extLst>
       <p:ext uri="{BB962C8B-B14F-4D97-AF65-F5344CB8AC3E}">
-        <p14:creationId xmlns:p14="http://schemas.microsoft.com/office/powerpoint/2010/main" val="3169918583"/>
+        <p14:creationId xmlns:p14="http://schemas.microsoft.com/office/powerpoint/2010/main" val="3625802255"/>
       </p:ext>
     </p:extLst>
   </p:cSld>

--- a/diploma_work_materials/Diploma_slides.pptx
+++ b/diploma_work_materials/Diploma_slides.pptx
@@ -235,7 +235,7 @@
           <a:p>
             <a:fld id="{DC0B8FE5-3809-4277-AF2B-8784DBC000AA}" type="datetimeFigureOut">
               <a:rPr lang="en-US" smtClean="0"/>
-              <a:t>5/25/2018</a:t>
+              <a:t>5/29/2018</a:t>
             </a:fld>
             <a:endParaRPr lang="en-US"/>
           </a:p>
@@ -696,7 +696,7 @@
           <a:p>
             <a:fld id="{9616E58A-1502-49A9-81BD-C67CE2D6112C}" type="datetimeFigureOut">
               <a:rPr lang="en-US" smtClean="0"/>
-              <a:t>5/25/2018</a:t>
+              <a:t>5/29/2018</a:t>
             </a:fld>
             <a:endParaRPr lang="en-US"/>
           </a:p>
@@ -961,7 +961,7 @@
           <a:p>
             <a:fld id="{9616E58A-1502-49A9-81BD-C67CE2D6112C}" type="datetimeFigureOut">
               <a:rPr lang="en-US" smtClean="0"/>
-              <a:t>5/25/2018</a:t>
+              <a:t>5/29/2018</a:t>
             </a:fld>
             <a:endParaRPr lang="en-US"/>
           </a:p>
@@ -1136,7 +1136,7 @@
           <a:p>
             <a:fld id="{9616E58A-1502-49A9-81BD-C67CE2D6112C}" type="datetimeFigureOut">
               <a:rPr lang="en-US" smtClean="0"/>
-              <a:t>5/25/2018</a:t>
+              <a:t>5/29/2018</a:t>
             </a:fld>
             <a:endParaRPr lang="en-US"/>
           </a:p>
@@ -1301,7 +1301,7 @@
           <a:p>
             <a:fld id="{9616E58A-1502-49A9-81BD-C67CE2D6112C}" type="datetimeFigureOut">
               <a:rPr lang="en-US" smtClean="0"/>
-              <a:t>5/25/2018</a:t>
+              <a:t>5/29/2018</a:t>
             </a:fld>
             <a:endParaRPr lang="en-US"/>
           </a:p>
@@ -1550,7 +1550,7 @@
           <a:p>
             <a:fld id="{9616E58A-1502-49A9-81BD-C67CE2D6112C}" type="datetimeFigureOut">
               <a:rPr lang="en-US" smtClean="0"/>
-              <a:t>5/25/2018</a:t>
+              <a:t>5/29/2018</a:t>
             </a:fld>
             <a:endParaRPr lang="en-US"/>
           </a:p>
@@ -1833,7 +1833,7 @@
           <a:p>
             <a:fld id="{9616E58A-1502-49A9-81BD-C67CE2D6112C}" type="datetimeFigureOut">
               <a:rPr lang="en-US" smtClean="0"/>
-              <a:t>5/25/2018</a:t>
+              <a:t>5/29/2018</a:t>
             </a:fld>
             <a:endParaRPr lang="en-US"/>
           </a:p>
@@ -2272,7 +2272,7 @@
           <a:p>
             <a:fld id="{9616E58A-1502-49A9-81BD-C67CE2D6112C}" type="datetimeFigureOut">
               <a:rPr lang="en-US" smtClean="0"/>
-              <a:t>5/25/2018</a:t>
+              <a:t>5/29/2018</a:t>
             </a:fld>
             <a:endParaRPr lang="en-US"/>
           </a:p>
@@ -2385,7 +2385,7 @@
           <a:p>
             <a:fld id="{9616E58A-1502-49A9-81BD-C67CE2D6112C}" type="datetimeFigureOut">
               <a:rPr lang="en-US" smtClean="0"/>
-              <a:t>5/25/2018</a:t>
+              <a:t>5/29/2018</a:t>
             </a:fld>
             <a:endParaRPr lang="en-US"/>
           </a:p>
@@ -2475,7 +2475,7 @@
           <a:p>
             <a:fld id="{9616E58A-1502-49A9-81BD-C67CE2D6112C}" type="datetimeFigureOut">
               <a:rPr lang="en-US" smtClean="0"/>
-              <a:t>5/25/2018</a:t>
+              <a:t>5/29/2018</a:t>
             </a:fld>
             <a:endParaRPr lang="en-US"/>
           </a:p>
@@ -2717,7 +2717,7 @@
           <a:p>
             <a:fld id="{9616E58A-1502-49A9-81BD-C67CE2D6112C}" type="datetimeFigureOut">
               <a:rPr lang="en-US" smtClean="0"/>
-              <a:t>5/25/2018</a:t>
+              <a:t>5/29/2018</a:t>
             </a:fld>
             <a:endParaRPr lang="en-US"/>
           </a:p>
@@ -3011,7 +3011,7 @@
           <a:p>
             <a:fld id="{9616E58A-1502-49A9-81BD-C67CE2D6112C}" type="datetimeFigureOut">
               <a:rPr lang="en-US" smtClean="0"/>
-              <a:t>5/25/2018</a:t>
+              <a:t>5/29/2018</a:t>
             </a:fld>
             <a:endParaRPr lang="en-US"/>
           </a:p>
@@ -3305,7 +3305,7 @@
           <a:p>
             <a:fld id="{9616E58A-1502-49A9-81BD-C67CE2D6112C}" type="datetimeFigureOut">
               <a:rPr lang="en-US" smtClean="0"/>
-              <a:t>5/25/2018</a:t>
+              <a:t>5/29/2018</a:t>
             </a:fld>
             <a:endParaRPr lang="en-US"/>
           </a:p>
@@ -6936,6 +6936,42 @@
           </a:xfrm>
         </p:spPr>
       </p:pic>
+      <p:pic>
+        <p:nvPicPr>
+          <p:cNvPr id="4" name="Picture 3">
+            <a:extLst>
+              <a:ext uri="{FF2B5EF4-FFF2-40B4-BE49-F238E27FC236}">
+                <a16:creationId xmlns:a16="http://schemas.microsoft.com/office/drawing/2014/main" id="{9ADC9442-5270-4F42-9416-3508CC143B85}"/>
+              </a:ext>
+            </a:extLst>
+          </p:cNvPr>
+          <p:cNvPicPr>
+            <a:picLocks noChangeAspect="1"/>
+          </p:cNvPicPr>
+          <p:nvPr/>
+        </p:nvPicPr>
+        <p:blipFill>
+          <a:blip r:embed="rId3">
+            <a:extLst>
+              <a:ext uri="{28A0092B-C50C-407E-A947-70E740481C1C}">
+                <a14:useLocalDpi xmlns:a14="http://schemas.microsoft.com/office/drawing/2010/main" val="0"/>
+              </a:ext>
+            </a:extLst>
+          </a:blip>
+          <a:stretch>
+            <a:fillRect/>
+          </a:stretch>
+        </p:blipFill>
+        <p:spPr>
+          <a:xfrm>
+            <a:off x="457200" y="1785902"/>
+            <a:ext cx="7620000" cy="4306957"/>
+          </a:xfrm>
+          <a:prstGeom prst="rect">
+            <a:avLst/>
+          </a:prstGeom>
+        </p:spPr>
+      </p:pic>
     </p:spTree>
     <p:extLst>
       <p:ext uri="{BB962C8B-B14F-4D97-AF65-F5344CB8AC3E}">
@@ -7663,8 +7699,8 @@
           </a:p>
         </p:txBody>
       </p:sp>
-      <mc:AlternateContent xmlns:mc="http://schemas.openxmlformats.org/markup-compatibility/2006">
-        <mc:Choice xmlns:a14="http://schemas.microsoft.com/office/drawing/2010/main" Requires="a14">
+      <mc:AlternateContent xmlns:mc="http://schemas.openxmlformats.org/markup-compatibility/2006" xmlns:a14="http://schemas.microsoft.com/office/drawing/2010/main">
+        <mc:Choice Requires="a14">
           <p:sp>
             <p:nvSpPr>
               <p:cNvPr id="3" name="Объект 2"/>
@@ -7944,7 +7980,7 @@
             </p:txBody>
           </p:sp>
         </mc:Choice>
-        <mc:Fallback>
+        <mc:Fallback xmlns="">
           <p:sp>
             <p:nvSpPr>
               <p:cNvPr id="3" name="Объект 2"/>
@@ -8031,8 +8067,8 @@
           </a:p>
         </p:txBody>
       </p:sp>
-      <mc:AlternateContent xmlns:mc="http://schemas.openxmlformats.org/markup-compatibility/2006" xmlns:a14="http://schemas.microsoft.com/office/drawing/2010/main">
-        <mc:Choice Requires="a14">
+      <mc:AlternateContent xmlns:mc="http://schemas.openxmlformats.org/markup-compatibility/2006">
+        <mc:Choice xmlns:a14="http://schemas.microsoft.com/office/drawing/2010/main" Requires="a14">
           <p:sp>
             <p:nvSpPr>
               <p:cNvPr id="3" name="Объект 2"/>
@@ -8296,10 +8332,10 @@
                       </m:e>
                       <m:sub>
                         <m:r>
-                          <a:rPr lang="ru-RU" sz="2400" i="1">
-                            <a:latin typeface="Cambria Math"/>
+                          <a:rPr lang="en-US" sz="2400" b="1" i="1" smtClean="0">
+                            <a:latin typeface="Cambria Math" panose="02040503050406030204" pitchFamily="18" charset="0"/>
                           </a:rPr>
-                          <m:t>𝒋</m:t>
+                          <m:t>𝒊</m:t>
                         </m:r>
                       </m:sub>
                     </m:sSub>
@@ -8329,7 +8365,7 @@
             </p:txBody>
           </p:sp>
         </mc:Choice>
-        <mc:Fallback xmlns="">
+        <mc:Fallback>
           <p:sp>
             <p:nvSpPr>
               <p:cNvPr id="3" name="Объект 2"/>
